--- a/PPT/DeepLearning09-Keras.pptx
+++ b/PPT/DeepLearning09-Keras.pptx
@@ -5004,8 +5004,8 @@
               <a:t> / </a:t>
             </a:r>
             <a:r>
-              <a:rPr lang="fr-FR" dirty="0" err="1"/>
-              <a:t>nbBacktracking</a:t>
+              <a:rPr lang="fr-FR"/>
+              <a:t>nbBackpropagation</a:t>
             </a:r>
             <a:endParaRPr lang="fr-FR" dirty="0"/>
           </a:p>

--- a/PPT/DeepLearning09-Keras.pptx
+++ b/PPT/DeepLearning09-Keras.pptx
@@ -5,10 +5,10 @@
     <p:sldMasterId id="2147483653" r:id="rId1"/>
   </p:sldMasterIdLst>
   <p:notesMasterIdLst>
-    <p:notesMasterId r:id="rId47"/>
+    <p:notesMasterId r:id="rId29"/>
   </p:notesMasterIdLst>
   <p:handoutMasterIdLst>
-    <p:handoutMasterId r:id="rId48"/>
+    <p:handoutMasterId r:id="rId30"/>
   </p:handoutMasterIdLst>
   <p:sldIdLst>
     <p:sldId id="264" r:id="rId2"/>
@@ -21,41 +21,23 @@
     <p:sldId id="330" r:id="rId9"/>
     <p:sldId id="329" r:id="rId10"/>
     <p:sldId id="331" r:id="rId11"/>
-    <p:sldId id="300" r:id="rId12"/>
-    <p:sldId id="332" r:id="rId13"/>
-    <p:sldId id="359" r:id="rId14"/>
-    <p:sldId id="301" r:id="rId15"/>
-    <p:sldId id="334" r:id="rId16"/>
-    <p:sldId id="302" r:id="rId17"/>
-    <p:sldId id="333" r:id="rId18"/>
-    <p:sldId id="316" r:id="rId19"/>
-    <p:sldId id="303" r:id="rId20"/>
-    <p:sldId id="304" r:id="rId21"/>
-    <p:sldId id="336" r:id="rId22"/>
-    <p:sldId id="335" r:id="rId23"/>
-    <p:sldId id="337" r:id="rId24"/>
-    <p:sldId id="338" r:id="rId25"/>
-    <p:sldId id="339" r:id="rId26"/>
-    <p:sldId id="340" r:id="rId27"/>
-    <p:sldId id="341" r:id="rId28"/>
-    <p:sldId id="350" r:id="rId29"/>
-    <p:sldId id="342" r:id="rId30"/>
-    <p:sldId id="343" r:id="rId31"/>
-    <p:sldId id="344" r:id="rId32"/>
-    <p:sldId id="345" r:id="rId33"/>
-    <p:sldId id="346" r:id="rId34"/>
-    <p:sldId id="360" r:id="rId35"/>
-    <p:sldId id="347" r:id="rId36"/>
-    <p:sldId id="305" r:id="rId37"/>
-    <p:sldId id="306" r:id="rId38"/>
-    <p:sldId id="361" r:id="rId39"/>
-    <p:sldId id="349" r:id="rId40"/>
-    <p:sldId id="351" r:id="rId41"/>
-    <p:sldId id="352" r:id="rId42"/>
-    <p:sldId id="354" r:id="rId43"/>
-    <p:sldId id="355" r:id="rId44"/>
-    <p:sldId id="356" r:id="rId45"/>
-    <p:sldId id="357" r:id="rId46"/>
+    <p:sldId id="332" r:id="rId12"/>
+    <p:sldId id="359" r:id="rId13"/>
+    <p:sldId id="301" r:id="rId14"/>
+    <p:sldId id="334" r:id="rId15"/>
+    <p:sldId id="302" r:id="rId16"/>
+    <p:sldId id="333" r:id="rId17"/>
+    <p:sldId id="316" r:id="rId18"/>
+    <p:sldId id="303" r:id="rId19"/>
+    <p:sldId id="304" r:id="rId20"/>
+    <p:sldId id="339" r:id="rId21"/>
+    <p:sldId id="341" r:id="rId22"/>
+    <p:sldId id="350" r:id="rId23"/>
+    <p:sldId id="346" r:id="rId24"/>
+    <p:sldId id="347" r:id="rId25"/>
+    <p:sldId id="306" r:id="rId26"/>
+    <p:sldId id="351" r:id="rId27"/>
+    <p:sldId id="352" r:id="rId28"/>
   </p:sldIdLst>
   <p:sldSz cx="9144000" cy="6858000" type="screen4x3"/>
   <p:notesSz cx="6648450" cy="9782175"/>
@@ -4031,169 +4013,6 @@
           <a:p>
             <a:r>
               <a:rPr lang="fr-FR" dirty="0" err="1"/>
-              <a:t>Initializer</a:t>
-            </a:r>
-            <a:endParaRPr lang="fr-FR" dirty="0"/>
-          </a:p>
-        </p:txBody>
-      </p:sp>
-      <p:sp>
-        <p:nvSpPr>
-          <p:cNvPr id="3" name="Espace réservé du contenu 2"/>
-          <p:cNvSpPr>
-            <a:spLocks noGrp="1"/>
-          </p:cNvSpPr>
-          <p:nvPr>
-            <p:ph idx="1"/>
-          </p:nvPr>
-        </p:nvSpPr>
-        <p:spPr/>
-        <p:txBody>
-          <a:bodyPr/>
-          <a:lstStyle/>
-          <a:p>
-            <a:r>
-              <a:rPr lang="fr-FR" dirty="0" err="1"/>
-              <a:t>kernel_initializer</a:t>
-            </a:r>
-            <a:r>
-              <a:rPr lang="fr-FR" dirty="0"/>
-              <a:t> et </a:t>
-            </a:r>
-            <a:r>
-              <a:rPr lang="fr-FR" dirty="0" err="1"/>
-              <a:t>bias_initializer</a:t>
-            </a:r>
-            <a:endParaRPr lang="fr-FR" dirty="0"/>
-          </a:p>
-          <a:p>
-            <a:pPr lvl="1"/>
-            <a:r>
-              <a:rPr lang="fr-FR" dirty="0"/>
-              <a:t>Valeur initiale des poids</a:t>
-            </a:r>
-          </a:p>
-          <a:p>
-            <a:pPr lvl="1"/>
-            <a:r>
-              <a:rPr lang="fr-FR" dirty="0"/>
-              <a:t>Par défaut </a:t>
-            </a:r>
-            <a:r>
-              <a:rPr lang="fr-FR" dirty="0" err="1"/>
-              <a:t>glorot_normal</a:t>
-            </a:r>
-            <a:endParaRPr lang="fr-FR" dirty="0"/>
-          </a:p>
-          <a:p>
-            <a:pPr lvl="1"/>
-            <a:r>
-              <a:rPr lang="fr-FR" dirty="0" err="1"/>
-              <a:t>sqrt</a:t>
-            </a:r>
-            <a:r>
-              <a:rPr lang="fr-FR" dirty="0"/>
-              <a:t>(2 / (</a:t>
-            </a:r>
-            <a:r>
-              <a:rPr lang="fr-FR" dirty="0" err="1"/>
-              <a:t>nb_in</a:t>
-            </a:r>
-            <a:r>
-              <a:rPr lang="fr-FR" dirty="0"/>
-              <a:t> + </a:t>
-            </a:r>
-            <a:r>
-              <a:rPr lang="fr-FR" dirty="0" err="1"/>
-              <a:t>nb_out</a:t>
-            </a:r>
-            <a:r>
-              <a:rPr lang="fr-FR" dirty="0"/>
-              <a:t>))</a:t>
-            </a:r>
-          </a:p>
-          <a:p>
-            <a:pPr lvl="1"/>
-            <a:r>
-              <a:rPr lang="fr-FR" dirty="0" err="1"/>
-              <a:t>nb_in</a:t>
-            </a:r>
-            <a:r>
-              <a:rPr lang="fr-FR" dirty="0"/>
-              <a:t> = nb input du perceptron (</a:t>
-            </a:r>
-            <a:r>
-              <a:rPr lang="fr-FR" dirty="0" err="1"/>
-              <a:t>tensor</a:t>
-            </a:r>
-            <a:r>
-              <a:rPr lang="fr-FR" dirty="0"/>
-              <a:t>)</a:t>
-            </a:r>
-          </a:p>
-          <a:p>
-            <a:pPr lvl="1"/>
-            <a:r>
-              <a:rPr lang="fr-FR" dirty="0" err="1"/>
-              <a:t>nb_out</a:t>
-            </a:r>
-            <a:r>
-              <a:rPr lang="fr-FR" dirty="0"/>
-              <a:t> = nb output</a:t>
-            </a:r>
-          </a:p>
-          <a:p>
-            <a:endParaRPr lang="fr-FR" dirty="0"/>
-          </a:p>
-        </p:txBody>
-      </p:sp>
-    </p:spTree>
-    <p:extLst>
-      <p:ext uri="{BB962C8B-B14F-4D97-AF65-F5344CB8AC3E}">
-        <p14:creationId xmlns:p14="http://schemas.microsoft.com/office/powerpoint/2010/main" val="1545217778"/>
-      </p:ext>
-    </p:extLst>
-  </p:cSld>
-  <p:clrMapOvr>
-    <a:masterClrMapping/>
-  </p:clrMapOvr>
-</p:sld>
-</file>
-
-<file path=ppt/slides/slide12.xml><?xml version="1.0" encoding="utf-8"?>
-<p:sld xmlns:a="http://schemas.openxmlformats.org/drawingml/2006/main" xmlns:r="http://schemas.openxmlformats.org/officeDocument/2006/relationships" xmlns:p="http://schemas.openxmlformats.org/presentationml/2006/main">
-  <p:cSld>
-    <p:spTree>
-      <p:nvGrpSpPr>
-        <p:cNvPr id="1" name=""/>
-        <p:cNvGrpSpPr/>
-        <p:nvPr/>
-      </p:nvGrpSpPr>
-      <p:grpSpPr>
-        <a:xfrm>
-          <a:off x="0" y="0"/>
-          <a:ext cx="0" cy="0"/>
-          <a:chOff x="0" y="0"/>
-          <a:chExt cx="0" cy="0"/>
-        </a:xfrm>
-      </p:grpSpPr>
-      <p:sp>
-        <p:nvSpPr>
-          <p:cNvPr id="2" name="Titre 1"/>
-          <p:cNvSpPr>
-            <a:spLocks noGrp="1"/>
-          </p:cNvSpPr>
-          <p:nvPr>
-            <p:ph type="title"/>
-          </p:nvPr>
-        </p:nvSpPr>
-        <p:spPr/>
-        <p:txBody>
-          <a:bodyPr/>
-          <a:lstStyle/>
-          <a:p>
-            <a:r>
-              <a:rPr lang="fr-FR" dirty="0" err="1"/>
               <a:t>Optimizer</a:t>
             </a:r>
             <a:endParaRPr lang="fr-FR" dirty="0"/>
@@ -4331,7 +4150,7 @@
 </p:sld>
 </file>
 
-<file path=ppt/slides/slide13.xml><?xml version="1.0" encoding="utf-8"?>
+<file path=ppt/slides/slide12.xml><?xml version="1.0" encoding="utf-8"?>
 <p:sld xmlns:a="http://schemas.openxmlformats.org/drawingml/2006/main" xmlns:r="http://schemas.openxmlformats.org/officeDocument/2006/relationships" xmlns:p="http://schemas.openxmlformats.org/presentationml/2006/main">
   <p:cSld>
     <p:spTree>
@@ -4425,6 +4244,242 @@
 </p:sld>
 </file>
 
+<file path=ppt/slides/slide13.xml><?xml version="1.0" encoding="utf-8"?>
+<p:sld xmlns:a="http://schemas.openxmlformats.org/drawingml/2006/main" xmlns:r="http://schemas.openxmlformats.org/officeDocument/2006/relationships" xmlns:p="http://schemas.openxmlformats.org/presentationml/2006/main">
+  <p:cSld>
+    <p:spTree>
+      <p:nvGrpSpPr>
+        <p:cNvPr id="1" name=""/>
+        <p:cNvGrpSpPr/>
+        <p:nvPr/>
+      </p:nvGrpSpPr>
+      <p:grpSpPr>
+        <a:xfrm>
+          <a:off x="0" y="0"/>
+          <a:ext cx="0" cy="0"/>
+          <a:chOff x="0" y="0"/>
+          <a:chExt cx="0" cy="0"/>
+        </a:xfrm>
+      </p:grpSpPr>
+      <p:sp>
+        <p:nvSpPr>
+          <p:cNvPr id="2" name="Titre 1"/>
+          <p:cNvSpPr>
+            <a:spLocks noGrp="1"/>
+          </p:cNvSpPr>
+          <p:nvPr>
+            <p:ph type="title"/>
+          </p:nvPr>
+        </p:nvSpPr>
+        <p:spPr/>
+        <p:txBody>
+          <a:bodyPr/>
+          <a:lstStyle/>
+          <a:p>
+            <a:r>
+              <a:rPr lang="fr-FR" dirty="0"/>
+              <a:t>Compile</a:t>
+            </a:r>
+          </a:p>
+        </p:txBody>
+      </p:sp>
+      <p:sp>
+        <p:nvSpPr>
+          <p:cNvPr id="3" name="Espace réservé du contenu 2"/>
+          <p:cNvSpPr>
+            <a:spLocks noGrp="1"/>
+          </p:cNvSpPr>
+          <p:nvPr>
+            <p:ph idx="1"/>
+          </p:nvPr>
+        </p:nvSpPr>
+        <p:spPr/>
+        <p:txBody>
+          <a:bodyPr/>
+          <a:lstStyle/>
+          <a:p>
+            <a:r>
+              <a:rPr lang="fr-FR" dirty="0"/>
+              <a:t>Compile construit le réseaux de tenseurs</a:t>
+            </a:r>
+          </a:p>
+          <a:p>
+            <a:endParaRPr lang="fr-FR" dirty="0"/>
+          </a:p>
+          <a:p>
+            <a:endParaRPr lang="fr-FR" dirty="0"/>
+          </a:p>
+          <a:p>
+            <a:pPr lvl="1"/>
+            <a:r>
+              <a:rPr lang="fr-FR" dirty="0" err="1"/>
+              <a:t>Loss</a:t>
+            </a:r>
+            <a:endParaRPr lang="fr-FR" dirty="0"/>
+          </a:p>
+          <a:p>
+            <a:pPr lvl="2"/>
+            <a:r>
+              <a:rPr lang="fr-FR" dirty="0"/>
+              <a:t>Méthode de calcul du </a:t>
+            </a:r>
+            <a:r>
+              <a:rPr lang="fr-FR" dirty="0" err="1"/>
+              <a:t>loss</a:t>
+            </a:r>
+            <a:endParaRPr lang="fr-FR" dirty="0"/>
+          </a:p>
+          <a:p>
+            <a:pPr lvl="2"/>
+            <a:r>
+              <a:rPr lang="fr-FR" dirty="0" err="1"/>
+              <a:t>mse</a:t>
+            </a:r>
+            <a:r>
+              <a:rPr lang="fr-FR" dirty="0"/>
+              <a:t> :  </a:t>
+            </a:r>
+            <a:r>
+              <a:rPr lang="fr-FR" dirty="0" err="1"/>
+              <a:t>Mean</a:t>
+            </a:r>
+            <a:r>
+              <a:rPr lang="fr-FR" dirty="0"/>
+              <a:t> </a:t>
+            </a:r>
+            <a:r>
+              <a:rPr lang="fr-FR" dirty="0" err="1"/>
+              <a:t>Squared</a:t>
+            </a:r>
+            <a:r>
+              <a:rPr lang="fr-FR" dirty="0"/>
+              <a:t> </a:t>
+            </a:r>
+            <a:r>
+              <a:rPr lang="fr-FR" dirty="0" err="1"/>
+              <a:t>Error</a:t>
+            </a:r>
+            <a:endParaRPr lang="fr-FR" dirty="0"/>
+          </a:p>
+          <a:p>
+            <a:pPr lvl="1"/>
+            <a:r>
+              <a:rPr lang="fr-FR" dirty="0" err="1"/>
+              <a:t>Metrics</a:t>
+            </a:r>
+            <a:endParaRPr lang="fr-FR" dirty="0"/>
+          </a:p>
+          <a:p>
+            <a:pPr lvl="2"/>
+            <a:r>
+              <a:rPr lang="fr-FR" dirty="0"/>
+              <a:t>Par défaut seul le </a:t>
+            </a:r>
+            <a:r>
+              <a:rPr lang="fr-FR" dirty="0" err="1"/>
+              <a:t>loss</a:t>
+            </a:r>
+            <a:r>
+              <a:rPr lang="fr-FR" dirty="0"/>
+              <a:t> est affiché (peu parlant)</a:t>
+            </a:r>
+          </a:p>
+          <a:p>
+            <a:pPr lvl="2"/>
+            <a:r>
+              <a:rPr lang="fr-FR" dirty="0"/>
+              <a:t>Le </a:t>
+            </a:r>
+            <a:r>
+              <a:rPr lang="fr-FR" dirty="0" err="1"/>
+              <a:t>metric</a:t>
+            </a:r>
+            <a:r>
+              <a:rPr lang="fr-FR" dirty="0"/>
+              <a:t> le plus parlant est </a:t>
+            </a:r>
+            <a:r>
+              <a:rPr lang="fr-FR" dirty="0" err="1"/>
+              <a:t>accuracy</a:t>
+            </a:r>
+            <a:r>
+              <a:rPr lang="fr-FR" dirty="0"/>
+              <a:t> qui affiche la précision du calcul soit </a:t>
+            </a:r>
+            <a:r>
+              <a:rPr lang="fr-FR" dirty="0" err="1"/>
+              <a:t>nbGoodResult</a:t>
+            </a:r>
+            <a:r>
+              <a:rPr lang="fr-FR" dirty="0"/>
+              <a:t> / </a:t>
+            </a:r>
+            <a:r>
+              <a:rPr lang="fr-FR" dirty="0" err="1"/>
+              <a:t>nbTotalItem</a:t>
+            </a:r>
+            <a:endParaRPr lang="fr-FR" dirty="0"/>
+          </a:p>
+          <a:p>
+            <a:r>
+              <a:rPr lang="fr-FR" dirty="0" err="1"/>
+              <a:t>Model.summary</a:t>
+            </a:r>
+            <a:r>
+              <a:rPr lang="fr-FR" dirty="0"/>
+              <a:t>()</a:t>
+            </a:r>
+          </a:p>
+          <a:p>
+            <a:pPr lvl="1"/>
+            <a:r>
+              <a:rPr lang="fr-FR" dirty="0"/>
+              <a:t>Affiche le réseau</a:t>
+            </a:r>
+          </a:p>
+          <a:p>
+            <a:pPr lvl="1"/>
+            <a:endParaRPr lang="fr-FR" dirty="0"/>
+          </a:p>
+        </p:txBody>
+      </p:sp>
+      <p:pic>
+        <p:nvPicPr>
+          <p:cNvPr id="4" name="Image 3"/>
+          <p:cNvPicPr>
+            <a:picLocks noChangeAspect="1"/>
+          </p:cNvPicPr>
+          <p:nvPr/>
+        </p:nvPicPr>
+        <p:blipFill>
+          <a:blip r:embed="rId2"/>
+          <a:stretch>
+            <a:fillRect/>
+          </a:stretch>
+        </p:blipFill>
+        <p:spPr>
+          <a:xfrm>
+            <a:off x="1331640" y="2060848"/>
+            <a:ext cx="6790469" cy="936104"/>
+          </a:xfrm>
+          <a:prstGeom prst="rect">
+            <a:avLst/>
+          </a:prstGeom>
+        </p:spPr>
+      </p:pic>
+    </p:spTree>
+    <p:extLst>
+      <p:ext uri="{BB962C8B-B14F-4D97-AF65-F5344CB8AC3E}">
+        <p14:creationId xmlns:p14="http://schemas.microsoft.com/office/powerpoint/2010/main" val="3362192265"/>
+      </p:ext>
+    </p:extLst>
+  </p:cSld>
+  <p:clrMapOvr>
+    <a:masterClrMapping/>
+  </p:clrMapOvr>
+</p:sld>
+</file>
+
 <file path=ppt/slides/slide14.xml><?xml version="1.0" encoding="utf-8"?>
 <p:sld xmlns:a="http://schemas.openxmlformats.org/drawingml/2006/main" xmlns:r="http://schemas.openxmlformats.org/officeDocument/2006/relationships" xmlns:p="http://schemas.openxmlformats.org/presentationml/2006/main">
   <p:cSld>
@@ -4459,168 +4514,8 @@
           <a:p>
             <a:r>
               <a:rPr lang="fr-FR" dirty="0"/>
-              <a:t>Compile</a:t>
-            </a:r>
-          </a:p>
-        </p:txBody>
-      </p:sp>
-      <p:sp>
-        <p:nvSpPr>
-          <p:cNvPr id="3" name="Espace réservé du contenu 2"/>
-          <p:cNvSpPr>
-            <a:spLocks noGrp="1"/>
-          </p:cNvSpPr>
-          <p:nvPr>
-            <p:ph idx="1"/>
-          </p:nvPr>
-        </p:nvSpPr>
-        <p:spPr/>
-        <p:txBody>
-          <a:bodyPr/>
-          <a:lstStyle/>
-          <a:p>
-            <a:r>
-              <a:rPr lang="fr-FR" dirty="0"/>
-              <a:t>Compile construit le réseaux de tenseurs</a:t>
-            </a:r>
-          </a:p>
-          <a:p>
-            <a:endParaRPr lang="fr-FR" dirty="0"/>
-          </a:p>
-          <a:p>
-            <a:endParaRPr lang="fr-FR" dirty="0"/>
-          </a:p>
-          <a:p>
-            <a:pPr lvl="1"/>
-            <a:r>
-              <a:rPr lang="fr-FR" dirty="0" err="1"/>
-              <a:t>Loss</a:t>
-            </a:r>
-            <a:endParaRPr lang="fr-FR" dirty="0"/>
-          </a:p>
-          <a:p>
-            <a:pPr lvl="2"/>
-            <a:r>
-              <a:rPr lang="fr-FR" dirty="0"/>
-              <a:t>Méthode de calcul du </a:t>
-            </a:r>
-            <a:r>
-              <a:rPr lang="fr-FR" dirty="0" err="1"/>
-              <a:t>loss</a:t>
-            </a:r>
-            <a:endParaRPr lang="fr-FR" dirty="0"/>
-          </a:p>
-          <a:p>
-            <a:pPr lvl="2"/>
-            <a:r>
-              <a:rPr lang="fr-FR" dirty="0" err="1"/>
-              <a:t>mse</a:t>
-            </a:r>
-            <a:r>
-              <a:rPr lang="fr-FR" dirty="0"/>
-              <a:t> :  </a:t>
-            </a:r>
-            <a:r>
-              <a:rPr lang="fr-FR" dirty="0" err="1"/>
-              <a:t>Mean</a:t>
-            </a:r>
-            <a:r>
-              <a:rPr lang="fr-FR" dirty="0"/>
-              <a:t> </a:t>
-            </a:r>
-            <a:r>
-              <a:rPr lang="fr-FR" dirty="0" err="1"/>
-              <a:t>Squared</a:t>
-            </a:r>
-            <a:r>
-              <a:rPr lang="fr-FR" dirty="0"/>
-              <a:t> </a:t>
-            </a:r>
-            <a:r>
-              <a:rPr lang="fr-FR" dirty="0" err="1"/>
-              <a:t>Error</a:t>
-            </a:r>
-            <a:endParaRPr lang="fr-FR" dirty="0"/>
-          </a:p>
-          <a:p>
-            <a:pPr lvl="1"/>
-            <a:r>
-              <a:rPr lang="fr-FR" dirty="0" err="1"/>
-              <a:t>Metrics</a:t>
-            </a:r>
-            <a:endParaRPr lang="fr-FR" dirty="0"/>
-          </a:p>
-          <a:p>
-            <a:pPr lvl="2"/>
-            <a:r>
-              <a:rPr lang="fr-FR" dirty="0"/>
-              <a:t>Par défaut seul le </a:t>
-            </a:r>
-            <a:r>
-              <a:rPr lang="fr-FR" dirty="0" err="1"/>
-              <a:t>loss</a:t>
-            </a:r>
-            <a:r>
-              <a:rPr lang="fr-FR" dirty="0"/>
-              <a:t> est affiché (peu parlant)</a:t>
-            </a:r>
-          </a:p>
-          <a:p>
-            <a:pPr lvl="2"/>
-            <a:r>
-              <a:rPr lang="fr-FR" dirty="0"/>
-              <a:t>Le </a:t>
-            </a:r>
-            <a:r>
-              <a:rPr lang="fr-FR" dirty="0" err="1"/>
-              <a:t>metric</a:t>
-            </a:r>
-            <a:r>
-              <a:rPr lang="fr-FR" dirty="0"/>
-              <a:t> le plus parlant est </a:t>
-            </a:r>
-            <a:r>
-              <a:rPr lang="fr-FR" dirty="0" err="1"/>
-              <a:t>accuracy</a:t>
-            </a:r>
-            <a:r>
-              <a:rPr lang="fr-FR" dirty="0"/>
-              <a:t> qui affiche la précision du calcul soit </a:t>
-            </a:r>
-            <a:r>
-              <a:rPr lang="fr-FR" dirty="0" err="1"/>
-              <a:t>nbGoodResult</a:t>
-            </a:r>
-            <a:r>
-              <a:rPr lang="fr-FR" dirty="0"/>
-              <a:t> / </a:t>
-            </a:r>
-            <a:r>
-              <a:rPr lang="fr-FR" dirty="0" err="1"/>
-              <a:t>nbTotalItem</a:t>
-            </a:r>
-            <a:endParaRPr lang="fr-FR" dirty="0"/>
-          </a:p>
-          <a:p>
-            <a:r>
-              <a:rPr lang="fr-FR" dirty="0" err="1"/>
-              <a:t>Model.summary</a:t>
-            </a:r>
-            <a:r>
-              <a:rPr lang="fr-FR" dirty="0"/>
-              <a:t>()</a:t>
-            </a:r>
-          </a:p>
-          <a:p>
-            <a:pPr lvl="1"/>
-            <a:r>
-              <a:rPr lang="fr-FR" dirty="0"/>
-              <a:t>Affiche le réseau</a:t>
-            </a:r>
-          </a:p>
-          <a:p>
-            <a:pPr lvl="1"/>
-            <a:endParaRPr lang="fr-FR" dirty="0"/>
+              <a:t>Exemple complet de compilation</a:t>
+            </a:r>
           </a:p>
         </p:txBody>
       </p:sp>
@@ -4640,8 +4535,8 @@
         </p:blipFill>
         <p:spPr>
           <a:xfrm>
-            <a:off x="1331640" y="2060848"/>
-            <a:ext cx="6790469" cy="936104"/>
+            <a:off x="755576" y="1412776"/>
+            <a:ext cx="7433697" cy="3312368"/>
           </a:xfrm>
           <a:prstGeom prst="rect">
             <a:avLst/>
@@ -4651,7 +4546,7 @@
     </p:spTree>
     <p:extLst>
       <p:ext uri="{BB962C8B-B14F-4D97-AF65-F5344CB8AC3E}">
-        <p14:creationId xmlns:p14="http://schemas.microsoft.com/office/powerpoint/2010/main" val="3362192265"/>
+        <p14:creationId xmlns:p14="http://schemas.microsoft.com/office/powerpoint/2010/main" val="389873824"/>
       </p:ext>
     </p:extLst>
   </p:cSld>
@@ -4695,8 +4590,77 @@
           <a:p>
             <a:r>
               <a:rPr lang="fr-FR" dirty="0"/>
-              <a:t>Exemple complet de compilation</a:t>
-            </a:r>
+              <a:t>Fit</a:t>
+            </a:r>
+          </a:p>
+        </p:txBody>
+      </p:sp>
+      <p:sp>
+        <p:nvSpPr>
+          <p:cNvPr id="3" name="Espace réservé du contenu 2"/>
+          <p:cNvSpPr>
+            <a:spLocks noGrp="1"/>
+          </p:cNvSpPr>
+          <p:nvPr>
+            <p:ph idx="1"/>
+          </p:nvPr>
+        </p:nvSpPr>
+        <p:spPr/>
+        <p:txBody>
+          <a:bodyPr/>
+          <a:lstStyle/>
+          <a:p>
+            <a:r>
+              <a:rPr lang="fr-FR" dirty="0"/>
+              <a:t>Entraine le modèle</a:t>
+            </a:r>
+          </a:p>
+          <a:p>
+            <a:pPr lvl="1"/>
+            <a:r>
+              <a:rPr lang="fr-FR" dirty="0" err="1"/>
+              <a:t>model.fit</a:t>
+            </a:r>
+            <a:r>
+              <a:rPr lang="fr-FR" dirty="0"/>
+              <a:t>(</a:t>
+            </a:r>
+            <a:r>
+              <a:rPr lang="fr-FR" dirty="0" err="1"/>
+              <a:t>dataset</a:t>
+            </a:r>
+            <a:r>
+              <a:rPr lang="fr-FR" dirty="0"/>
+              <a:t>, </a:t>
+            </a:r>
+            <a:r>
+              <a:rPr lang="fr-FR" dirty="0" err="1"/>
+              <a:t>epochs</a:t>
+            </a:r>
+            <a:r>
+              <a:rPr lang="fr-FR" dirty="0"/>
+              <a:t>=10, </a:t>
+            </a:r>
+            <a:r>
+              <a:rPr lang="fr-FR" dirty="0" err="1"/>
+              <a:t>batch_size</a:t>
+            </a:r>
+            <a:r>
+              <a:rPr lang="fr-FR" dirty="0"/>
+              <a:t>=10)</a:t>
+            </a:r>
+          </a:p>
+          <a:p>
+            <a:pPr lvl="1"/>
+            <a:r>
+              <a:rPr lang="fr-FR" dirty="0"/>
+              <a:t>Retourne l’historique des </a:t>
+            </a:r>
+            <a:r>
+              <a:rPr lang="fr-FR" dirty="0" err="1"/>
+              <a:t>metrics</a:t>
+            </a:r>
+            <a:endParaRPr lang="fr-FR" dirty="0"/>
           </a:p>
         </p:txBody>
       </p:sp>
@@ -4716,8 +4680,8 @@
         </p:blipFill>
         <p:spPr>
           <a:xfrm>
-            <a:off x="755576" y="1412776"/>
-            <a:ext cx="7433697" cy="3312368"/>
+            <a:off x="827584" y="3140968"/>
+            <a:ext cx="7362825" cy="2667000"/>
           </a:xfrm>
           <a:prstGeom prst="rect">
             <a:avLst/>
@@ -4727,7 +4691,7 @@
     </p:spTree>
     <p:extLst>
       <p:ext uri="{BB962C8B-B14F-4D97-AF65-F5344CB8AC3E}">
-        <p14:creationId xmlns:p14="http://schemas.microsoft.com/office/powerpoint/2010/main" val="389873824"/>
+        <p14:creationId xmlns:p14="http://schemas.microsoft.com/office/powerpoint/2010/main" val="299274950"/>
       </p:ext>
     </p:extLst>
   </p:cSld>
@@ -4770,9 +4734,10 @@
           <a:lstStyle/>
           <a:p>
             <a:r>
-              <a:rPr lang="fr-FR" dirty="0"/>
-              <a:t>Fit</a:t>
-            </a:r>
+              <a:rPr lang="fr-FR" dirty="0" err="1"/>
+              <a:t>Epochs</a:t>
+            </a:r>
+            <a:endParaRPr lang="fr-FR" dirty="0"/>
           </a:p>
         </p:txBody>
       </p:sp>
@@ -4792,27 +4757,39 @@
           <a:lstStyle/>
           <a:p>
             <a:r>
-              <a:rPr lang="fr-FR" dirty="0"/>
-              <a:t>Entraine le modèle</a:t>
-            </a:r>
-          </a:p>
-          <a:p>
-            <a:pPr lvl="1"/>
-            <a:r>
-              <a:rPr lang="fr-FR" dirty="0" err="1"/>
-              <a:t>model.fit</a:t>
-            </a:r>
-            <a:r>
-              <a:rPr lang="fr-FR" dirty="0"/>
-              <a:t>(</a:t>
+              <a:rPr lang="fr-FR" dirty="0" err="1"/>
+              <a:t>Epochs</a:t>
+            </a:r>
+            <a:r>
+              <a:rPr lang="fr-FR" dirty="0"/>
+              <a:t> est le nombre d’itération sur tous le </a:t>
             </a:r>
             <a:r>
               <a:rPr lang="fr-FR" dirty="0" err="1"/>
               <a:t>dataset</a:t>
             </a:r>
-            <a:r>
-              <a:rPr lang="fr-FR" dirty="0"/>
-              <a:t>, </a:t>
+            <a:endParaRPr lang="fr-FR" dirty="0"/>
+          </a:p>
+          <a:p>
+            <a:pPr lvl="1"/>
+            <a:r>
+              <a:rPr lang="fr-FR" dirty="0"/>
+              <a:t>Ainsi si le nombre de data dans le </a:t>
+            </a:r>
+            <a:r>
+              <a:rPr lang="fr-FR" dirty="0" err="1"/>
+              <a:t>dataset</a:t>
+            </a:r>
+            <a:r>
+              <a:rPr lang="fr-FR" dirty="0"/>
+              <a:t> est nb = 1000</a:t>
+            </a:r>
+          </a:p>
+          <a:p>
+            <a:pPr lvl="1"/>
+            <a:r>
+              <a:rPr lang="fr-FR" dirty="0"/>
+              <a:t>Si </a:t>
             </a:r>
             <a:r>
               <a:rPr lang="fr-FR" dirty="0" err="1"/>
@@ -4820,59 +4797,77 @@
             </a:r>
             <a:r>
               <a:rPr lang="fr-FR" dirty="0"/>
-              <a:t>=10, </a:t>
-            </a:r>
+              <a:t> = 10 il y aura 10000 inférences</a:t>
+            </a:r>
+          </a:p>
+          <a:p>
             <a:r>
               <a:rPr lang="fr-FR" dirty="0" err="1"/>
               <a:t>batch_size</a:t>
             </a:r>
-            <a:r>
-              <a:rPr lang="fr-FR" dirty="0"/>
-              <a:t>=10)</a:t>
-            </a:r>
-          </a:p>
-          <a:p>
-            <a:pPr lvl="1"/>
-            <a:r>
-              <a:rPr lang="fr-FR" dirty="0"/>
-              <a:t>Retourne l’historique des </a:t>
-            </a:r>
-            <a:r>
-              <a:rPr lang="fr-FR" dirty="0" err="1"/>
-              <a:t>metrics</a:t>
-            </a:r>
             <a:endParaRPr lang="fr-FR" dirty="0"/>
+          </a:p>
+          <a:p>
+            <a:pPr lvl="1"/>
+            <a:r>
+              <a:rPr lang="fr-FR" dirty="0"/>
+              <a:t>Il s’agit du ratio </a:t>
+            </a:r>
+            <a:r>
+              <a:rPr lang="fr-FR" dirty="0" err="1"/>
+              <a:t>nbInference</a:t>
+            </a:r>
+            <a:r>
+              <a:rPr lang="fr-FR" dirty="0"/>
+              <a:t> / </a:t>
+            </a:r>
+            <a:r>
+              <a:rPr lang="fr-FR" dirty="0" err="1"/>
+              <a:t>nbBacktracking</a:t>
+            </a:r>
+            <a:endParaRPr lang="fr-FR" dirty="0"/>
+          </a:p>
+          <a:p>
+            <a:pPr lvl="1"/>
+            <a:r>
+              <a:rPr lang="fr-FR" dirty="0"/>
+              <a:t>Moins précis car le </a:t>
+            </a:r>
+            <a:r>
+              <a:rPr lang="fr-FR" dirty="0" err="1"/>
+              <a:t>loss</a:t>
+            </a:r>
+            <a:r>
+              <a:rPr lang="fr-FR" dirty="0"/>
+              <a:t> est la moyenne des </a:t>
+            </a:r>
+            <a:r>
+              <a:rPr lang="fr-FR" dirty="0" err="1"/>
+              <a:t>loss</a:t>
+            </a:r>
+            <a:r>
+              <a:rPr lang="fr-FR" dirty="0"/>
+              <a:t> des inférences du </a:t>
+            </a:r>
+            <a:r>
+              <a:rPr lang="fr-FR" dirty="0" err="1"/>
+              <a:t>steps</a:t>
+            </a:r>
+            <a:endParaRPr lang="fr-FR" dirty="0"/>
+          </a:p>
+          <a:p>
+            <a:pPr lvl="1"/>
+            <a:r>
+              <a:rPr lang="fr-FR" dirty="0"/>
+              <a:t>Plus rapide sur GPU</a:t>
+            </a:r>
           </a:p>
         </p:txBody>
       </p:sp>
-      <p:pic>
-        <p:nvPicPr>
-          <p:cNvPr id="4" name="Image 3"/>
-          <p:cNvPicPr>
-            <a:picLocks noChangeAspect="1"/>
-          </p:cNvPicPr>
-          <p:nvPr/>
-        </p:nvPicPr>
-        <p:blipFill>
-          <a:blip r:embed="rId2"/>
-          <a:stretch>
-            <a:fillRect/>
-          </a:stretch>
-        </p:blipFill>
-        <p:spPr>
-          <a:xfrm>
-            <a:off x="827584" y="3140968"/>
-            <a:ext cx="7362825" cy="2667000"/>
-          </a:xfrm>
-          <a:prstGeom prst="rect">
-            <a:avLst/>
-          </a:prstGeom>
-        </p:spPr>
-      </p:pic>
     </p:spTree>
     <p:extLst>
       <p:ext uri="{BB962C8B-B14F-4D97-AF65-F5344CB8AC3E}">
-        <p14:creationId xmlns:p14="http://schemas.microsoft.com/office/powerpoint/2010/main" val="299274950"/>
+        <p14:creationId xmlns:p14="http://schemas.microsoft.com/office/powerpoint/2010/main" val="1579135347"/>
       </p:ext>
     </p:extLst>
   </p:cSld>
@@ -4915,8 +4910,12 @@
           <a:lstStyle/>
           <a:p>
             <a:r>
-              <a:rPr lang="fr-FR" dirty="0" err="1"/>
-              <a:t>Epochs</a:t>
+              <a:rPr lang="fr-FR" dirty="0"/>
+              <a:t>Evolution de </a:t>
+            </a:r>
+            <a:r>
+              <a:rPr lang="fr-FR" dirty="0" err="1"/>
+              <a:t>loss</a:t>
             </a:r>
             <a:endParaRPr lang="fr-FR" dirty="0"/>
           </a:p>
@@ -4938,117 +4937,45 @@
           <a:lstStyle/>
           <a:p>
             <a:r>
-              <a:rPr lang="fr-FR" dirty="0" err="1"/>
-              <a:t>Epochs</a:t>
-            </a:r>
-            <a:r>
-              <a:rPr lang="fr-FR" dirty="0"/>
-              <a:t> est le nombre d’itération sur tous le </a:t>
-            </a:r>
-            <a:r>
-              <a:rPr lang="fr-FR" dirty="0" err="1"/>
-              <a:t>dataset</a:t>
+              <a:rPr lang="fr-FR" dirty="0"/>
+              <a:t>Pour 5 </a:t>
+            </a:r>
+            <a:r>
+              <a:rPr lang="fr-FR" dirty="0" err="1"/>
+              <a:t>epoch</a:t>
             </a:r>
             <a:endParaRPr lang="fr-FR" dirty="0"/>
-          </a:p>
-          <a:p>
-            <a:pPr lvl="1"/>
-            <a:r>
-              <a:rPr lang="fr-FR" dirty="0"/>
-              <a:t>Ainsi si le nombre de data dans le </a:t>
-            </a:r>
-            <a:r>
-              <a:rPr lang="fr-FR" dirty="0" err="1"/>
-              <a:t>dataset</a:t>
-            </a:r>
-            <a:r>
-              <a:rPr lang="fr-FR" dirty="0"/>
-              <a:t> est nb = 1000</a:t>
-            </a:r>
-          </a:p>
-          <a:p>
-            <a:pPr lvl="1"/>
-            <a:r>
-              <a:rPr lang="fr-FR" dirty="0"/>
-              <a:t>Si </a:t>
-            </a:r>
-            <a:r>
-              <a:rPr lang="fr-FR" dirty="0" err="1"/>
-              <a:t>epochs</a:t>
-            </a:r>
-            <a:r>
-              <a:rPr lang="fr-FR" dirty="0"/>
-              <a:t> = 10 il y aura 10000 inférences</a:t>
-            </a:r>
-          </a:p>
-          <a:p>
-            <a:r>
-              <a:rPr lang="fr-FR" dirty="0" err="1"/>
-              <a:t>batch_size</a:t>
-            </a:r>
-            <a:endParaRPr lang="fr-FR" dirty="0"/>
-          </a:p>
-          <a:p>
-            <a:pPr lvl="1"/>
-            <a:r>
-              <a:rPr lang="fr-FR" dirty="0"/>
-              <a:t>Il s’agit du ratio </a:t>
-            </a:r>
-            <a:r>
-              <a:rPr lang="fr-FR" dirty="0" err="1"/>
-              <a:t>nbInference</a:t>
-            </a:r>
-            <a:r>
-              <a:rPr lang="fr-FR" dirty="0"/>
-              <a:t> / </a:t>
-            </a:r>
-            <a:r>
-              <a:rPr lang="fr-FR" dirty="0" err="1"/>
-              <a:t>nbBacktracking</a:t>
-            </a:r>
-            <a:endParaRPr lang="fr-FR" dirty="0"/>
-          </a:p>
-          <a:p>
-            <a:pPr lvl="1"/>
-            <a:r>
-              <a:rPr lang="fr-FR" dirty="0"/>
-              <a:t>Moins précis car le </a:t>
-            </a:r>
-            <a:r>
-              <a:rPr lang="fr-FR" dirty="0" err="1"/>
-              <a:t>loss</a:t>
-            </a:r>
-            <a:r>
-              <a:rPr lang="fr-FR" dirty="0"/>
-              <a:t> est la moyenne des </a:t>
-            </a:r>
-            <a:r>
-              <a:rPr lang="fr-FR" dirty="0" err="1"/>
-              <a:t>loss</a:t>
-            </a:r>
-            <a:r>
-              <a:rPr lang="fr-FR" dirty="0"/>
-              <a:t> des inférences du </a:t>
-            </a:r>
-            <a:r>
-              <a:rPr lang="fr-FR" dirty="0" err="1"/>
-              <a:t>steps</a:t>
-            </a:r>
-            <a:endParaRPr lang="fr-FR" dirty="0"/>
-          </a:p>
-          <a:p>
-            <a:pPr lvl="1"/>
-            <a:r>
-              <a:rPr lang="fr-FR" dirty="0"/>
-              <a:t>Plus rapide sur GPU</a:t>
-            </a:r>
           </a:p>
         </p:txBody>
       </p:sp>
+      <p:pic>
+        <p:nvPicPr>
+          <p:cNvPr id="4" name="Image 3"/>
+          <p:cNvPicPr>
+            <a:picLocks noChangeAspect="1"/>
+          </p:cNvPicPr>
+          <p:nvPr/>
+        </p:nvPicPr>
+        <p:blipFill>
+          <a:blip r:embed="rId2"/>
+          <a:stretch>
+            <a:fillRect/>
+          </a:stretch>
+        </p:blipFill>
+        <p:spPr>
+          <a:xfrm>
+            <a:off x="1187624" y="2214008"/>
+            <a:ext cx="6408712" cy="3792696"/>
+          </a:xfrm>
+          <a:prstGeom prst="rect">
+            <a:avLst/>
+          </a:prstGeom>
+        </p:spPr>
+      </p:pic>
     </p:spTree>
     <p:extLst>
       <p:ext uri="{BB962C8B-B14F-4D97-AF65-F5344CB8AC3E}">
-        <p14:creationId xmlns:p14="http://schemas.microsoft.com/office/powerpoint/2010/main" val="1579135347"/>
+        <p14:creationId xmlns:p14="http://schemas.microsoft.com/office/powerpoint/2010/main" val="1698528797"/>
       </p:ext>
     </p:extLst>
   </p:cSld>
@@ -5091,12 +5018,8 @@
           <a:lstStyle/>
           <a:p>
             <a:r>
-              <a:rPr lang="fr-FR" dirty="0"/>
-              <a:t>Evolution de </a:t>
-            </a:r>
-            <a:r>
-              <a:rPr lang="fr-FR" dirty="0" err="1"/>
-              <a:t>loss</a:t>
+              <a:rPr lang="fr-FR" dirty="0" err="1"/>
+              <a:t>Evaluate</a:t>
             </a:r>
             <a:endParaRPr lang="fr-FR" dirty="0"/>
           </a:p>
@@ -5119,44 +5042,72 @@
           <a:p>
             <a:r>
               <a:rPr lang="fr-FR" dirty="0"/>
-              <a:t>Pour 5 </a:t>
-            </a:r>
-            <a:r>
-              <a:rPr lang="fr-FR" dirty="0" err="1"/>
-              <a:t>epoch</a:t>
-            </a:r>
-            <a:endParaRPr lang="fr-FR" dirty="0"/>
+              <a:t>Evalue le modèle</a:t>
+            </a:r>
+          </a:p>
+          <a:p>
+            <a:pPr lvl="1"/>
+            <a:r>
+              <a:rPr lang="fr-FR" dirty="0" err="1"/>
+              <a:t>Metrics</a:t>
+            </a:r>
+            <a:r>
+              <a:rPr lang="fr-FR" dirty="0"/>
+              <a:t> = </a:t>
+            </a:r>
+            <a:r>
+              <a:rPr lang="fr-FR" dirty="0" err="1"/>
+              <a:t>model.evaluate</a:t>
+            </a:r>
+            <a:r>
+              <a:rPr lang="fr-FR" dirty="0"/>
+              <a:t>(</a:t>
+            </a:r>
+            <a:r>
+              <a:rPr lang="fr-FR" dirty="0" err="1"/>
+              <a:t>dataset</a:t>
+            </a:r>
+            <a:r>
+              <a:rPr lang="fr-FR" dirty="0"/>
+              <a:t>, </a:t>
+            </a:r>
+            <a:r>
+              <a:rPr lang="fr-FR" dirty="0" err="1"/>
+              <a:t>steps</a:t>
+            </a:r>
+            <a:r>
+              <a:rPr lang="fr-FR" dirty="0"/>
+              <a:t>=30)</a:t>
+            </a:r>
+          </a:p>
+          <a:p>
+            <a:r>
+              <a:rPr lang="fr-FR" dirty="0"/>
+              <a:t>Calcul les </a:t>
+            </a:r>
+            <a:r>
+              <a:rPr lang="fr-FR" dirty="0" err="1"/>
+              <a:t>metrics</a:t>
+            </a:r>
+            <a:r>
+              <a:rPr lang="fr-FR" dirty="0"/>
+              <a:t> du </a:t>
+            </a:r>
+            <a:r>
+              <a:rPr lang="fr-FR" dirty="0" err="1"/>
+              <a:t>dataset</a:t>
+            </a:r>
+            <a:r>
+              <a:rPr lang="fr-FR" dirty="0"/>
+              <a:t> après l’apprentissage</a:t>
+            </a:r>
           </a:p>
         </p:txBody>
       </p:sp>
-      <p:pic>
-        <p:nvPicPr>
-          <p:cNvPr id="4" name="Image 3"/>
-          <p:cNvPicPr>
-            <a:picLocks noChangeAspect="1"/>
-          </p:cNvPicPr>
-          <p:nvPr/>
-        </p:nvPicPr>
-        <p:blipFill>
-          <a:blip r:embed="rId2"/>
-          <a:stretch>
-            <a:fillRect/>
-          </a:stretch>
-        </p:blipFill>
-        <p:spPr>
-          <a:xfrm>
-            <a:off x="1187624" y="2214008"/>
-            <a:ext cx="6408712" cy="3792696"/>
-          </a:xfrm>
-          <a:prstGeom prst="rect">
-            <a:avLst/>
-          </a:prstGeom>
-        </p:spPr>
-      </p:pic>
     </p:spTree>
     <p:extLst>
       <p:ext uri="{BB962C8B-B14F-4D97-AF65-F5344CB8AC3E}">
-        <p14:creationId xmlns:p14="http://schemas.microsoft.com/office/powerpoint/2010/main" val="1698528797"/>
+        <p14:creationId xmlns:p14="http://schemas.microsoft.com/office/powerpoint/2010/main" val="2218724052"/>
       </p:ext>
     </p:extLst>
   </p:cSld>
@@ -5200,7 +5151,7 @@
           <a:p>
             <a:r>
               <a:rPr lang="fr-FR" dirty="0" err="1"/>
-              <a:t>Evaluate</a:t>
+              <a:t>Predict</a:t>
             </a:r>
             <a:endParaRPr lang="fr-FR" dirty="0"/>
           </a:p>
@@ -5223,14 +5174,14 @@
           <a:p>
             <a:r>
               <a:rPr lang="fr-FR" dirty="0"/>
-              <a:t>Evalue le modèle</a:t>
-            </a:r>
-          </a:p>
-          <a:p>
-            <a:pPr lvl="1"/>
-            <a:r>
-              <a:rPr lang="fr-FR" dirty="0" err="1"/>
-              <a:t>Metrics</a:t>
+              <a:t>Prédiction</a:t>
+            </a:r>
+          </a:p>
+          <a:p>
+            <a:pPr lvl="1"/>
+            <a:r>
+              <a:rPr lang="fr-FR" dirty="0" err="1"/>
+              <a:t>result</a:t>
             </a:r>
             <a:r>
               <a:rPr lang="fr-FR" dirty="0"/>
@@ -5238,57 +5189,68 @@
             </a:r>
             <a:r>
               <a:rPr lang="fr-FR" dirty="0" err="1"/>
-              <a:t>model.evaluate</a:t>
-            </a:r>
-            <a:r>
-              <a:rPr lang="fr-FR" dirty="0"/>
-              <a:t>(</a:t>
-            </a:r>
-            <a:r>
-              <a:rPr lang="fr-FR" dirty="0" err="1"/>
-              <a:t>dataset</a:t>
-            </a:r>
-            <a:r>
-              <a:rPr lang="fr-FR" dirty="0"/>
-              <a:t>, </a:t>
-            </a:r>
-            <a:r>
-              <a:rPr lang="fr-FR" dirty="0" err="1"/>
-              <a:t>steps</a:t>
-            </a:r>
-            <a:r>
-              <a:rPr lang="fr-FR" dirty="0"/>
-              <a:t>=30)</a:t>
-            </a:r>
-          </a:p>
-          <a:p>
-            <a:r>
-              <a:rPr lang="fr-FR" dirty="0"/>
-              <a:t>Calcul les </a:t>
-            </a:r>
-            <a:r>
-              <a:rPr lang="fr-FR" dirty="0" err="1"/>
-              <a:t>metrics</a:t>
-            </a:r>
-            <a:r>
-              <a:rPr lang="fr-FR" dirty="0"/>
-              <a:t> du </a:t>
-            </a:r>
-            <a:r>
-              <a:rPr lang="fr-FR" dirty="0" err="1"/>
-              <a:t>dataset</a:t>
-            </a:r>
-            <a:r>
-              <a:rPr lang="fr-FR" dirty="0"/>
-              <a:t> après l’apprentissage</a:t>
+              <a:t>model.predict</a:t>
+            </a:r>
+            <a:r>
+              <a:rPr lang="fr-FR" dirty="0"/>
+              <a:t>(data, </a:t>
+            </a:r>
+            <a:r>
+              <a:rPr lang="fr-FR" dirty="0" err="1"/>
+              <a:t>batch_size</a:t>
+            </a:r>
+            <a:r>
+              <a:rPr lang="fr-FR" dirty="0"/>
+              <a:t>=32)</a:t>
+            </a:r>
+          </a:p>
+          <a:p>
+            <a:r>
+              <a:rPr lang="fr-FR" dirty="0"/>
+              <a:t>Calcul la prédiction pour data</a:t>
+            </a:r>
+          </a:p>
+          <a:p>
+            <a:pPr lvl="1"/>
+            <a:r>
+              <a:rPr lang="fr-FR" dirty="0" err="1"/>
+              <a:t>Batch_size</a:t>
+            </a:r>
+            <a:r>
+              <a:rPr lang="fr-FR" dirty="0"/>
+              <a:t> définit le nombre de données analysées dans le même cycle GPU</a:t>
             </a:r>
           </a:p>
         </p:txBody>
       </p:sp>
+      <p:pic>
+        <p:nvPicPr>
+          <p:cNvPr id="4" name="Image 3"/>
+          <p:cNvPicPr>
+            <a:picLocks noChangeAspect="1"/>
+          </p:cNvPicPr>
+          <p:nvPr/>
+        </p:nvPicPr>
+        <p:blipFill>
+          <a:blip r:embed="rId2"/>
+          <a:stretch>
+            <a:fillRect/>
+          </a:stretch>
+        </p:blipFill>
+        <p:spPr>
+          <a:xfrm>
+            <a:off x="1187624" y="3933056"/>
+            <a:ext cx="6252599" cy="1800200"/>
+          </a:xfrm>
+          <a:prstGeom prst="rect">
+            <a:avLst/>
+          </a:prstGeom>
+        </p:spPr>
+      </p:pic>
     </p:spTree>
     <p:extLst>
       <p:ext uri="{BB962C8B-B14F-4D97-AF65-F5344CB8AC3E}">
-        <p14:creationId xmlns:p14="http://schemas.microsoft.com/office/powerpoint/2010/main" val="2218724052"/>
+        <p14:creationId xmlns:p14="http://schemas.microsoft.com/office/powerpoint/2010/main" val="666403504"/>
       </p:ext>
     </p:extLst>
   </p:cSld>
@@ -5600,10 +5562,9 @@
           <a:lstStyle/>
           <a:p>
             <a:r>
-              <a:rPr lang="fr-FR" dirty="0" err="1"/>
-              <a:t>Predict</a:t>
-            </a:r>
-            <a:endParaRPr lang="fr-FR" dirty="0"/>
+              <a:rPr lang="fr-FR" dirty="0"/>
+              <a:t>Vocabulaire</a:t>
+            </a:r>
           </a:p>
         </p:txBody>
       </p:sp>
@@ -5623,84 +5584,96 @@
           <a:lstStyle/>
           <a:p>
             <a:r>
-              <a:rPr lang="fr-FR" dirty="0"/>
-              <a:t>Prédiction</a:t>
-            </a:r>
-          </a:p>
-          <a:p>
-            <a:pPr lvl="1"/>
-            <a:r>
-              <a:rPr lang="fr-FR" dirty="0" err="1"/>
-              <a:t>result</a:t>
-            </a:r>
-            <a:r>
-              <a:rPr lang="fr-FR" dirty="0"/>
-              <a:t> = </a:t>
-            </a:r>
-            <a:r>
-              <a:rPr lang="fr-FR" dirty="0" err="1"/>
-              <a:t>model.predict</a:t>
-            </a:r>
-            <a:r>
-              <a:rPr lang="fr-FR" dirty="0"/>
-              <a:t>(data, </a:t>
-            </a:r>
-            <a:r>
-              <a:rPr lang="fr-FR" dirty="0" err="1"/>
-              <a:t>batch_size</a:t>
-            </a:r>
-            <a:r>
-              <a:rPr lang="fr-FR" dirty="0"/>
-              <a:t>=32)</a:t>
-            </a:r>
-          </a:p>
-          <a:p>
-            <a:r>
-              <a:rPr lang="fr-FR" dirty="0"/>
-              <a:t>Calcul la prédiction pour data</a:t>
-            </a:r>
-          </a:p>
-          <a:p>
-            <a:pPr lvl="1"/>
-            <a:r>
-              <a:rPr lang="fr-FR" dirty="0" err="1"/>
-              <a:t>Batch_size</a:t>
-            </a:r>
-            <a:r>
-              <a:rPr lang="fr-FR" dirty="0"/>
-              <a:t> définit le nombre de données analysées dans le même cycle GPU</a:t>
+              <a:rPr lang="fr-FR" sz="2400" dirty="0" err="1"/>
+              <a:t>TensorFlow</a:t>
+            </a:r>
+            <a:r>
+              <a:rPr lang="fr-FR" sz="2400" dirty="0"/>
+              <a:t> et </a:t>
+            </a:r>
+            <a:r>
+              <a:rPr lang="fr-FR" sz="2400" dirty="0" err="1"/>
+              <a:t>SKLearn</a:t>
+            </a:r>
+            <a:r>
+              <a:rPr lang="fr-FR" sz="2400" dirty="0"/>
+              <a:t> n’utilisent pas le même vocabulaire</a:t>
+            </a:r>
+          </a:p>
+          <a:p>
+            <a:r>
+              <a:rPr lang="fr-FR" sz="2400" dirty="0" err="1"/>
+              <a:t>TrainingSet</a:t>
+            </a:r>
+            <a:endParaRPr lang="fr-FR" sz="2400" dirty="0"/>
+          </a:p>
+          <a:p>
+            <a:pPr lvl="1"/>
+            <a:r>
+              <a:rPr lang="fr-FR" sz="2000" dirty="0"/>
+              <a:t>Jeux d’entrainement</a:t>
+            </a:r>
+          </a:p>
+          <a:p>
+            <a:pPr lvl="1"/>
+            <a:r>
+              <a:rPr lang="fr-FR" sz="2000" dirty="0"/>
+              <a:t>Calcul du </a:t>
+            </a:r>
+            <a:r>
+              <a:rPr lang="fr-FR" sz="2000" dirty="0" err="1"/>
+              <a:t>Loss</a:t>
+            </a:r>
+            <a:endParaRPr lang="fr-FR" sz="2000" dirty="0"/>
+          </a:p>
+          <a:p>
+            <a:r>
+              <a:rPr lang="fr-FR" sz="2400" dirty="0" err="1"/>
+              <a:t>ValidationSet</a:t>
+            </a:r>
+            <a:endParaRPr lang="fr-FR" sz="2400" dirty="0"/>
+          </a:p>
+          <a:p>
+            <a:pPr lvl="1"/>
+            <a:r>
+              <a:rPr lang="fr-FR" sz="2000" dirty="0"/>
+              <a:t>Jeux pour mesurer la qualité du modèle</a:t>
+            </a:r>
+          </a:p>
+          <a:p>
+            <a:pPr lvl="1"/>
+            <a:r>
+              <a:rPr lang="fr-FR" sz="2000" dirty="0"/>
+              <a:t>Ne doit jamais être vu du modèle</a:t>
+            </a:r>
+          </a:p>
+          <a:p>
+            <a:r>
+              <a:rPr lang="fr-FR" sz="2400" dirty="0" err="1"/>
+              <a:t>TestSet</a:t>
+            </a:r>
+            <a:endParaRPr lang="fr-FR" sz="2400" dirty="0"/>
+          </a:p>
+          <a:p>
+            <a:pPr lvl="1"/>
+            <a:r>
+              <a:rPr lang="fr-FR" sz="2000" dirty="0"/>
+              <a:t>Recette final</a:t>
+            </a:r>
+          </a:p>
+          <a:p>
+            <a:pPr lvl="1"/>
+            <a:r>
+              <a:rPr lang="fr-FR" sz="2000" dirty="0"/>
+              <a:t>Ne doit jamais être vu des développeurs</a:t>
             </a:r>
           </a:p>
         </p:txBody>
       </p:sp>
-      <p:pic>
-        <p:nvPicPr>
-          <p:cNvPr id="4" name="Image 3"/>
-          <p:cNvPicPr>
-            <a:picLocks noChangeAspect="1"/>
-          </p:cNvPicPr>
-          <p:nvPr/>
-        </p:nvPicPr>
-        <p:blipFill>
-          <a:blip r:embed="rId2"/>
-          <a:stretch>
-            <a:fillRect/>
-          </a:stretch>
-        </p:blipFill>
-        <p:spPr>
-          <a:xfrm>
-            <a:off x="1187624" y="3933056"/>
-            <a:ext cx="6252599" cy="1800200"/>
-          </a:xfrm>
-          <a:prstGeom prst="rect">
-            <a:avLst/>
-          </a:prstGeom>
-        </p:spPr>
-      </p:pic>
     </p:spTree>
     <p:extLst>
       <p:ext uri="{BB962C8B-B14F-4D97-AF65-F5344CB8AC3E}">
-        <p14:creationId xmlns:p14="http://schemas.microsoft.com/office/powerpoint/2010/main" val="666403504"/>
+        <p14:creationId xmlns:p14="http://schemas.microsoft.com/office/powerpoint/2010/main" val="1521370590"/>
       </p:ext>
     </p:extLst>
   </p:cSld>
@@ -5743,8 +5716,12 @@
           <a:lstStyle/>
           <a:p>
             <a:r>
-              <a:rPr lang="fr-FR" dirty="0" err="1"/>
-              <a:t>Echantillonage</a:t>
+              <a:rPr lang="fr-FR" dirty="0"/>
+              <a:t>Méthode </a:t>
+            </a:r>
+            <a:r>
+              <a:rPr lang="fr-FR" dirty="0" err="1"/>
+              <a:t>Keras</a:t>
             </a:r>
             <a:endParaRPr lang="fr-FR" dirty="0"/>
           </a:p>
@@ -5766,72 +5743,79 @@
           <a:lstStyle/>
           <a:p>
             <a:r>
-              <a:rPr lang="fr-FR" dirty="0"/>
-              <a:t>Le jeu de données (</a:t>
-            </a:r>
-            <a:r>
-              <a:rPr lang="fr-FR" dirty="0" err="1"/>
-              <a:t>dataset</a:t>
-            </a:r>
-            <a:r>
-              <a:rPr lang="fr-FR" dirty="0"/>
-              <a:t>) dont vous disposez constitue une ressource précieuse</a:t>
-            </a:r>
-          </a:p>
-          <a:p>
-            <a:pPr lvl="1"/>
-            <a:r>
-              <a:rPr lang="fr-FR" dirty="0"/>
-              <a:t>Il faut pouvoir l’utiliser à bon escient afin de pouvoir à la fois choisir un modèle et l'entraîner</a:t>
-            </a:r>
-          </a:p>
-          <a:p>
-            <a:pPr lvl="1"/>
-            <a:r>
-              <a:rPr lang="fr-FR" dirty="0"/>
-              <a:t>mais aussi de pouvoir tester la qualité de ce modèle</a:t>
-            </a:r>
-          </a:p>
-          <a:p>
-            <a:r>
-              <a:rPr lang="fr-FR" dirty="0"/>
-              <a:t>La première question à se poser est</a:t>
-            </a:r>
-          </a:p>
-          <a:p>
-            <a:pPr lvl="1"/>
-            <a:r>
-              <a:rPr lang="fr-FR" dirty="0"/>
-              <a:t>Est-ce qu’on va utiliser toutes les données d'exemple dont on dispose ?</a:t>
-            </a:r>
-          </a:p>
-          <a:p>
-            <a:pPr lvl="1"/>
-            <a:r>
-              <a:rPr lang="fr-FR" dirty="0"/>
-              <a:t>Volume, tests, …</a:t>
-            </a:r>
-          </a:p>
-          <a:p>
-            <a:r>
-              <a:rPr lang="fr-FR" dirty="0"/>
-              <a:t>Il faut échantillonner (</a:t>
-            </a:r>
-            <a:r>
-              <a:rPr lang="fr-FR" dirty="0" err="1"/>
-              <a:t>sampling</a:t>
-            </a:r>
-            <a:r>
-              <a:rPr lang="fr-FR" dirty="0"/>
-              <a:t>) les données à tester</a:t>
-            </a:r>
+              <a:rPr lang="en-US" dirty="0"/>
+              <a:t>Simple</a:t>
+            </a:r>
+          </a:p>
+          <a:p>
+            <a:pPr lvl="1"/>
+            <a:r>
+              <a:rPr lang="en-US" dirty="0" err="1"/>
+              <a:t>model.fit</a:t>
+            </a:r>
+            <a:r>
+              <a:rPr lang="en-US" dirty="0"/>
+              <a:t>(</a:t>
+            </a:r>
+            <a:r>
+              <a:rPr lang="en-US" dirty="0" err="1"/>
+              <a:t>validation_split</a:t>
+            </a:r>
+            <a:r>
+              <a:rPr lang="en-US" dirty="0"/>
+              <a:t>=0.2)</a:t>
+            </a:r>
+            <a:endParaRPr lang="fr-FR" dirty="0"/>
+          </a:p>
+          <a:p>
+            <a:r>
+              <a:rPr lang="fr-FR" dirty="0"/>
+              <a:t>Pour s’assurer la reproductibilité de la randomisation</a:t>
+            </a:r>
+          </a:p>
+          <a:p>
+            <a:pPr lvl="1"/>
+            <a:r>
+              <a:rPr lang="fr-FR" dirty="0" err="1"/>
+              <a:t>tensorflow.random.set_seed</a:t>
+            </a:r>
+            <a:r>
+              <a:rPr lang="fr-FR" dirty="0"/>
+              <a:t>(1511)</a:t>
+            </a:r>
+          </a:p>
+          <a:p>
+            <a:r>
+              <a:rPr lang="fr-FR" dirty="0"/>
+              <a:t>En cas d’utilisation </a:t>
+            </a:r>
+            <a:r>
+              <a:rPr lang="fr-FR" dirty="0" err="1"/>
+              <a:t>numpy</a:t>
+            </a:r>
+            <a:endParaRPr lang="fr-FR" dirty="0"/>
+          </a:p>
+          <a:p>
+            <a:pPr lvl="1"/>
+            <a:r>
+              <a:rPr lang="fr-FR" dirty="0" err="1"/>
+              <a:t>np.random.seed</a:t>
+            </a:r>
+            <a:r>
+              <a:rPr lang="fr-FR" dirty="0"/>
+              <a:t>(1511)</a:t>
+            </a:r>
+          </a:p>
+          <a:p>
+            <a:pPr lvl="1"/>
+            <a:endParaRPr lang="fr-FR" dirty="0"/>
           </a:p>
         </p:txBody>
       </p:sp>
     </p:spTree>
     <p:extLst>
       <p:ext uri="{BB962C8B-B14F-4D97-AF65-F5344CB8AC3E}">
-        <p14:creationId xmlns:p14="http://schemas.microsoft.com/office/powerpoint/2010/main" val="3861059722"/>
+        <p14:creationId xmlns:p14="http://schemas.microsoft.com/office/powerpoint/2010/main" val="3354143676"/>
       </p:ext>
     </p:extLst>
   </p:cSld>
@@ -5874,10 +5858,9 @@
           <a:lstStyle/>
           <a:p>
             <a:r>
-              <a:rPr lang="fr-FR" dirty="0" err="1"/>
-              <a:t>Overfitting</a:t>
-            </a:r>
-            <a:endParaRPr lang="fr-FR" dirty="0"/>
+              <a:rPr lang="fr-FR" dirty="0"/>
+              <a:t>Compréhension des résultats</a:t>
+            </a:r>
           </a:p>
         </p:txBody>
       </p:sp>
@@ -5897,86 +5880,201 @@
           <a:lstStyle/>
           <a:p>
             <a:r>
-              <a:rPr lang="fr-FR" dirty="0"/>
-              <a:t>La notion de </a:t>
-            </a:r>
-            <a:r>
-              <a:rPr lang="fr-FR" dirty="0" err="1"/>
-              <a:t>surapprentissage</a:t>
-            </a:r>
-            <a:r>
-              <a:rPr lang="fr-FR" dirty="0"/>
-              <a:t> désigne le fait que le modèle que vous avez choisi est trop collé aux données d'entraînement</a:t>
-            </a:r>
-          </a:p>
-          <a:p>
-            <a:pPr lvl="1"/>
-            <a:r>
-              <a:rPr lang="fr-FR" dirty="0"/>
-              <a:t>C'est un problème classique de data science, lorsqu'on choisi un modèle trop "flexible", c'est à dire avec une complexité trop élevée qui prend aussi en compte le bruit du phénomène</a:t>
-            </a:r>
-          </a:p>
-          <a:p>
-            <a:pPr lvl="1"/>
-            <a:r>
-              <a:rPr lang="fr-FR" dirty="0"/>
-              <a:t>Ici modèle simple </a:t>
-            </a:r>
-          </a:p>
-          <a:p>
-            <a:pPr lvl="1"/>
-            <a:r>
-              <a:rPr lang="fr-FR" dirty="0"/>
-              <a:t>vs modèle complexe</a:t>
-            </a:r>
+              <a:rPr lang="fr-FR" sz="2400" dirty="0" err="1"/>
+              <a:t>Loss</a:t>
+            </a:r>
+            <a:r>
+              <a:rPr lang="fr-FR" sz="2400" dirty="0"/>
+              <a:t> détermine le </a:t>
+            </a:r>
+            <a:r>
+              <a:rPr lang="fr-FR" sz="2400" dirty="0" err="1"/>
+              <a:t>loss</a:t>
+            </a:r>
+            <a:r>
+              <a:rPr lang="fr-FR" sz="2400" dirty="0"/>
+              <a:t> de l’inférence avec les training set</a:t>
+            </a:r>
+          </a:p>
+          <a:p>
+            <a:r>
+              <a:rPr lang="fr-FR" sz="2400" dirty="0" err="1"/>
+              <a:t>Val_loss</a:t>
+            </a:r>
+            <a:r>
+              <a:rPr lang="fr-FR" sz="2400" dirty="0"/>
+              <a:t> détermine le </a:t>
+            </a:r>
+            <a:r>
+              <a:rPr lang="fr-FR" sz="2400" dirty="0" err="1"/>
+              <a:t>loss</a:t>
+            </a:r>
+            <a:r>
+              <a:rPr lang="fr-FR" sz="2400" dirty="0"/>
+              <a:t> de l’</a:t>
+            </a:r>
+            <a:r>
+              <a:rPr lang="fr-FR" sz="2400" dirty="0" err="1"/>
+              <a:t>epoch</a:t>
+            </a:r>
+            <a:r>
+              <a:rPr lang="fr-FR" sz="2400" dirty="0"/>
+              <a:t> avec le jeux de validation</a:t>
+            </a:r>
+          </a:p>
+          <a:p>
+            <a:r>
+              <a:rPr lang="fr-FR" sz="2400" dirty="0" err="1"/>
+              <a:t>Accuracy</a:t>
+            </a:r>
+            <a:r>
+              <a:rPr lang="fr-FR" sz="2400" dirty="0"/>
+              <a:t> détermine la précision de l’inférence avec les training set</a:t>
+            </a:r>
+          </a:p>
+          <a:p>
+            <a:r>
+              <a:rPr lang="fr-FR" sz="2400" dirty="0"/>
+              <a:t>Val_ </a:t>
+            </a:r>
+            <a:r>
+              <a:rPr lang="fr-FR" sz="2400" dirty="0" err="1"/>
+              <a:t>accuracy</a:t>
+            </a:r>
+            <a:r>
+              <a:rPr lang="fr-FR" sz="2400" dirty="0"/>
+              <a:t> détermine la précision de l’</a:t>
+            </a:r>
+            <a:r>
+              <a:rPr lang="fr-FR" sz="2400" dirty="0" err="1"/>
+              <a:t>epoch</a:t>
+            </a:r>
+            <a:r>
+              <a:rPr lang="fr-FR" sz="2400" dirty="0"/>
+              <a:t> avec le jeux de validation</a:t>
+            </a:r>
+          </a:p>
+          <a:p>
+            <a:r>
+              <a:rPr lang="fr-FR" sz="2400" dirty="0"/>
+              <a:t>Si </a:t>
+            </a:r>
+            <a:r>
+              <a:rPr lang="fr-FR" sz="2400" dirty="0" err="1"/>
+              <a:t>accuracy</a:t>
+            </a:r>
+            <a:r>
+              <a:rPr lang="fr-FR" sz="2400" dirty="0"/>
+              <a:t> est bas : le réseau ne fonctionne pas</a:t>
+            </a:r>
+          </a:p>
+          <a:p>
+            <a:r>
+              <a:rPr lang="fr-FR" sz="2400" dirty="0"/>
+              <a:t>Si </a:t>
+            </a:r>
+            <a:r>
+              <a:rPr lang="fr-FR" sz="2400" dirty="0" err="1"/>
+              <a:t>accuracy</a:t>
+            </a:r>
+            <a:r>
+              <a:rPr lang="fr-FR" sz="2400" dirty="0"/>
+              <a:t> &gt;&gt; </a:t>
+            </a:r>
+            <a:r>
+              <a:rPr lang="fr-FR" sz="2400" dirty="0" err="1"/>
+              <a:t>val_accuracy</a:t>
+            </a:r>
+            <a:r>
+              <a:rPr lang="fr-FR" sz="2400" dirty="0"/>
+              <a:t> : </a:t>
+            </a:r>
+            <a:r>
+              <a:rPr lang="fr-FR" sz="2400" dirty="0" err="1"/>
+              <a:t>overfitting</a:t>
+            </a:r>
+            <a:endParaRPr lang="fr-FR" sz="2400" dirty="0"/>
+          </a:p>
+          <a:p>
+            <a:r>
+              <a:rPr lang="fr-FR" sz="2400" dirty="0"/>
+              <a:t>Si </a:t>
+            </a:r>
+            <a:r>
+              <a:rPr lang="fr-FR" sz="2400" dirty="0" err="1"/>
+              <a:t>accuracy</a:t>
+            </a:r>
+            <a:r>
+              <a:rPr lang="fr-FR" sz="2400" dirty="0"/>
+              <a:t> &gt; </a:t>
+            </a:r>
+            <a:r>
+              <a:rPr lang="fr-FR" sz="2400" dirty="0" err="1"/>
+              <a:t>val_accuracy</a:t>
+            </a:r>
+            <a:r>
+              <a:rPr lang="fr-FR" sz="2400" dirty="0"/>
+              <a:t> : léger </a:t>
+            </a:r>
+            <a:r>
+              <a:rPr lang="fr-FR" sz="2400" dirty="0" err="1"/>
+              <a:t>overfitting</a:t>
+            </a:r>
+            <a:endParaRPr lang="fr-FR" sz="2400" dirty="0"/>
+          </a:p>
+          <a:p>
+            <a:r>
+              <a:rPr lang="fr-FR" sz="2400" dirty="0"/>
+              <a:t>Si </a:t>
+            </a:r>
+            <a:r>
+              <a:rPr lang="fr-FR" sz="2400" dirty="0" err="1"/>
+              <a:t>val_accuracy</a:t>
+            </a:r>
+            <a:r>
+              <a:rPr lang="fr-FR" sz="2400" dirty="0"/>
+              <a:t> &gt;= </a:t>
+            </a:r>
+            <a:r>
+              <a:rPr lang="fr-FR" sz="2400" dirty="0" err="1"/>
+              <a:t>accuracy</a:t>
+            </a:r>
+            <a:r>
+              <a:rPr lang="fr-FR" sz="2400" dirty="0"/>
+              <a:t> : parfait</a:t>
+            </a:r>
+          </a:p>
+          <a:p>
+            <a:r>
+              <a:rPr lang="fr-FR" sz="2400" dirty="0"/>
+              <a:t>Si </a:t>
+            </a:r>
+            <a:r>
+              <a:rPr lang="fr-FR" sz="2400" dirty="0" err="1"/>
+              <a:t>val_accuracy</a:t>
+            </a:r>
+            <a:r>
+              <a:rPr lang="fr-FR" sz="2400" dirty="0"/>
+              <a:t> &gt;&gt; </a:t>
+            </a:r>
+            <a:r>
+              <a:rPr lang="fr-FR" sz="2400" dirty="0" err="1"/>
+              <a:t>accuracy</a:t>
+            </a:r>
+            <a:r>
+              <a:rPr lang="fr-FR" sz="2400" dirty="0"/>
+              <a:t> : anormal</a:t>
+            </a:r>
+          </a:p>
+          <a:p>
+            <a:endParaRPr lang="fr-FR" sz="2400" dirty="0"/>
           </a:p>
         </p:txBody>
       </p:sp>
-      <p:pic>
-        <p:nvPicPr>
-          <p:cNvPr id="1026" name="Picture 2" descr="Comparaison entre un modèle en overfitting vs une modélisation plus réaliste du phénomène"/>
-          <p:cNvPicPr>
-            <a:picLocks noChangeAspect="1" noChangeArrowheads="1"/>
-          </p:cNvPicPr>
-          <p:nvPr/>
-        </p:nvPicPr>
-        <p:blipFill>
-          <a:blip r:embed="rId2">
-            <a:extLst>
-              <a:ext uri="{28A0092B-C50C-407E-A947-70E740481C1C}">
-                <a14:useLocalDpi xmlns:a14="http://schemas.microsoft.com/office/drawing/2010/main" val="0"/>
-              </a:ext>
-            </a:extLst>
-          </a:blip>
-          <a:srcRect/>
-          <a:stretch>
-            <a:fillRect/>
-          </a:stretch>
-        </p:blipFill>
-        <p:spPr bwMode="auto">
-          <a:xfrm>
-            <a:off x="4932040" y="4019384"/>
-            <a:ext cx="3590925" cy="2438400"/>
-          </a:xfrm>
-          <a:prstGeom prst="rect">
-            <a:avLst/>
-          </a:prstGeom>
-          <a:noFill/>
-          <a:extLst>
-            <a:ext uri="{909E8E84-426E-40DD-AFC4-6F175D3DCCD1}">
-              <a14:hiddenFill xmlns:a14="http://schemas.microsoft.com/office/drawing/2010/main">
-                <a:solidFill>
-                  <a:srgbClr val="FFFFFF"/>
-                </a:solidFill>
-              </a14:hiddenFill>
-            </a:ext>
-          </a:extLst>
-        </p:spPr>
-      </p:pic>
     </p:spTree>
     <p:extLst>
       <p:ext uri="{BB962C8B-B14F-4D97-AF65-F5344CB8AC3E}">
-        <p14:creationId xmlns:p14="http://schemas.microsoft.com/office/powerpoint/2010/main" val="1649419298"/>
+        <p14:creationId xmlns:p14="http://schemas.microsoft.com/office/powerpoint/2010/main" val="4009506265"/>
       </p:ext>
     </p:extLst>
   </p:cSld>
@@ -6019,9 +6117,10 @@
           <a:lstStyle/>
           <a:p>
             <a:r>
-              <a:rPr lang="fr-FR" dirty="0"/>
-              <a:t>Randomisation</a:t>
-            </a:r>
+              <a:rPr lang="fr-FR" dirty="0" err="1"/>
+              <a:t>to_categorical</a:t>
+            </a:r>
+            <a:endParaRPr lang="fr-FR" dirty="0"/>
           </a:p>
         </p:txBody>
       </p:sp>
@@ -6042,42 +6141,152 @@
           <a:p>
             <a:r>
               <a:rPr lang="fr-FR" dirty="0"/>
-              <a:t>Il s’avère que si on entraîne le modèle avec des données, il va naturellement être plus performant sur ces données-là</a:t>
-            </a:r>
-          </a:p>
-          <a:p>
-            <a:r>
-              <a:rPr lang="fr-FR" dirty="0"/>
-              <a:t>Ce qui nous intéresse c’est de mesurer sa performance sur des données qu’il n’a jamais vues puisque c’est ce qui va se passer en pratique</a:t>
-            </a:r>
-          </a:p>
-          <a:p>
-            <a:r>
-              <a:rPr lang="fr-FR" dirty="0"/>
-              <a:t>Cette performance est appelée la </a:t>
-            </a:r>
-            <a:r>
-              <a:rPr lang="fr-FR" b="1" dirty="0"/>
-              <a:t>généralisation</a:t>
-            </a:r>
-            <a:r>
-              <a:rPr lang="fr-FR" dirty="0"/>
-              <a:t> du modèle</a:t>
-            </a:r>
-          </a:p>
-          <a:p>
-            <a:pPr lvl="1"/>
-            <a:r>
-              <a:rPr lang="fr-FR" dirty="0"/>
-              <a:t>Sa capacité à effectuer des prédictions de qualité sur des situations jamais rencontrées.</a:t>
-            </a:r>
+              <a:t>Convertit un vecteur de labels en matrice</a:t>
+            </a:r>
+          </a:p>
+          <a:p>
+            <a:pPr lvl="1"/>
+            <a:r>
+              <a:rPr lang="fr-FR" dirty="0"/>
+              <a:t>Utile pour le calcul du </a:t>
+            </a:r>
+            <a:r>
+              <a:rPr lang="fr-FR" dirty="0" err="1"/>
+              <a:t>loss</a:t>
+            </a:r>
+            <a:r>
+              <a:rPr lang="fr-FR" dirty="0"/>
+              <a:t> par </a:t>
+            </a:r>
+            <a:r>
+              <a:rPr lang="fr-FR" dirty="0" err="1"/>
+              <a:t>categorical_crossentropy</a:t>
+            </a:r>
+            <a:endParaRPr lang="fr-FR" dirty="0"/>
+          </a:p>
+          <a:p>
+            <a:pPr lvl="1"/>
+            <a:r>
+              <a:rPr lang="fr-FR" dirty="0"/>
+              <a:t>Par exemple, supposons 5 labels sur 3 classes</a:t>
+            </a:r>
+          </a:p>
+          <a:p>
+            <a:pPr lvl="1"/>
+            <a:r>
+              <a:rPr lang="fr-FR" dirty="0"/>
+              <a:t>labels = </a:t>
+            </a:r>
+            <a:r>
+              <a:rPr lang="en-US" dirty="0"/>
+              <a:t>array([0, 2, 1, 2, 0])</a:t>
+            </a:r>
+          </a:p>
+          <a:p>
+            <a:pPr lvl="1"/>
+            <a:r>
+              <a:rPr lang="en-US" dirty="0"/>
+              <a:t>On </a:t>
+            </a:r>
+            <a:r>
+              <a:rPr lang="en-US" dirty="0" err="1"/>
+              <a:t>obtient</a:t>
+            </a:r>
+            <a:endParaRPr lang="en-US" dirty="0"/>
+          </a:p>
+          <a:p>
+            <a:pPr lvl="1"/>
+            <a:endParaRPr lang="en-US" dirty="0"/>
+          </a:p>
+          <a:p>
+            <a:pPr lvl="1"/>
+            <a:endParaRPr lang="en-US" dirty="0"/>
+          </a:p>
+          <a:p>
+            <a:pPr lvl="1"/>
+            <a:endParaRPr lang="en-US" dirty="0"/>
+          </a:p>
+          <a:p>
+            <a:pPr lvl="1"/>
+            <a:endParaRPr lang="en-US" dirty="0"/>
+          </a:p>
+          <a:p>
+            <a:pPr lvl="1"/>
+            <a:r>
+              <a:rPr lang="en-US" dirty="0"/>
+              <a:t>Les distances du loss pour </a:t>
+            </a:r>
+            <a:r>
+              <a:rPr lang="en-US" dirty="0" err="1"/>
+              <a:t>chaque</a:t>
+            </a:r>
+            <a:r>
+              <a:rPr lang="en-US" dirty="0"/>
+              <a:t> </a:t>
+            </a:r>
+            <a:r>
+              <a:rPr lang="en-US" dirty="0" err="1"/>
+              <a:t>valeur</a:t>
+            </a:r>
+            <a:r>
+              <a:rPr lang="en-US" dirty="0"/>
+              <a:t> </a:t>
+            </a:r>
+            <a:r>
+              <a:rPr lang="en-US" dirty="0" err="1"/>
+              <a:t>sont</a:t>
+            </a:r>
+            <a:r>
+              <a:rPr lang="en-US" dirty="0"/>
+              <a:t> </a:t>
+            </a:r>
+            <a:r>
+              <a:rPr lang="en-US" dirty="0" err="1"/>
+              <a:t>égales</a:t>
+            </a:r>
+            <a:r>
+              <a:rPr lang="en-US" dirty="0"/>
+              <a:t> à 1</a:t>
+            </a:r>
+          </a:p>
+          <a:p>
+            <a:pPr lvl="1"/>
+            <a:endParaRPr lang="en-US" dirty="0"/>
+          </a:p>
+          <a:p>
+            <a:pPr lvl="1"/>
+            <a:endParaRPr lang="fr-FR" dirty="0"/>
           </a:p>
         </p:txBody>
       </p:sp>
+      <p:pic>
+        <p:nvPicPr>
+          <p:cNvPr id="4" name="Image 3"/>
+          <p:cNvPicPr>
+            <a:picLocks noChangeAspect="1"/>
+          </p:cNvPicPr>
+          <p:nvPr/>
+        </p:nvPicPr>
+        <p:blipFill>
+          <a:blip r:embed="rId2"/>
+          <a:stretch>
+            <a:fillRect/>
+          </a:stretch>
+        </p:blipFill>
+        <p:spPr>
+          <a:xfrm>
+            <a:off x="1619672" y="3717032"/>
+            <a:ext cx="5222980" cy="1728192"/>
+          </a:xfrm>
+          <a:prstGeom prst="rect">
+            <a:avLst/>
+          </a:prstGeom>
+        </p:spPr>
+      </p:pic>
     </p:spTree>
     <p:extLst>
       <p:ext uri="{BB962C8B-B14F-4D97-AF65-F5344CB8AC3E}">
-        <p14:creationId xmlns:p14="http://schemas.microsoft.com/office/powerpoint/2010/main" val="1185723982"/>
+        <p14:creationId xmlns:p14="http://schemas.microsoft.com/office/powerpoint/2010/main" val="1381512878"/>
       </p:ext>
     </p:extLst>
   </p:cSld>
@@ -6120,9 +6329,10 @@
           <a:lstStyle/>
           <a:p>
             <a:r>
-              <a:rPr lang="fr-FR" dirty="0"/>
-              <a:t>Randomisation</a:t>
-            </a:r>
+              <a:rPr lang="fr-FR" dirty="0" err="1"/>
+              <a:t>Softmax</a:t>
+            </a:r>
+            <a:endParaRPr lang="fr-FR" dirty="0"/>
           </a:p>
         </p:txBody>
       </p:sp>
@@ -6143,65 +6353,64 @@
           <a:p>
             <a:r>
               <a:rPr lang="fr-FR" dirty="0"/>
-              <a:t>Il faut utiliser le bon échantillon</a:t>
-            </a:r>
-          </a:p>
-          <a:p>
-            <a:pPr lvl="1"/>
-            <a:r>
-              <a:rPr lang="fr-FR" dirty="0"/>
-              <a:t>Bien répartis</a:t>
-            </a:r>
-          </a:p>
-          <a:p>
-            <a:pPr lvl="1"/>
-            <a:r>
-              <a:rPr lang="fr-FR" dirty="0"/>
-              <a:t>Ne pas introduire de biais</a:t>
-            </a:r>
-          </a:p>
-          <a:p>
-            <a:pPr lvl="1"/>
-            <a:r>
-              <a:rPr lang="fr-FR" dirty="0"/>
-              <a:t>Par exemple à Paris les loyers sont plus chères qu’ailleurs</a:t>
-            </a:r>
-          </a:p>
-          <a:p>
-            <a:r>
-              <a:rPr lang="fr-FR" dirty="0"/>
-              <a:t>Il faut ensuite découper l’échantillon avec le</a:t>
-            </a:r>
-          </a:p>
-          <a:p>
-            <a:pPr lvl="1"/>
-            <a:r>
-              <a:rPr lang="fr-FR" dirty="0"/>
-              <a:t>Training Set</a:t>
-            </a:r>
-          </a:p>
-          <a:p>
-            <a:pPr lvl="1"/>
-            <a:r>
-              <a:rPr lang="fr-FR" dirty="0" err="1"/>
-              <a:t>Testing</a:t>
-            </a:r>
-            <a:r>
-              <a:rPr lang="fr-FR" dirty="0"/>
-              <a:t> Set</a:t>
-            </a:r>
-          </a:p>
-          <a:p>
-            <a:r>
-              <a:rPr lang="fr-FR" dirty="0"/>
-              <a:t>L’un sert à l’apprentissage, l’autre au test</a:t>
-            </a:r>
-          </a:p>
-          <a:p>
-            <a:pPr lvl="1"/>
-            <a:r>
-              <a:rPr lang="fr-FR" dirty="0"/>
-              <a:t>Souvent 80/20</a:t>
+              <a:t>Si le nombre de catégorie est = 2</a:t>
+            </a:r>
+          </a:p>
+          <a:p>
+            <a:pPr lvl="1"/>
+            <a:r>
+              <a:rPr lang="fr-FR" dirty="0"/>
+              <a:t>Il faut un output layer avec 1 neurone</a:t>
+            </a:r>
+          </a:p>
+          <a:p>
+            <a:pPr lvl="1"/>
+            <a:r>
+              <a:rPr lang="fr-FR" dirty="0"/>
+              <a:t>L’activation </a:t>
+            </a:r>
+            <a:r>
+              <a:rPr lang="fr-FR" dirty="0" err="1"/>
+              <a:t>sigmoid</a:t>
+            </a:r>
+            <a:r>
+              <a:rPr lang="fr-FR" dirty="0"/>
+              <a:t> est couramment utilisée</a:t>
+            </a:r>
+          </a:p>
+          <a:p>
+            <a:pPr lvl="1"/>
+            <a:r>
+              <a:rPr lang="fr-FR" dirty="0"/>
+              <a:t>Il est possible également d’avoir un output layer avec 2 neurones, mais il est indispensable que la somme des sorties = 1</a:t>
+            </a:r>
+          </a:p>
+          <a:p>
+            <a:r>
+              <a:rPr lang="fr-FR" dirty="0"/>
+              <a:t>Si le nombre de catégorie &gt; 2</a:t>
+            </a:r>
+          </a:p>
+          <a:p>
+            <a:pPr lvl="1"/>
+            <a:r>
+              <a:rPr lang="fr-FR" dirty="0"/>
+              <a:t>Il faut autant d’output que de catégorie</a:t>
+            </a:r>
+          </a:p>
+          <a:p>
+            <a:pPr lvl="1"/>
+            <a:r>
+              <a:rPr lang="fr-FR" dirty="0"/>
+              <a:t>L’activation </a:t>
+            </a:r>
+            <a:r>
+              <a:rPr lang="fr-FR" dirty="0" err="1"/>
+              <a:t>softmax</a:t>
+            </a:r>
+            <a:r>
+              <a:rPr lang="fr-FR" dirty="0"/>
+              <a:t> doit être utilisée</a:t>
             </a:r>
           </a:p>
         </p:txBody>
@@ -6209,7 +6418,7 @@
     </p:spTree>
     <p:extLst>
       <p:ext uri="{BB962C8B-B14F-4D97-AF65-F5344CB8AC3E}">
-        <p14:creationId xmlns:p14="http://schemas.microsoft.com/office/powerpoint/2010/main" val="1449798764"/>
+        <p14:creationId xmlns:p14="http://schemas.microsoft.com/office/powerpoint/2010/main" val="1421864535"/>
       </p:ext>
     </p:extLst>
   </p:cSld>
@@ -6252,8 +6461,8 @@
           <a:lstStyle/>
           <a:p>
             <a:r>
-              <a:rPr lang="fr-FR" dirty="0"/>
-              <a:t>Vocabulaire</a:t>
+              <a:rPr lang="fr-FR"/>
+              <a:t>Solidification du modèle</a:t>
             </a:r>
           </a:p>
         </p:txBody>
@@ -6274,88 +6483,53 @@
           <a:lstStyle/>
           <a:p>
             <a:r>
-              <a:rPr lang="fr-FR" sz="2400" dirty="0" err="1"/>
-              <a:t>TensorFlow</a:t>
-            </a:r>
-            <a:r>
-              <a:rPr lang="fr-FR" sz="2400" dirty="0"/>
-              <a:t> et </a:t>
-            </a:r>
-            <a:r>
-              <a:rPr lang="fr-FR" sz="2400" dirty="0" err="1"/>
-              <a:t>SKLearn</a:t>
-            </a:r>
-            <a:r>
-              <a:rPr lang="fr-FR" sz="2400" dirty="0"/>
-              <a:t> n’utilisent pas le même vocabulaire</a:t>
-            </a:r>
-          </a:p>
-          <a:p>
-            <a:r>
-              <a:rPr lang="fr-FR" sz="2400" dirty="0" err="1"/>
-              <a:t>TrainingSet</a:t>
-            </a:r>
-            <a:endParaRPr lang="fr-FR" sz="2400" dirty="0"/>
-          </a:p>
-          <a:p>
-            <a:pPr lvl="1"/>
-            <a:r>
-              <a:rPr lang="fr-FR" sz="2000" dirty="0"/>
-              <a:t>Jeux d’entrainement</a:t>
-            </a:r>
-          </a:p>
-          <a:p>
-            <a:pPr lvl="1"/>
-            <a:r>
-              <a:rPr lang="fr-FR" sz="2000" dirty="0"/>
-              <a:t>Calcul du </a:t>
-            </a:r>
-            <a:r>
-              <a:rPr lang="fr-FR" sz="2000" dirty="0" err="1"/>
-              <a:t>Loss</a:t>
-            </a:r>
-            <a:endParaRPr lang="fr-FR" sz="2000" dirty="0"/>
-          </a:p>
-          <a:p>
-            <a:r>
-              <a:rPr lang="fr-FR" sz="2400" dirty="0" err="1"/>
-              <a:t>ValidationSet</a:t>
-            </a:r>
-            <a:endParaRPr lang="fr-FR" sz="2400" dirty="0"/>
-          </a:p>
-          <a:p>
-            <a:pPr lvl="1"/>
-            <a:r>
-              <a:rPr lang="fr-FR" sz="2000" dirty="0"/>
-              <a:t>Jeux pour mesurer la qualité du modèle</a:t>
-            </a:r>
-          </a:p>
-          <a:p>
-            <a:pPr lvl="1"/>
-            <a:r>
-              <a:rPr lang="fr-FR" sz="2000" dirty="0"/>
-              <a:t>Ne doit jamais être vu du modèle</a:t>
-            </a:r>
-          </a:p>
-          <a:p>
-            <a:r>
-              <a:rPr lang="fr-FR" sz="2400" dirty="0" err="1"/>
-              <a:t>TestSet</a:t>
-            </a:r>
-            <a:endParaRPr lang="fr-FR" sz="2400" dirty="0"/>
-          </a:p>
-          <a:p>
-            <a:pPr lvl="1"/>
-            <a:r>
-              <a:rPr lang="fr-FR" sz="2000" dirty="0"/>
-              <a:t>Recette final</a:t>
-            </a:r>
-          </a:p>
-          <a:p>
-            <a:pPr lvl="1"/>
-            <a:r>
-              <a:rPr lang="fr-FR" sz="2000" dirty="0"/>
-              <a:t>Ne doit jamais être vu des développeurs</a:t>
+              <a:rPr lang="fr-FR" dirty="0" smtClean="0"/>
+              <a:t>Il </a:t>
+            </a:r>
+            <a:r>
+              <a:rPr lang="fr-FR" dirty="0"/>
+              <a:t>est possible de sauvegarder entièrement le modèle</a:t>
+            </a:r>
+          </a:p>
+          <a:p>
+            <a:pPr lvl="1"/>
+            <a:r>
+              <a:rPr lang="fr-FR" dirty="0"/>
+              <a:t>Uniquement </a:t>
+            </a:r>
+            <a:r>
+              <a:rPr lang="fr-FR" dirty="0" err="1"/>
+              <a:t>Keras</a:t>
+            </a:r>
+            <a:r>
+              <a:rPr lang="fr-FR" dirty="0"/>
+              <a:t> H5</a:t>
+            </a:r>
+          </a:p>
+          <a:p>
+            <a:pPr lvl="1"/>
+            <a:r>
+              <a:rPr lang="fr-FR" dirty="0" err="1"/>
+              <a:t>model.save</a:t>
+            </a:r>
+            <a:r>
+              <a:rPr lang="fr-FR" dirty="0"/>
+              <a:t>(file.h5)</a:t>
+            </a:r>
+          </a:p>
+          <a:p>
+            <a:pPr lvl="1"/>
+            <a:r>
+              <a:rPr lang="fr-FR" dirty="0"/>
+              <a:t>model = </a:t>
+            </a:r>
+            <a:r>
+              <a:rPr lang="fr-FR" dirty="0" err="1"/>
+              <a:t>tf.keras.models.load_model</a:t>
+            </a:r>
+            <a:r>
+              <a:rPr lang="fr-FR" dirty="0"/>
+              <a:t>(file.h5)</a:t>
             </a:r>
           </a:p>
         </p:txBody>
@@ -6363,7 +6537,7 @@
     </p:spTree>
     <p:extLst>
       <p:ext uri="{BB962C8B-B14F-4D97-AF65-F5344CB8AC3E}">
-        <p14:creationId xmlns:p14="http://schemas.microsoft.com/office/powerpoint/2010/main" val="1521370590"/>
+        <p14:creationId xmlns:p14="http://schemas.microsoft.com/office/powerpoint/2010/main" val="1886155720"/>
       </p:ext>
     </p:extLst>
   </p:cSld>
@@ -6406,2546 +6580,10 @@
           <a:lstStyle/>
           <a:p>
             <a:r>
-              <a:rPr lang="fr-FR" dirty="0"/>
-              <a:t>Méthode </a:t>
-            </a:r>
-            <a:r>
-              <a:rPr lang="fr-FR" dirty="0" err="1"/>
-              <a:t>SKLearn</a:t>
+              <a:rPr lang="fr-FR" dirty="0" err="1" smtClean="0"/>
+              <a:t>DropOut</a:t>
             </a:r>
             <a:endParaRPr lang="fr-FR" dirty="0"/>
-          </a:p>
-        </p:txBody>
-      </p:sp>
-      <p:sp>
-        <p:nvSpPr>
-          <p:cNvPr id="3" name="Espace réservé du contenu 2"/>
-          <p:cNvSpPr>
-            <a:spLocks noGrp="1"/>
-          </p:cNvSpPr>
-          <p:nvPr>
-            <p:ph idx="1"/>
-          </p:nvPr>
-        </p:nvSpPr>
-        <p:spPr/>
-        <p:txBody>
-          <a:bodyPr/>
-          <a:lstStyle/>
-          <a:p>
-            <a:r>
-              <a:rPr lang="fr-FR" dirty="0"/>
-              <a:t>Model </a:t>
-            </a:r>
-            <a:r>
-              <a:rPr lang="fr-FR" dirty="0" err="1"/>
-              <a:t>Selection</a:t>
-            </a:r>
-            <a:r>
-              <a:rPr lang="fr-FR" dirty="0"/>
-              <a:t> est un module de sélection de modèle</a:t>
-            </a:r>
-          </a:p>
-          <a:p>
-            <a:r>
-              <a:rPr lang="fr-FR" dirty="0" err="1"/>
-              <a:t>Train_test_split</a:t>
-            </a:r>
-            <a:r>
-              <a:rPr lang="fr-FR" dirty="0"/>
-              <a:t> permet de découper le </a:t>
-            </a:r>
-            <a:r>
-              <a:rPr lang="fr-FR" dirty="0" err="1"/>
-              <a:t>dataset</a:t>
-            </a:r>
-            <a:endParaRPr lang="fr-FR" dirty="0"/>
-          </a:p>
-          <a:p>
-            <a:pPr lvl="1"/>
-            <a:r>
-              <a:rPr lang="fr-FR" dirty="0"/>
-              <a:t>import </a:t>
-            </a:r>
-            <a:r>
-              <a:rPr lang="fr-FR" dirty="0" err="1"/>
-              <a:t>sklearn.model_selection</a:t>
-            </a:r>
-            <a:r>
-              <a:rPr lang="fr-FR" dirty="0"/>
-              <a:t> as ms</a:t>
-            </a:r>
-          </a:p>
-          <a:p>
-            <a:pPr lvl="1"/>
-            <a:r>
-              <a:rPr lang="fr-FR" dirty="0" err="1"/>
-              <a:t>xtrain</a:t>
-            </a:r>
-            <a:r>
-              <a:rPr lang="fr-FR" dirty="0"/>
-              <a:t>, </a:t>
-            </a:r>
-            <a:r>
-              <a:rPr lang="fr-FR" dirty="0" err="1"/>
-              <a:t>xtest</a:t>
-            </a:r>
-            <a:r>
-              <a:rPr lang="fr-FR" dirty="0"/>
-              <a:t>, </a:t>
-            </a:r>
-            <a:r>
-              <a:rPr lang="fr-FR" dirty="0" err="1"/>
-              <a:t>ytrain</a:t>
-            </a:r>
-            <a:r>
-              <a:rPr lang="fr-FR" dirty="0"/>
-              <a:t>, </a:t>
-            </a:r>
-            <a:r>
-              <a:rPr lang="fr-FR" dirty="0" err="1"/>
-              <a:t>ytest</a:t>
-            </a:r>
-            <a:r>
-              <a:rPr lang="fr-FR" dirty="0"/>
-              <a:t> = </a:t>
-            </a:r>
-            <a:r>
-              <a:rPr lang="fr-FR" dirty="0" err="1"/>
-              <a:t>ms.train_test_split</a:t>
-            </a:r>
-            <a:r>
-              <a:rPr lang="fr-FR" dirty="0"/>
-              <a:t>(X, y, </a:t>
-            </a:r>
-            <a:r>
-              <a:rPr lang="fr-FR" dirty="0" err="1"/>
-              <a:t>train_size</a:t>
-            </a:r>
-            <a:r>
-              <a:rPr lang="fr-FR" dirty="0"/>
-              <a:t>=0.8, </a:t>
-            </a:r>
-            <a:r>
-              <a:rPr lang="fr-FR" dirty="0" err="1"/>
-              <a:t>test_size</a:t>
-            </a:r>
-            <a:r>
-              <a:rPr lang="fr-FR" dirty="0"/>
-              <a:t>=0.2)</a:t>
-            </a:r>
-          </a:p>
-          <a:p>
-            <a:r>
-              <a:rPr lang="fr-FR" dirty="0" err="1"/>
-              <a:t>SKLearn</a:t>
-            </a:r>
-            <a:r>
-              <a:rPr lang="fr-FR" dirty="0"/>
-              <a:t> appel test la validation</a:t>
-            </a:r>
-          </a:p>
-          <a:p>
-            <a:pPr marL="0" indent="0">
-              <a:buNone/>
-            </a:pPr>
-            <a:endParaRPr lang="fr-FR" dirty="0"/>
-          </a:p>
-        </p:txBody>
-      </p:sp>
-    </p:spTree>
-    <p:extLst>
-      <p:ext uri="{BB962C8B-B14F-4D97-AF65-F5344CB8AC3E}">
-        <p14:creationId xmlns:p14="http://schemas.microsoft.com/office/powerpoint/2010/main" val="302231346"/>
-      </p:ext>
-    </p:extLst>
-  </p:cSld>
-  <p:clrMapOvr>
-    <a:masterClrMapping/>
-  </p:clrMapOvr>
-</p:sld>
-</file>
-
-<file path=ppt/slides/slide27.xml><?xml version="1.0" encoding="utf-8"?>
-<p:sld xmlns:a="http://schemas.openxmlformats.org/drawingml/2006/main" xmlns:r="http://schemas.openxmlformats.org/officeDocument/2006/relationships" xmlns:p="http://schemas.openxmlformats.org/presentationml/2006/main">
-  <p:cSld>
-    <p:spTree>
-      <p:nvGrpSpPr>
-        <p:cNvPr id="1" name=""/>
-        <p:cNvGrpSpPr/>
-        <p:nvPr/>
-      </p:nvGrpSpPr>
-      <p:grpSpPr>
-        <a:xfrm>
-          <a:off x="0" y="0"/>
-          <a:ext cx="0" cy="0"/>
-          <a:chOff x="0" y="0"/>
-          <a:chExt cx="0" cy="0"/>
-        </a:xfrm>
-      </p:grpSpPr>
-      <p:sp>
-        <p:nvSpPr>
-          <p:cNvPr id="2" name="Titre 1"/>
-          <p:cNvSpPr>
-            <a:spLocks noGrp="1"/>
-          </p:cNvSpPr>
-          <p:nvPr>
-            <p:ph type="title"/>
-          </p:nvPr>
-        </p:nvSpPr>
-        <p:spPr/>
-        <p:txBody>
-          <a:bodyPr/>
-          <a:lstStyle/>
-          <a:p>
-            <a:r>
-              <a:rPr lang="fr-FR" dirty="0"/>
-              <a:t>Méthode </a:t>
-            </a:r>
-            <a:r>
-              <a:rPr lang="fr-FR" dirty="0" err="1"/>
-              <a:t>Keras</a:t>
-            </a:r>
-            <a:endParaRPr lang="fr-FR" dirty="0"/>
-          </a:p>
-        </p:txBody>
-      </p:sp>
-      <p:sp>
-        <p:nvSpPr>
-          <p:cNvPr id="3" name="Espace réservé du contenu 2"/>
-          <p:cNvSpPr>
-            <a:spLocks noGrp="1"/>
-          </p:cNvSpPr>
-          <p:nvPr>
-            <p:ph idx="1"/>
-          </p:nvPr>
-        </p:nvSpPr>
-        <p:spPr/>
-        <p:txBody>
-          <a:bodyPr/>
-          <a:lstStyle/>
-          <a:p>
-            <a:r>
-              <a:rPr lang="en-US" dirty="0"/>
-              <a:t>Simple</a:t>
-            </a:r>
-          </a:p>
-          <a:p>
-            <a:pPr lvl="1"/>
-            <a:r>
-              <a:rPr lang="en-US" dirty="0" err="1"/>
-              <a:t>model.fit</a:t>
-            </a:r>
-            <a:r>
-              <a:rPr lang="en-US" dirty="0"/>
-              <a:t>(</a:t>
-            </a:r>
-            <a:r>
-              <a:rPr lang="en-US" dirty="0" err="1"/>
-              <a:t>validation_split</a:t>
-            </a:r>
-            <a:r>
-              <a:rPr lang="en-US" dirty="0"/>
-              <a:t>=0.2)</a:t>
-            </a:r>
-            <a:endParaRPr lang="fr-FR" dirty="0"/>
-          </a:p>
-          <a:p>
-            <a:r>
-              <a:rPr lang="fr-FR" dirty="0"/>
-              <a:t>Pour s’assurer la reproductibilité de la randomisation</a:t>
-            </a:r>
-          </a:p>
-          <a:p>
-            <a:pPr lvl="1"/>
-            <a:r>
-              <a:rPr lang="fr-FR" dirty="0" err="1"/>
-              <a:t>tensorflow.random.set_seed</a:t>
-            </a:r>
-            <a:r>
-              <a:rPr lang="fr-FR" dirty="0"/>
-              <a:t>(1511)</a:t>
-            </a:r>
-          </a:p>
-          <a:p>
-            <a:r>
-              <a:rPr lang="fr-FR" dirty="0"/>
-              <a:t>En cas d’utilisation </a:t>
-            </a:r>
-            <a:r>
-              <a:rPr lang="fr-FR" dirty="0" err="1"/>
-              <a:t>numpy</a:t>
-            </a:r>
-            <a:endParaRPr lang="fr-FR" dirty="0"/>
-          </a:p>
-          <a:p>
-            <a:pPr lvl="1"/>
-            <a:r>
-              <a:rPr lang="fr-FR" dirty="0" err="1"/>
-              <a:t>np.random.seed</a:t>
-            </a:r>
-            <a:r>
-              <a:rPr lang="fr-FR" dirty="0"/>
-              <a:t>(1511)</a:t>
-            </a:r>
-          </a:p>
-          <a:p>
-            <a:pPr lvl="1"/>
-            <a:endParaRPr lang="fr-FR" dirty="0"/>
-          </a:p>
-        </p:txBody>
-      </p:sp>
-    </p:spTree>
-    <p:extLst>
-      <p:ext uri="{BB962C8B-B14F-4D97-AF65-F5344CB8AC3E}">
-        <p14:creationId xmlns:p14="http://schemas.microsoft.com/office/powerpoint/2010/main" val="3354143676"/>
-      </p:ext>
-    </p:extLst>
-  </p:cSld>
-  <p:clrMapOvr>
-    <a:masterClrMapping/>
-  </p:clrMapOvr>
-</p:sld>
-</file>
-
-<file path=ppt/slides/slide28.xml><?xml version="1.0" encoding="utf-8"?>
-<p:sld xmlns:a="http://schemas.openxmlformats.org/drawingml/2006/main" xmlns:r="http://schemas.openxmlformats.org/officeDocument/2006/relationships" xmlns:p="http://schemas.openxmlformats.org/presentationml/2006/main">
-  <p:cSld>
-    <p:spTree>
-      <p:nvGrpSpPr>
-        <p:cNvPr id="1" name=""/>
-        <p:cNvGrpSpPr/>
-        <p:nvPr/>
-      </p:nvGrpSpPr>
-      <p:grpSpPr>
-        <a:xfrm>
-          <a:off x="0" y="0"/>
-          <a:ext cx="0" cy="0"/>
-          <a:chOff x="0" y="0"/>
-          <a:chExt cx="0" cy="0"/>
-        </a:xfrm>
-      </p:grpSpPr>
-      <p:sp>
-        <p:nvSpPr>
-          <p:cNvPr id="2" name="Titre 1"/>
-          <p:cNvSpPr>
-            <a:spLocks noGrp="1"/>
-          </p:cNvSpPr>
-          <p:nvPr>
-            <p:ph type="title"/>
-          </p:nvPr>
-        </p:nvSpPr>
-        <p:spPr/>
-        <p:txBody>
-          <a:bodyPr/>
-          <a:lstStyle/>
-          <a:p>
-            <a:r>
-              <a:rPr lang="fr-FR" dirty="0"/>
-              <a:t>Compréhension des résultats</a:t>
-            </a:r>
-          </a:p>
-        </p:txBody>
-      </p:sp>
-      <p:sp>
-        <p:nvSpPr>
-          <p:cNvPr id="3" name="Espace réservé du contenu 2"/>
-          <p:cNvSpPr>
-            <a:spLocks noGrp="1"/>
-          </p:cNvSpPr>
-          <p:nvPr>
-            <p:ph idx="1"/>
-          </p:nvPr>
-        </p:nvSpPr>
-        <p:spPr/>
-        <p:txBody>
-          <a:bodyPr/>
-          <a:lstStyle/>
-          <a:p>
-            <a:r>
-              <a:rPr lang="fr-FR" sz="2400" dirty="0" err="1"/>
-              <a:t>Loss</a:t>
-            </a:r>
-            <a:r>
-              <a:rPr lang="fr-FR" sz="2400" dirty="0"/>
-              <a:t> détermine le </a:t>
-            </a:r>
-            <a:r>
-              <a:rPr lang="fr-FR" sz="2400" dirty="0" err="1"/>
-              <a:t>loss</a:t>
-            </a:r>
-            <a:r>
-              <a:rPr lang="fr-FR" sz="2400" dirty="0"/>
-              <a:t> de l’inférence avec les training set</a:t>
-            </a:r>
-          </a:p>
-          <a:p>
-            <a:r>
-              <a:rPr lang="fr-FR" sz="2400" dirty="0" err="1"/>
-              <a:t>Val_loss</a:t>
-            </a:r>
-            <a:r>
-              <a:rPr lang="fr-FR" sz="2400" dirty="0"/>
-              <a:t> détermine le </a:t>
-            </a:r>
-            <a:r>
-              <a:rPr lang="fr-FR" sz="2400" dirty="0" err="1"/>
-              <a:t>loss</a:t>
-            </a:r>
-            <a:r>
-              <a:rPr lang="fr-FR" sz="2400" dirty="0"/>
-              <a:t> de l’</a:t>
-            </a:r>
-            <a:r>
-              <a:rPr lang="fr-FR" sz="2400" dirty="0" err="1"/>
-              <a:t>epoch</a:t>
-            </a:r>
-            <a:r>
-              <a:rPr lang="fr-FR" sz="2400" dirty="0"/>
-              <a:t> avec le jeux de validation</a:t>
-            </a:r>
-          </a:p>
-          <a:p>
-            <a:r>
-              <a:rPr lang="fr-FR" sz="2400" dirty="0" err="1"/>
-              <a:t>Accuracy</a:t>
-            </a:r>
-            <a:r>
-              <a:rPr lang="fr-FR" sz="2400" dirty="0"/>
-              <a:t> détermine la précision de l’inférence avec les training set</a:t>
-            </a:r>
-          </a:p>
-          <a:p>
-            <a:r>
-              <a:rPr lang="fr-FR" sz="2400" dirty="0"/>
-              <a:t>Val_ </a:t>
-            </a:r>
-            <a:r>
-              <a:rPr lang="fr-FR" sz="2400" dirty="0" err="1"/>
-              <a:t>accuracy</a:t>
-            </a:r>
-            <a:r>
-              <a:rPr lang="fr-FR" sz="2400" dirty="0"/>
-              <a:t> détermine la précision de l’</a:t>
-            </a:r>
-            <a:r>
-              <a:rPr lang="fr-FR" sz="2400" dirty="0" err="1"/>
-              <a:t>epoch</a:t>
-            </a:r>
-            <a:r>
-              <a:rPr lang="fr-FR" sz="2400" dirty="0"/>
-              <a:t> avec le jeux de validation</a:t>
-            </a:r>
-          </a:p>
-          <a:p>
-            <a:r>
-              <a:rPr lang="fr-FR" sz="2400" dirty="0"/>
-              <a:t>Si </a:t>
-            </a:r>
-            <a:r>
-              <a:rPr lang="fr-FR" sz="2400" dirty="0" err="1"/>
-              <a:t>accuracy</a:t>
-            </a:r>
-            <a:r>
-              <a:rPr lang="fr-FR" sz="2400" dirty="0"/>
-              <a:t> est bas : le réseau ne fonctionne pas</a:t>
-            </a:r>
-          </a:p>
-          <a:p>
-            <a:r>
-              <a:rPr lang="fr-FR" sz="2400" dirty="0"/>
-              <a:t>Si </a:t>
-            </a:r>
-            <a:r>
-              <a:rPr lang="fr-FR" sz="2400" dirty="0" err="1"/>
-              <a:t>accuracy</a:t>
-            </a:r>
-            <a:r>
-              <a:rPr lang="fr-FR" sz="2400" dirty="0"/>
-              <a:t> &gt;&gt; </a:t>
-            </a:r>
-            <a:r>
-              <a:rPr lang="fr-FR" sz="2400" dirty="0" err="1"/>
-              <a:t>val_accuracy</a:t>
-            </a:r>
-            <a:r>
-              <a:rPr lang="fr-FR" sz="2400" dirty="0"/>
-              <a:t> : </a:t>
-            </a:r>
-            <a:r>
-              <a:rPr lang="fr-FR" sz="2400" dirty="0" err="1"/>
-              <a:t>overfitting</a:t>
-            </a:r>
-            <a:endParaRPr lang="fr-FR" sz="2400" dirty="0"/>
-          </a:p>
-          <a:p>
-            <a:r>
-              <a:rPr lang="fr-FR" sz="2400" dirty="0"/>
-              <a:t>Si </a:t>
-            </a:r>
-            <a:r>
-              <a:rPr lang="fr-FR" sz="2400" dirty="0" err="1"/>
-              <a:t>accuracy</a:t>
-            </a:r>
-            <a:r>
-              <a:rPr lang="fr-FR" sz="2400" dirty="0"/>
-              <a:t> &gt; </a:t>
-            </a:r>
-            <a:r>
-              <a:rPr lang="fr-FR" sz="2400" dirty="0" err="1"/>
-              <a:t>val_accuracy</a:t>
-            </a:r>
-            <a:r>
-              <a:rPr lang="fr-FR" sz="2400" dirty="0"/>
-              <a:t> : léger </a:t>
-            </a:r>
-            <a:r>
-              <a:rPr lang="fr-FR" sz="2400" dirty="0" err="1"/>
-              <a:t>overfitting</a:t>
-            </a:r>
-            <a:endParaRPr lang="fr-FR" sz="2400" dirty="0"/>
-          </a:p>
-          <a:p>
-            <a:r>
-              <a:rPr lang="fr-FR" sz="2400" dirty="0"/>
-              <a:t>Si </a:t>
-            </a:r>
-            <a:r>
-              <a:rPr lang="fr-FR" sz="2400" dirty="0" err="1"/>
-              <a:t>val_accuracy</a:t>
-            </a:r>
-            <a:r>
-              <a:rPr lang="fr-FR" sz="2400" dirty="0"/>
-              <a:t> &gt;= </a:t>
-            </a:r>
-            <a:r>
-              <a:rPr lang="fr-FR" sz="2400" dirty="0" err="1"/>
-              <a:t>accuracy</a:t>
-            </a:r>
-            <a:r>
-              <a:rPr lang="fr-FR" sz="2400" dirty="0"/>
-              <a:t> : parfait</a:t>
-            </a:r>
-          </a:p>
-          <a:p>
-            <a:r>
-              <a:rPr lang="fr-FR" sz="2400" dirty="0"/>
-              <a:t>Si </a:t>
-            </a:r>
-            <a:r>
-              <a:rPr lang="fr-FR" sz="2400" dirty="0" err="1"/>
-              <a:t>val_accuracy</a:t>
-            </a:r>
-            <a:r>
-              <a:rPr lang="fr-FR" sz="2400" dirty="0"/>
-              <a:t> &gt;&gt; </a:t>
-            </a:r>
-            <a:r>
-              <a:rPr lang="fr-FR" sz="2400" dirty="0" err="1"/>
-              <a:t>accuracy</a:t>
-            </a:r>
-            <a:r>
-              <a:rPr lang="fr-FR" sz="2400" dirty="0"/>
-              <a:t> : anormal</a:t>
-            </a:r>
-          </a:p>
-          <a:p>
-            <a:endParaRPr lang="fr-FR" sz="2400" dirty="0"/>
-          </a:p>
-        </p:txBody>
-      </p:sp>
-    </p:spTree>
-    <p:extLst>
-      <p:ext uri="{BB962C8B-B14F-4D97-AF65-F5344CB8AC3E}">
-        <p14:creationId xmlns:p14="http://schemas.microsoft.com/office/powerpoint/2010/main" val="4009506265"/>
-      </p:ext>
-    </p:extLst>
-  </p:cSld>
-  <p:clrMapOvr>
-    <a:masterClrMapping/>
-  </p:clrMapOvr>
-</p:sld>
-</file>
-
-<file path=ppt/slides/slide29.xml><?xml version="1.0" encoding="utf-8"?>
-<p:sld xmlns:a="http://schemas.openxmlformats.org/drawingml/2006/main" xmlns:r="http://schemas.openxmlformats.org/officeDocument/2006/relationships" xmlns:p="http://schemas.openxmlformats.org/presentationml/2006/main">
-  <p:cSld>
-    <p:spTree>
-      <p:nvGrpSpPr>
-        <p:cNvPr id="1" name=""/>
-        <p:cNvGrpSpPr/>
-        <p:nvPr/>
-      </p:nvGrpSpPr>
-      <p:grpSpPr>
-        <a:xfrm>
-          <a:off x="0" y="0"/>
-          <a:ext cx="0" cy="0"/>
-          <a:chOff x="0" y="0"/>
-          <a:chExt cx="0" cy="0"/>
-        </a:xfrm>
-      </p:grpSpPr>
-      <p:sp>
-        <p:nvSpPr>
-          <p:cNvPr id="2" name="Titre 1"/>
-          <p:cNvSpPr>
-            <a:spLocks noGrp="1"/>
-          </p:cNvSpPr>
-          <p:nvPr>
-            <p:ph type="title"/>
-          </p:nvPr>
-        </p:nvSpPr>
-        <p:spPr/>
-        <p:txBody>
-          <a:bodyPr/>
-          <a:lstStyle/>
-          <a:p>
-            <a:r>
-              <a:rPr lang="fr-FR" dirty="0" err="1"/>
-              <a:t>Scaling</a:t>
-            </a:r>
-            <a:endParaRPr lang="fr-FR" dirty="0"/>
-          </a:p>
-        </p:txBody>
-      </p:sp>
-      <p:sp>
-        <p:nvSpPr>
-          <p:cNvPr id="3" name="Espace réservé du contenu 2"/>
-          <p:cNvSpPr>
-            <a:spLocks noGrp="1"/>
-          </p:cNvSpPr>
-          <p:nvPr>
-            <p:ph idx="1"/>
-          </p:nvPr>
-        </p:nvSpPr>
-        <p:spPr/>
-        <p:txBody>
-          <a:bodyPr/>
-          <a:lstStyle/>
-          <a:p>
-            <a:r>
-              <a:rPr lang="fr-FR" dirty="0"/>
-              <a:t>Il est difficile de comparer des données de l’ordre de 100000 et de l’ordre de 0.00001</a:t>
-            </a:r>
-          </a:p>
-          <a:p>
-            <a:pPr lvl="1"/>
-            <a:r>
-              <a:rPr lang="fr-FR" dirty="0"/>
-              <a:t>La descente du gradient va être négligeable sur 100000 et important sur 0.00001</a:t>
-            </a:r>
-          </a:p>
-          <a:p>
-            <a:pPr lvl="1"/>
-            <a:r>
-              <a:rPr lang="fr-FR" dirty="0"/>
-              <a:t>Peut empêcher un réseau de fonctionner</a:t>
-            </a:r>
-          </a:p>
-          <a:p>
-            <a:r>
-              <a:rPr lang="fr-FR" dirty="0"/>
-              <a:t>Standardisation</a:t>
-            </a:r>
-          </a:p>
-          <a:p>
-            <a:pPr lvl="1"/>
-            <a:r>
-              <a:rPr lang="fr-FR" dirty="0"/>
-              <a:t>Permet de comparer des données comparables</a:t>
-            </a:r>
-          </a:p>
-          <a:p>
-            <a:pPr lvl="1"/>
-            <a:r>
-              <a:rPr lang="fr-FR" dirty="0"/>
-              <a:t>Par exemple centrer les données sur zéro avec un écart type de 1</a:t>
-            </a:r>
-          </a:p>
-          <a:p>
-            <a:pPr lvl="1"/>
-            <a:r>
-              <a:rPr lang="fr-FR" dirty="0"/>
-              <a:t>F(x) = (x – </a:t>
-            </a:r>
-            <a:r>
-              <a:rPr lang="fr-FR" dirty="0" err="1"/>
-              <a:t>moy</a:t>
-            </a:r>
-            <a:r>
-              <a:rPr lang="fr-FR" dirty="0"/>
-              <a:t>) / </a:t>
-            </a:r>
-            <a:r>
-              <a:rPr lang="fr-FR" dirty="0" err="1"/>
-              <a:t>std</a:t>
-            </a:r>
-            <a:endParaRPr lang="fr-FR" dirty="0"/>
-          </a:p>
-        </p:txBody>
-      </p:sp>
-    </p:spTree>
-    <p:extLst>
-      <p:ext uri="{BB962C8B-B14F-4D97-AF65-F5344CB8AC3E}">
-        <p14:creationId xmlns:p14="http://schemas.microsoft.com/office/powerpoint/2010/main" val="2815797015"/>
-      </p:ext>
-    </p:extLst>
-  </p:cSld>
-  <p:clrMapOvr>
-    <a:masterClrMapping/>
-  </p:clrMapOvr>
-</p:sld>
-</file>
-
-<file path=ppt/slides/slide3.xml><?xml version="1.0" encoding="utf-8"?>
-<p:sld xmlns:a="http://schemas.openxmlformats.org/drawingml/2006/main" xmlns:r="http://schemas.openxmlformats.org/officeDocument/2006/relationships" xmlns:p="http://schemas.openxmlformats.org/presentationml/2006/main">
-  <p:cSld>
-    <p:spTree>
-      <p:nvGrpSpPr>
-        <p:cNvPr id="1" name=""/>
-        <p:cNvGrpSpPr/>
-        <p:nvPr/>
-      </p:nvGrpSpPr>
-      <p:grpSpPr>
-        <a:xfrm>
-          <a:off x="0" y="0"/>
-          <a:ext cx="0" cy="0"/>
-          <a:chOff x="0" y="0"/>
-          <a:chExt cx="0" cy="0"/>
-        </a:xfrm>
-      </p:grpSpPr>
-      <p:sp>
-        <p:nvSpPr>
-          <p:cNvPr id="2" name="Titre 1"/>
-          <p:cNvSpPr>
-            <a:spLocks noGrp="1"/>
-          </p:cNvSpPr>
-          <p:nvPr>
-            <p:ph type="title"/>
-          </p:nvPr>
-        </p:nvSpPr>
-        <p:spPr/>
-        <p:txBody>
-          <a:bodyPr/>
-          <a:lstStyle/>
-          <a:p>
-            <a:r>
-              <a:rPr lang="fr-FR" dirty="0"/>
-              <a:t>Exemple simple</a:t>
-            </a:r>
-          </a:p>
-        </p:txBody>
-      </p:sp>
-      <p:sp>
-        <p:nvSpPr>
-          <p:cNvPr id="3" name="Espace réservé du contenu 2"/>
-          <p:cNvSpPr>
-            <a:spLocks noGrp="1"/>
-          </p:cNvSpPr>
-          <p:nvPr>
-            <p:ph idx="1"/>
-          </p:nvPr>
-        </p:nvSpPr>
-        <p:spPr/>
-        <p:txBody>
-          <a:bodyPr/>
-          <a:lstStyle/>
-          <a:p>
-            <a:r>
-              <a:rPr lang="fr-FR" dirty="0"/>
-              <a:t>MLP 5x5x1</a:t>
-            </a:r>
-          </a:p>
-          <a:p>
-            <a:pPr lvl="1"/>
-            <a:r>
-              <a:rPr lang="fr-FR" dirty="0"/>
-              <a:t>Par défaut l’activation est </a:t>
-            </a:r>
-            <a:r>
-              <a:rPr lang="fr-FR" dirty="0" err="1"/>
-              <a:t>linear</a:t>
-            </a:r>
-            <a:endParaRPr lang="fr-FR" dirty="0"/>
-          </a:p>
-          <a:p>
-            <a:endParaRPr lang="fr-FR" dirty="0"/>
-          </a:p>
-        </p:txBody>
-      </p:sp>
-      <p:pic>
-        <p:nvPicPr>
-          <p:cNvPr id="8" name="Image 7"/>
-          <p:cNvPicPr>
-            <a:picLocks noChangeAspect="1"/>
-          </p:cNvPicPr>
-          <p:nvPr/>
-        </p:nvPicPr>
-        <p:blipFill>
-          <a:blip r:embed="rId2"/>
-          <a:stretch>
-            <a:fillRect/>
-          </a:stretch>
-        </p:blipFill>
-        <p:spPr>
-          <a:xfrm>
-            <a:off x="1835696" y="2996952"/>
-            <a:ext cx="4886039" cy="2047944"/>
-          </a:xfrm>
-          <a:prstGeom prst="rect">
-            <a:avLst/>
-          </a:prstGeom>
-        </p:spPr>
-      </p:pic>
-    </p:spTree>
-    <p:extLst>
-      <p:ext uri="{BB962C8B-B14F-4D97-AF65-F5344CB8AC3E}">
-        <p14:creationId xmlns:p14="http://schemas.microsoft.com/office/powerpoint/2010/main" val="247719614"/>
-      </p:ext>
-    </p:extLst>
-  </p:cSld>
-  <p:clrMapOvr>
-    <a:masterClrMapping/>
-  </p:clrMapOvr>
-</p:sld>
-</file>
-
-<file path=ppt/slides/slide30.xml><?xml version="1.0" encoding="utf-8"?>
-<p:sld xmlns:a="http://schemas.openxmlformats.org/drawingml/2006/main" xmlns:r="http://schemas.openxmlformats.org/officeDocument/2006/relationships" xmlns:p="http://schemas.openxmlformats.org/presentationml/2006/main">
-  <p:cSld>
-    <p:spTree>
-      <p:nvGrpSpPr>
-        <p:cNvPr id="1" name=""/>
-        <p:cNvGrpSpPr/>
-        <p:nvPr/>
-      </p:nvGrpSpPr>
-      <p:grpSpPr>
-        <a:xfrm>
-          <a:off x="0" y="0"/>
-          <a:ext cx="0" cy="0"/>
-          <a:chOff x="0" y="0"/>
-          <a:chExt cx="0" cy="0"/>
-        </a:xfrm>
-      </p:grpSpPr>
-      <p:sp>
-        <p:nvSpPr>
-          <p:cNvPr id="2" name="Titre 1"/>
-          <p:cNvSpPr>
-            <a:spLocks noGrp="1"/>
-          </p:cNvSpPr>
-          <p:nvPr>
-            <p:ph type="title"/>
-          </p:nvPr>
-        </p:nvSpPr>
-        <p:spPr/>
-        <p:txBody>
-          <a:bodyPr/>
-          <a:lstStyle/>
-          <a:p>
-            <a:r>
-              <a:rPr lang="fr-FR" dirty="0"/>
-              <a:t>Standardisation d’un jeux de données</a:t>
-            </a:r>
-          </a:p>
-        </p:txBody>
-      </p:sp>
-      <p:sp>
-        <p:nvSpPr>
-          <p:cNvPr id="3" name="Espace réservé du contenu 2"/>
-          <p:cNvSpPr>
-            <a:spLocks noGrp="1"/>
-          </p:cNvSpPr>
-          <p:nvPr>
-            <p:ph idx="1"/>
-          </p:nvPr>
-        </p:nvSpPr>
-        <p:spPr/>
-        <p:txBody>
-          <a:bodyPr/>
-          <a:lstStyle/>
-          <a:p>
-            <a:r>
-              <a:rPr lang="fr-FR" sz="2400" dirty="0"/>
-              <a:t>Permet de normaliser les données</a:t>
-            </a:r>
-          </a:p>
-          <a:p>
-            <a:r>
-              <a:rPr lang="fr-FR" sz="2400" dirty="0" err="1"/>
-              <a:t>MinMaxScaler</a:t>
-            </a:r>
-            <a:endParaRPr lang="fr-FR" sz="2400" dirty="0"/>
-          </a:p>
-          <a:p>
-            <a:pPr lvl="1"/>
-            <a:r>
-              <a:rPr lang="fr-FR" sz="2000" dirty="0"/>
-              <a:t>Transforme les données pour qu’elles soient comprises entre min et max</a:t>
-            </a:r>
-          </a:p>
-          <a:p>
-            <a:r>
-              <a:rPr lang="fr-FR" sz="2400" dirty="0" err="1"/>
-              <a:t>StandardScaler</a:t>
-            </a:r>
-            <a:endParaRPr lang="fr-FR" sz="2400" dirty="0"/>
-          </a:p>
-          <a:p>
-            <a:pPr lvl="1"/>
-            <a:r>
-              <a:rPr lang="fr-FR" sz="2000" dirty="0"/>
-              <a:t>Supprime la moyenne et la mise à l'échelle de la variance de l'unité et en centrant sur 0</a:t>
-            </a:r>
-          </a:p>
-          <a:p>
-            <a:pPr lvl="1"/>
-            <a:r>
-              <a:rPr lang="fr-FR" sz="2000" dirty="0"/>
-              <a:t>La moyenne devient 0</a:t>
-            </a:r>
-          </a:p>
-          <a:p>
-            <a:pPr lvl="1"/>
-            <a:r>
-              <a:rPr lang="fr-FR" sz="2000" dirty="0"/>
-              <a:t>L’écart type devient 1</a:t>
-            </a:r>
-          </a:p>
-          <a:p>
-            <a:r>
-              <a:rPr lang="fr-FR" sz="2400" dirty="0" err="1"/>
-              <a:t>RobustScaler</a:t>
-            </a:r>
-            <a:endParaRPr lang="fr-FR" sz="2400" dirty="0"/>
-          </a:p>
-          <a:p>
-            <a:pPr lvl="1"/>
-            <a:r>
-              <a:rPr lang="fr-FR" sz="2000" dirty="0"/>
-              <a:t>Fonctionne comme </a:t>
-            </a:r>
-            <a:r>
-              <a:rPr lang="fr-FR" sz="2000" dirty="0" err="1"/>
-              <a:t>StandardScaler</a:t>
-            </a:r>
-            <a:r>
-              <a:rPr lang="fr-FR" sz="2000" dirty="0"/>
-              <a:t> mais en quantile</a:t>
-            </a:r>
-          </a:p>
-          <a:p>
-            <a:pPr lvl="1"/>
-            <a:r>
-              <a:rPr lang="fr-FR" sz="2000" dirty="0"/>
-              <a:t>Si x &lt; médiane = f(x) = (x – médiane) / quartile</a:t>
-            </a:r>
-          </a:p>
-          <a:p>
-            <a:pPr lvl="1"/>
-            <a:r>
-              <a:rPr lang="fr-FR" sz="2000" dirty="0"/>
-              <a:t>Si x &gt; médiane = f(x) = (x – médiane) / 0.75ile</a:t>
-            </a:r>
-          </a:p>
-        </p:txBody>
-      </p:sp>
-      <p:pic>
-        <p:nvPicPr>
-          <p:cNvPr id="4" name="Image 3"/>
-          <p:cNvPicPr>
-            <a:picLocks noChangeAspect="1"/>
-          </p:cNvPicPr>
-          <p:nvPr/>
-        </p:nvPicPr>
-        <p:blipFill>
-          <a:blip r:embed="rId2"/>
-          <a:stretch>
-            <a:fillRect/>
-          </a:stretch>
-        </p:blipFill>
-        <p:spPr>
-          <a:xfrm>
-            <a:off x="3923928" y="3789040"/>
-            <a:ext cx="4464496" cy="1128609"/>
-          </a:xfrm>
-          <a:prstGeom prst="rect">
-            <a:avLst/>
-          </a:prstGeom>
-        </p:spPr>
-      </p:pic>
-    </p:spTree>
-    <p:extLst>
-      <p:ext uri="{BB962C8B-B14F-4D97-AF65-F5344CB8AC3E}">
-        <p14:creationId xmlns:p14="http://schemas.microsoft.com/office/powerpoint/2010/main" val="97404205"/>
-      </p:ext>
-    </p:extLst>
-  </p:cSld>
-  <p:clrMapOvr>
-    <a:masterClrMapping/>
-  </p:clrMapOvr>
-</p:sld>
-</file>
-
-<file path=ppt/slides/slide31.xml><?xml version="1.0" encoding="utf-8"?>
-<p:sld xmlns:a="http://schemas.openxmlformats.org/drawingml/2006/main" xmlns:r="http://schemas.openxmlformats.org/officeDocument/2006/relationships" xmlns:p="http://schemas.openxmlformats.org/presentationml/2006/main">
-  <p:cSld>
-    <p:spTree>
-      <p:nvGrpSpPr>
-        <p:cNvPr id="1" name=""/>
-        <p:cNvGrpSpPr/>
-        <p:nvPr/>
-      </p:nvGrpSpPr>
-      <p:grpSpPr>
-        <a:xfrm>
-          <a:off x="0" y="0"/>
-          <a:ext cx="0" cy="0"/>
-          <a:chOff x="0" y="0"/>
-          <a:chExt cx="0" cy="0"/>
-        </a:xfrm>
-      </p:grpSpPr>
-      <p:sp>
-        <p:nvSpPr>
-          <p:cNvPr id="2" name="Titre 1"/>
-          <p:cNvSpPr>
-            <a:spLocks noGrp="1"/>
-          </p:cNvSpPr>
-          <p:nvPr>
-            <p:ph type="title"/>
-          </p:nvPr>
-        </p:nvSpPr>
-        <p:spPr/>
-        <p:txBody>
-          <a:bodyPr/>
-          <a:lstStyle/>
-          <a:p>
-            <a:r>
-              <a:rPr lang="fr-FR" dirty="0"/>
-              <a:t>Calcul du </a:t>
-            </a:r>
-            <a:r>
-              <a:rPr lang="fr-FR" dirty="0" err="1"/>
-              <a:t>loss</a:t>
-            </a:r>
-            <a:endParaRPr lang="fr-FR" dirty="0"/>
-          </a:p>
-        </p:txBody>
-      </p:sp>
-      <p:sp>
-        <p:nvSpPr>
-          <p:cNvPr id="3" name="Espace réservé du contenu 2"/>
-          <p:cNvSpPr>
-            <a:spLocks noGrp="1"/>
-          </p:cNvSpPr>
-          <p:nvPr>
-            <p:ph idx="1"/>
-          </p:nvPr>
-        </p:nvSpPr>
-        <p:spPr/>
-        <p:txBody>
-          <a:bodyPr/>
-          <a:lstStyle/>
-          <a:p>
-            <a:r>
-              <a:rPr lang="fr-FR" dirty="0"/>
-              <a:t>Pour l’instant nous avons pris MSE</a:t>
-            </a:r>
-          </a:p>
-          <a:p>
-            <a:pPr lvl="1"/>
-            <a:r>
-              <a:rPr lang="fr-FR" dirty="0"/>
-              <a:t>Marche bien pour des données numérique</a:t>
-            </a:r>
-          </a:p>
-          <a:p>
-            <a:pPr lvl="1"/>
-            <a:r>
-              <a:rPr lang="fr-FR" dirty="0"/>
-              <a:t>Marche mal pour des catégories, surtout si leur nombre est &gt; 2</a:t>
-            </a:r>
-          </a:p>
-          <a:p>
-            <a:pPr lvl="1"/>
-            <a:r>
-              <a:rPr lang="fr-FR" dirty="0"/>
-              <a:t>Par exemple, pour MNIST, le MSE entre 1 et 7 est 36 alors que le MSE entre 1 et 2 est 1</a:t>
-            </a:r>
-          </a:p>
-          <a:p>
-            <a:r>
-              <a:rPr lang="fr-FR" dirty="0"/>
-              <a:t>La solution est </a:t>
-            </a:r>
-            <a:r>
-              <a:rPr lang="fr-FR" dirty="0" err="1"/>
-              <a:t>categorical_crossentropy</a:t>
-            </a:r>
-            <a:r>
-              <a:rPr lang="fr-FR" dirty="0"/>
-              <a:t> pour les catégories</a:t>
-            </a:r>
-          </a:p>
-          <a:p>
-            <a:pPr lvl="1"/>
-            <a:r>
-              <a:rPr lang="fr-FR" dirty="0" err="1"/>
-              <a:t>Binary_crossentropy</a:t>
-            </a:r>
-            <a:r>
-              <a:rPr lang="fr-FR" dirty="0"/>
-              <a:t> si le nombre de catégorie = 2</a:t>
-            </a:r>
-          </a:p>
-        </p:txBody>
-      </p:sp>
-    </p:spTree>
-    <p:extLst>
-      <p:ext uri="{BB962C8B-B14F-4D97-AF65-F5344CB8AC3E}">
-        <p14:creationId xmlns:p14="http://schemas.microsoft.com/office/powerpoint/2010/main" val="2908699002"/>
-      </p:ext>
-    </p:extLst>
-  </p:cSld>
-  <p:clrMapOvr>
-    <a:masterClrMapping/>
-  </p:clrMapOvr>
-</p:sld>
-</file>
-
-<file path=ppt/slides/slide32.xml><?xml version="1.0" encoding="utf-8"?>
-<p:sld xmlns:a="http://schemas.openxmlformats.org/drawingml/2006/main" xmlns:r="http://schemas.openxmlformats.org/officeDocument/2006/relationships" xmlns:p="http://schemas.openxmlformats.org/presentationml/2006/main">
-  <p:cSld>
-    <p:spTree>
-      <p:nvGrpSpPr>
-        <p:cNvPr id="1" name=""/>
-        <p:cNvGrpSpPr/>
-        <p:nvPr/>
-      </p:nvGrpSpPr>
-      <p:grpSpPr>
-        <a:xfrm>
-          <a:off x="0" y="0"/>
-          <a:ext cx="0" cy="0"/>
-          <a:chOff x="0" y="0"/>
-          <a:chExt cx="0" cy="0"/>
-        </a:xfrm>
-      </p:grpSpPr>
-      <p:sp>
-        <p:nvSpPr>
-          <p:cNvPr id="2" name="Titre 1"/>
-          <p:cNvSpPr>
-            <a:spLocks noGrp="1"/>
-          </p:cNvSpPr>
-          <p:nvPr>
-            <p:ph type="title"/>
-          </p:nvPr>
-        </p:nvSpPr>
-        <p:spPr/>
-        <p:txBody>
-          <a:bodyPr/>
-          <a:lstStyle/>
-          <a:p>
-            <a:r>
-              <a:rPr lang="fr-FR" dirty="0" err="1"/>
-              <a:t>Categorical</a:t>
-            </a:r>
-            <a:r>
-              <a:rPr lang="fr-FR" dirty="0"/>
-              <a:t> Cross </a:t>
-            </a:r>
-            <a:r>
-              <a:rPr lang="fr-FR" dirty="0" err="1"/>
-              <a:t>Entropy</a:t>
-            </a:r>
-            <a:endParaRPr lang="fr-FR" dirty="0"/>
-          </a:p>
-        </p:txBody>
-      </p:sp>
-      <p:sp>
-        <p:nvSpPr>
-          <p:cNvPr id="3" name="Espace réservé du contenu 2"/>
-          <p:cNvSpPr>
-            <a:spLocks noGrp="1"/>
-          </p:cNvSpPr>
-          <p:nvPr>
-            <p:ph idx="1"/>
-          </p:nvPr>
-        </p:nvSpPr>
-        <p:spPr/>
-        <p:txBody>
-          <a:bodyPr/>
-          <a:lstStyle/>
-          <a:p>
-            <a:r>
-              <a:rPr lang="fr-FR" dirty="0"/>
-              <a:t>La méthode de calcul du </a:t>
-            </a:r>
-            <a:r>
-              <a:rPr lang="fr-FR" dirty="0" err="1"/>
-              <a:t>loss</a:t>
-            </a:r>
-            <a:r>
-              <a:rPr lang="fr-FR" dirty="0"/>
-              <a:t> est très importante</a:t>
-            </a:r>
-          </a:p>
-          <a:p>
-            <a:pPr lvl="1"/>
-            <a:r>
-              <a:rPr lang="fr-FR" dirty="0"/>
-              <a:t>Si le nombre de catégorie est faible (&lt;3) la méthode </a:t>
-            </a:r>
-            <a:r>
-              <a:rPr lang="fr-FR" dirty="0" err="1"/>
-              <a:t>mse</a:t>
-            </a:r>
-            <a:r>
-              <a:rPr lang="fr-FR" dirty="0"/>
-              <a:t> est convenable</a:t>
-            </a:r>
-          </a:p>
-          <a:p>
-            <a:r>
-              <a:rPr lang="fr-FR" dirty="0"/>
-              <a:t>Sinon la méthode </a:t>
-            </a:r>
-            <a:r>
-              <a:rPr lang="fr-FR" dirty="0" err="1"/>
-              <a:t>Categorical</a:t>
-            </a:r>
-            <a:r>
-              <a:rPr lang="fr-FR" dirty="0"/>
-              <a:t> Cross </a:t>
-            </a:r>
-            <a:r>
-              <a:rPr lang="fr-FR" dirty="0" err="1"/>
-              <a:t>Entropy</a:t>
-            </a:r>
-            <a:r>
-              <a:rPr lang="fr-FR" dirty="0"/>
-              <a:t> est meilleure</a:t>
-            </a:r>
-          </a:p>
-          <a:p>
-            <a:pPr lvl="1"/>
-            <a:r>
-              <a:rPr lang="fr-FR" dirty="0"/>
-              <a:t>Utilise le </a:t>
-            </a:r>
-            <a:r>
-              <a:rPr lang="fr-FR" dirty="0" err="1"/>
-              <a:t>loss</a:t>
-            </a:r>
-            <a:r>
-              <a:rPr lang="fr-FR" dirty="0"/>
-              <a:t> par Cross </a:t>
-            </a:r>
-            <a:r>
-              <a:rPr lang="fr-FR" dirty="0" err="1"/>
-              <a:t>Entropy</a:t>
-            </a:r>
-            <a:endParaRPr lang="fr-FR" dirty="0"/>
-          </a:p>
-          <a:p>
-            <a:pPr lvl="1"/>
-            <a:endParaRPr lang="fr-FR" dirty="0"/>
-          </a:p>
-          <a:p>
-            <a:pPr lvl="1"/>
-            <a:endParaRPr lang="fr-FR" dirty="0"/>
-          </a:p>
-          <a:p>
-            <a:pPr lvl="1"/>
-            <a:r>
-              <a:rPr lang="fr-FR" dirty="0"/>
-              <a:t>Puis applique une matrice de catégorisation (</a:t>
-            </a:r>
-            <a:r>
-              <a:rPr lang="fr-FR" dirty="0" err="1"/>
-              <a:t>to_categorical</a:t>
-            </a:r>
-            <a:r>
-              <a:rPr lang="fr-FR" dirty="0"/>
-              <a:t>)</a:t>
-            </a:r>
-          </a:p>
-          <a:p>
-            <a:pPr lvl="1"/>
-            <a:r>
-              <a:rPr lang="fr-FR" dirty="0" err="1"/>
-              <a:t>BinaryCrossEntropy</a:t>
-            </a:r>
-            <a:r>
-              <a:rPr lang="fr-FR" dirty="0"/>
-              <a:t> marche mieux s'il y a uniquement 2 catégories</a:t>
-            </a:r>
-          </a:p>
-          <a:p>
-            <a:pPr lvl="2"/>
-            <a:endParaRPr lang="fr-FR" dirty="0"/>
-          </a:p>
-          <a:p>
-            <a:pPr lvl="1"/>
-            <a:endParaRPr lang="fr-FR" dirty="0"/>
-          </a:p>
-        </p:txBody>
-      </p:sp>
-      <p:pic>
-        <p:nvPicPr>
-          <p:cNvPr id="4" name="Image 3"/>
-          <p:cNvPicPr>
-            <a:picLocks noChangeAspect="1"/>
-          </p:cNvPicPr>
-          <p:nvPr/>
-        </p:nvPicPr>
-        <p:blipFill>
-          <a:blip r:embed="rId2"/>
-          <a:stretch>
-            <a:fillRect/>
-          </a:stretch>
-        </p:blipFill>
-        <p:spPr>
-          <a:xfrm>
-            <a:off x="5796136" y="3501008"/>
-            <a:ext cx="2840192" cy="1275188"/>
-          </a:xfrm>
-          <a:prstGeom prst="rect">
-            <a:avLst/>
-          </a:prstGeom>
-        </p:spPr>
-      </p:pic>
-    </p:spTree>
-    <p:extLst>
-      <p:ext uri="{BB962C8B-B14F-4D97-AF65-F5344CB8AC3E}">
-        <p14:creationId xmlns:p14="http://schemas.microsoft.com/office/powerpoint/2010/main" val="2750127647"/>
-      </p:ext>
-    </p:extLst>
-  </p:cSld>
-  <p:clrMapOvr>
-    <a:masterClrMapping/>
-  </p:clrMapOvr>
-</p:sld>
-</file>
-
-<file path=ppt/slides/slide33.xml><?xml version="1.0" encoding="utf-8"?>
-<p:sld xmlns:a="http://schemas.openxmlformats.org/drawingml/2006/main" xmlns:r="http://schemas.openxmlformats.org/officeDocument/2006/relationships" xmlns:p="http://schemas.openxmlformats.org/presentationml/2006/main">
-  <p:cSld>
-    <p:spTree>
-      <p:nvGrpSpPr>
-        <p:cNvPr id="1" name=""/>
-        <p:cNvGrpSpPr/>
-        <p:nvPr/>
-      </p:nvGrpSpPr>
-      <p:grpSpPr>
-        <a:xfrm>
-          <a:off x="0" y="0"/>
-          <a:ext cx="0" cy="0"/>
-          <a:chOff x="0" y="0"/>
-          <a:chExt cx="0" cy="0"/>
-        </a:xfrm>
-      </p:grpSpPr>
-      <p:sp>
-        <p:nvSpPr>
-          <p:cNvPr id="2" name="Titre 1"/>
-          <p:cNvSpPr>
-            <a:spLocks noGrp="1"/>
-          </p:cNvSpPr>
-          <p:nvPr>
-            <p:ph type="title"/>
-          </p:nvPr>
-        </p:nvSpPr>
-        <p:spPr/>
-        <p:txBody>
-          <a:bodyPr/>
-          <a:lstStyle/>
-          <a:p>
-            <a:r>
-              <a:rPr lang="fr-FR" dirty="0" err="1"/>
-              <a:t>to_categorical</a:t>
-            </a:r>
-            <a:endParaRPr lang="fr-FR" dirty="0"/>
-          </a:p>
-        </p:txBody>
-      </p:sp>
-      <p:sp>
-        <p:nvSpPr>
-          <p:cNvPr id="3" name="Espace réservé du contenu 2"/>
-          <p:cNvSpPr>
-            <a:spLocks noGrp="1"/>
-          </p:cNvSpPr>
-          <p:nvPr>
-            <p:ph idx="1"/>
-          </p:nvPr>
-        </p:nvSpPr>
-        <p:spPr/>
-        <p:txBody>
-          <a:bodyPr/>
-          <a:lstStyle/>
-          <a:p>
-            <a:r>
-              <a:rPr lang="fr-FR" dirty="0"/>
-              <a:t>Convertit un vecteur de labels en matrice</a:t>
-            </a:r>
-          </a:p>
-          <a:p>
-            <a:pPr lvl="1"/>
-            <a:r>
-              <a:rPr lang="fr-FR" dirty="0"/>
-              <a:t>Utile pour le calcul du </a:t>
-            </a:r>
-            <a:r>
-              <a:rPr lang="fr-FR" dirty="0" err="1"/>
-              <a:t>loss</a:t>
-            </a:r>
-            <a:r>
-              <a:rPr lang="fr-FR" dirty="0"/>
-              <a:t> par </a:t>
-            </a:r>
-            <a:r>
-              <a:rPr lang="fr-FR" dirty="0" err="1"/>
-              <a:t>categorical_crossentropy</a:t>
-            </a:r>
-            <a:endParaRPr lang="fr-FR" dirty="0"/>
-          </a:p>
-          <a:p>
-            <a:pPr lvl="1"/>
-            <a:r>
-              <a:rPr lang="fr-FR" dirty="0"/>
-              <a:t>Par exemple, supposons 5 labels sur 3 classes</a:t>
-            </a:r>
-          </a:p>
-          <a:p>
-            <a:pPr lvl="1"/>
-            <a:r>
-              <a:rPr lang="fr-FR" dirty="0"/>
-              <a:t>labels = </a:t>
-            </a:r>
-            <a:r>
-              <a:rPr lang="en-US" dirty="0"/>
-              <a:t>array([0, 2, 1, 2, 0])</a:t>
-            </a:r>
-          </a:p>
-          <a:p>
-            <a:pPr lvl="1"/>
-            <a:r>
-              <a:rPr lang="en-US" dirty="0"/>
-              <a:t>On </a:t>
-            </a:r>
-            <a:r>
-              <a:rPr lang="en-US" dirty="0" err="1"/>
-              <a:t>obtient</a:t>
-            </a:r>
-            <a:endParaRPr lang="en-US" dirty="0"/>
-          </a:p>
-          <a:p>
-            <a:pPr lvl="1"/>
-            <a:endParaRPr lang="en-US" dirty="0"/>
-          </a:p>
-          <a:p>
-            <a:pPr lvl="1"/>
-            <a:endParaRPr lang="en-US" dirty="0"/>
-          </a:p>
-          <a:p>
-            <a:pPr lvl="1"/>
-            <a:endParaRPr lang="en-US" dirty="0"/>
-          </a:p>
-          <a:p>
-            <a:pPr lvl="1"/>
-            <a:endParaRPr lang="en-US" dirty="0"/>
-          </a:p>
-          <a:p>
-            <a:pPr lvl="1"/>
-            <a:r>
-              <a:rPr lang="en-US" dirty="0"/>
-              <a:t>Les distances du loss pour </a:t>
-            </a:r>
-            <a:r>
-              <a:rPr lang="en-US" dirty="0" err="1"/>
-              <a:t>chaque</a:t>
-            </a:r>
-            <a:r>
-              <a:rPr lang="en-US" dirty="0"/>
-              <a:t> </a:t>
-            </a:r>
-            <a:r>
-              <a:rPr lang="en-US" dirty="0" err="1"/>
-              <a:t>valeur</a:t>
-            </a:r>
-            <a:r>
-              <a:rPr lang="en-US" dirty="0"/>
-              <a:t> </a:t>
-            </a:r>
-            <a:r>
-              <a:rPr lang="en-US" dirty="0" err="1"/>
-              <a:t>sont</a:t>
-            </a:r>
-            <a:r>
-              <a:rPr lang="en-US" dirty="0"/>
-              <a:t> </a:t>
-            </a:r>
-            <a:r>
-              <a:rPr lang="en-US" dirty="0" err="1"/>
-              <a:t>égales</a:t>
-            </a:r>
-            <a:r>
-              <a:rPr lang="en-US" dirty="0"/>
-              <a:t> à 1</a:t>
-            </a:r>
-          </a:p>
-          <a:p>
-            <a:pPr lvl="1"/>
-            <a:endParaRPr lang="en-US" dirty="0"/>
-          </a:p>
-          <a:p>
-            <a:pPr lvl="1"/>
-            <a:endParaRPr lang="fr-FR" dirty="0"/>
-          </a:p>
-        </p:txBody>
-      </p:sp>
-      <p:pic>
-        <p:nvPicPr>
-          <p:cNvPr id="4" name="Image 3"/>
-          <p:cNvPicPr>
-            <a:picLocks noChangeAspect="1"/>
-          </p:cNvPicPr>
-          <p:nvPr/>
-        </p:nvPicPr>
-        <p:blipFill>
-          <a:blip r:embed="rId2"/>
-          <a:stretch>
-            <a:fillRect/>
-          </a:stretch>
-        </p:blipFill>
-        <p:spPr>
-          <a:xfrm>
-            <a:off x="1619672" y="3717032"/>
-            <a:ext cx="5222980" cy="1728192"/>
-          </a:xfrm>
-          <a:prstGeom prst="rect">
-            <a:avLst/>
-          </a:prstGeom>
-        </p:spPr>
-      </p:pic>
-    </p:spTree>
-    <p:extLst>
-      <p:ext uri="{BB962C8B-B14F-4D97-AF65-F5344CB8AC3E}">
-        <p14:creationId xmlns:p14="http://schemas.microsoft.com/office/powerpoint/2010/main" val="1381512878"/>
-      </p:ext>
-    </p:extLst>
-  </p:cSld>
-  <p:clrMapOvr>
-    <a:masterClrMapping/>
-  </p:clrMapOvr>
-</p:sld>
-</file>
-
-<file path=ppt/slides/slide34.xml><?xml version="1.0" encoding="utf-8"?>
-<p:sld xmlns:a="http://schemas.openxmlformats.org/drawingml/2006/main" xmlns:r="http://schemas.openxmlformats.org/officeDocument/2006/relationships" xmlns:p="http://schemas.openxmlformats.org/presentationml/2006/main">
-  <p:cSld>
-    <p:spTree>
-      <p:nvGrpSpPr>
-        <p:cNvPr id="1" name=""/>
-        <p:cNvGrpSpPr/>
-        <p:nvPr/>
-      </p:nvGrpSpPr>
-      <p:grpSpPr>
-        <a:xfrm>
-          <a:off x="0" y="0"/>
-          <a:ext cx="0" cy="0"/>
-          <a:chOff x="0" y="0"/>
-          <a:chExt cx="0" cy="0"/>
-        </a:xfrm>
-      </p:grpSpPr>
-      <p:sp>
-        <p:nvSpPr>
-          <p:cNvPr id="2" name="Titre 1">
-            <a:extLst>
-              <a:ext uri="{FF2B5EF4-FFF2-40B4-BE49-F238E27FC236}">
-                <a16:creationId xmlns:a16="http://schemas.microsoft.com/office/drawing/2014/main" id="{A706EE5B-DE35-4889-9449-64CF7C38897F}"/>
-              </a:ext>
-            </a:extLst>
-          </p:cNvPr>
-          <p:cNvSpPr>
-            <a:spLocks noGrp="1"/>
-          </p:cNvSpPr>
-          <p:nvPr>
-            <p:ph type="title"/>
-          </p:nvPr>
-        </p:nvSpPr>
-        <p:spPr/>
-        <p:txBody>
-          <a:bodyPr/>
-          <a:lstStyle/>
-          <a:p>
-            <a:r>
-              <a:rPr lang="fr-FR" dirty="0"/>
-              <a:t>Fonction de répartition de probabilité</a:t>
-            </a:r>
-          </a:p>
-        </p:txBody>
-      </p:sp>
-      <p:sp>
-        <p:nvSpPr>
-          <p:cNvPr id="3" name="Espace réservé du contenu 2">
-            <a:extLst>
-              <a:ext uri="{FF2B5EF4-FFF2-40B4-BE49-F238E27FC236}">
-                <a16:creationId xmlns:a16="http://schemas.microsoft.com/office/drawing/2014/main" id="{15C6585B-826F-466E-BCBD-546392E175DD}"/>
-              </a:ext>
-            </a:extLst>
-          </p:cNvPr>
-          <p:cNvSpPr>
-            <a:spLocks noGrp="1"/>
-          </p:cNvSpPr>
-          <p:nvPr>
-            <p:ph idx="1"/>
-          </p:nvPr>
-        </p:nvSpPr>
-        <p:spPr/>
-        <p:txBody>
-          <a:bodyPr/>
-          <a:lstStyle/>
-          <a:p>
-            <a:r>
-              <a:rPr lang="fr-FR" dirty="0"/>
-              <a:t>La somme des scores doit faire 1</a:t>
-            </a:r>
-          </a:p>
-          <a:p>
-            <a:r>
-              <a:rPr lang="fr-FR" dirty="0"/>
-              <a:t>Répartition linéaire</a:t>
-            </a:r>
-          </a:p>
-          <a:p>
-            <a:pPr lvl="1"/>
-            <a:r>
-              <a:rPr lang="fr-FR" dirty="0"/>
-              <a:t>Respect des ratios des scores</a:t>
-            </a:r>
-          </a:p>
-          <a:p>
-            <a:pPr lvl="1"/>
-            <a:r>
-              <a:rPr lang="fr-FR" dirty="0"/>
-              <a:t>lambda x : x / </a:t>
-            </a:r>
-            <a:r>
-              <a:rPr lang="fr-FR" dirty="0" err="1"/>
-              <a:t>sum</a:t>
-            </a:r>
-            <a:r>
-              <a:rPr lang="fr-FR" dirty="0"/>
-              <a:t>(x)</a:t>
-            </a:r>
-          </a:p>
-          <a:p>
-            <a:r>
-              <a:rPr lang="fr-FR" dirty="0"/>
-              <a:t>Répartition géométrique</a:t>
-            </a:r>
-          </a:p>
-          <a:p>
-            <a:pPr lvl="1"/>
-            <a:r>
-              <a:rPr lang="fr-FR" dirty="0"/>
-              <a:t>Non respect des ratios mais respect de l'ordre</a:t>
-            </a:r>
-          </a:p>
-          <a:p>
-            <a:pPr lvl="1"/>
-            <a:r>
-              <a:rPr lang="fr-FR" dirty="0"/>
-              <a:t>lambda x : x ** 2 / </a:t>
-            </a:r>
-            <a:r>
-              <a:rPr lang="fr-FR" dirty="0" err="1"/>
-              <a:t>sum</a:t>
-            </a:r>
-            <a:r>
-              <a:rPr lang="fr-FR" dirty="0"/>
-              <a:t>(x ** 2)</a:t>
-            </a:r>
-          </a:p>
-          <a:p>
-            <a:r>
-              <a:rPr lang="fr-FR" dirty="0" err="1"/>
-              <a:t>Softmax</a:t>
-            </a:r>
-            <a:endParaRPr lang="fr-FR" dirty="0"/>
-          </a:p>
-          <a:p>
-            <a:pPr lvl="1"/>
-            <a:r>
-              <a:rPr lang="fr-FR" dirty="0"/>
-              <a:t>Aide au choix</a:t>
-            </a:r>
-          </a:p>
-          <a:p>
-            <a:pPr lvl="1"/>
-            <a:r>
-              <a:rPr lang="fr-FR" dirty="0"/>
-              <a:t>lambda x : </a:t>
-            </a:r>
-            <a:r>
-              <a:rPr lang="fr-FR" dirty="0" err="1"/>
-              <a:t>np.exp</a:t>
-            </a:r>
-            <a:r>
-              <a:rPr lang="fr-FR" dirty="0"/>
-              <a:t>(x)/</a:t>
-            </a:r>
-            <a:r>
-              <a:rPr lang="fr-FR" dirty="0" err="1"/>
-              <a:t>sum</a:t>
-            </a:r>
-            <a:r>
-              <a:rPr lang="fr-FR" dirty="0"/>
-              <a:t>(</a:t>
-            </a:r>
-            <a:r>
-              <a:rPr lang="fr-FR" dirty="0" err="1"/>
-              <a:t>np.exp</a:t>
-            </a:r>
-            <a:r>
-              <a:rPr lang="fr-FR" dirty="0"/>
-              <a:t>(x))</a:t>
-            </a:r>
-          </a:p>
-        </p:txBody>
-      </p:sp>
-    </p:spTree>
-    <p:extLst>
-      <p:ext uri="{BB962C8B-B14F-4D97-AF65-F5344CB8AC3E}">
-        <p14:creationId xmlns:p14="http://schemas.microsoft.com/office/powerpoint/2010/main" val="446270775"/>
-      </p:ext>
-    </p:extLst>
-  </p:cSld>
-  <p:clrMapOvr>
-    <a:masterClrMapping/>
-  </p:clrMapOvr>
-</p:sld>
-</file>
-
-<file path=ppt/slides/slide35.xml><?xml version="1.0" encoding="utf-8"?>
-<p:sld xmlns:a="http://schemas.openxmlformats.org/drawingml/2006/main" xmlns:r="http://schemas.openxmlformats.org/officeDocument/2006/relationships" xmlns:p="http://schemas.openxmlformats.org/presentationml/2006/main">
-  <p:cSld>
-    <p:spTree>
-      <p:nvGrpSpPr>
-        <p:cNvPr id="1" name=""/>
-        <p:cNvGrpSpPr/>
-        <p:nvPr/>
-      </p:nvGrpSpPr>
-      <p:grpSpPr>
-        <a:xfrm>
-          <a:off x="0" y="0"/>
-          <a:ext cx="0" cy="0"/>
-          <a:chOff x="0" y="0"/>
-          <a:chExt cx="0" cy="0"/>
-        </a:xfrm>
-      </p:grpSpPr>
-      <p:sp>
-        <p:nvSpPr>
-          <p:cNvPr id="2" name="Titre 1"/>
-          <p:cNvSpPr>
-            <a:spLocks noGrp="1"/>
-          </p:cNvSpPr>
-          <p:nvPr>
-            <p:ph type="title"/>
-          </p:nvPr>
-        </p:nvSpPr>
-        <p:spPr/>
-        <p:txBody>
-          <a:bodyPr/>
-          <a:lstStyle/>
-          <a:p>
-            <a:r>
-              <a:rPr lang="fr-FR" dirty="0" err="1"/>
-              <a:t>Softmax</a:t>
-            </a:r>
-            <a:endParaRPr lang="fr-FR" dirty="0"/>
-          </a:p>
-        </p:txBody>
-      </p:sp>
-      <p:sp>
-        <p:nvSpPr>
-          <p:cNvPr id="3" name="Espace réservé du contenu 2"/>
-          <p:cNvSpPr>
-            <a:spLocks noGrp="1"/>
-          </p:cNvSpPr>
-          <p:nvPr>
-            <p:ph idx="1"/>
-          </p:nvPr>
-        </p:nvSpPr>
-        <p:spPr/>
-        <p:txBody>
-          <a:bodyPr/>
-          <a:lstStyle/>
-          <a:p>
-            <a:r>
-              <a:rPr lang="fr-FR" dirty="0"/>
-              <a:t>Si le nombre de catégorie est = 2</a:t>
-            </a:r>
-          </a:p>
-          <a:p>
-            <a:pPr lvl="1"/>
-            <a:r>
-              <a:rPr lang="fr-FR" dirty="0"/>
-              <a:t>Il faut un output layer avec 1 neurone</a:t>
-            </a:r>
-          </a:p>
-          <a:p>
-            <a:pPr lvl="1"/>
-            <a:r>
-              <a:rPr lang="fr-FR" dirty="0"/>
-              <a:t>L’activation </a:t>
-            </a:r>
-            <a:r>
-              <a:rPr lang="fr-FR" dirty="0" err="1"/>
-              <a:t>sigmoid</a:t>
-            </a:r>
-            <a:r>
-              <a:rPr lang="fr-FR" dirty="0"/>
-              <a:t> est couramment utilisée</a:t>
-            </a:r>
-          </a:p>
-          <a:p>
-            <a:pPr lvl="1"/>
-            <a:r>
-              <a:rPr lang="fr-FR" dirty="0"/>
-              <a:t>Il est possible également d’avoir un output layer avec 2 neurones, mais il est indispensable que la somme des sorties = 1</a:t>
-            </a:r>
-          </a:p>
-          <a:p>
-            <a:r>
-              <a:rPr lang="fr-FR" dirty="0"/>
-              <a:t>Si le nombre de catégorie &gt; 2</a:t>
-            </a:r>
-          </a:p>
-          <a:p>
-            <a:pPr lvl="1"/>
-            <a:r>
-              <a:rPr lang="fr-FR" dirty="0"/>
-              <a:t>Il faut autant d’output que de catégorie</a:t>
-            </a:r>
-          </a:p>
-          <a:p>
-            <a:pPr lvl="1"/>
-            <a:r>
-              <a:rPr lang="fr-FR" dirty="0"/>
-              <a:t>L’activation </a:t>
-            </a:r>
-            <a:r>
-              <a:rPr lang="fr-FR" dirty="0" err="1"/>
-              <a:t>softmax</a:t>
-            </a:r>
-            <a:r>
-              <a:rPr lang="fr-FR" dirty="0"/>
-              <a:t> doit être utilisée</a:t>
-            </a:r>
-          </a:p>
-        </p:txBody>
-      </p:sp>
-    </p:spTree>
-    <p:extLst>
-      <p:ext uri="{BB962C8B-B14F-4D97-AF65-F5344CB8AC3E}">
-        <p14:creationId xmlns:p14="http://schemas.microsoft.com/office/powerpoint/2010/main" val="1421864535"/>
-      </p:ext>
-    </p:extLst>
-  </p:cSld>
-  <p:clrMapOvr>
-    <a:masterClrMapping/>
-  </p:clrMapOvr>
-</p:sld>
-</file>
-
-<file path=ppt/slides/slide36.xml><?xml version="1.0" encoding="utf-8"?>
-<p:sld xmlns:a="http://schemas.openxmlformats.org/drawingml/2006/main" xmlns:r="http://schemas.openxmlformats.org/officeDocument/2006/relationships" xmlns:p="http://schemas.openxmlformats.org/presentationml/2006/main">
-  <p:cSld>
-    <p:spTree>
-      <p:nvGrpSpPr>
-        <p:cNvPr id="1" name=""/>
-        <p:cNvGrpSpPr/>
-        <p:nvPr/>
-      </p:nvGrpSpPr>
-      <p:grpSpPr>
-        <a:xfrm>
-          <a:off x="0" y="0"/>
-          <a:ext cx="0" cy="0"/>
-          <a:chOff x="0" y="0"/>
-          <a:chExt cx="0" cy="0"/>
-        </a:xfrm>
-      </p:grpSpPr>
-      <p:sp>
-        <p:nvSpPr>
-          <p:cNvPr id="2" name="Titre 1"/>
-          <p:cNvSpPr>
-            <a:spLocks noGrp="1"/>
-          </p:cNvSpPr>
-          <p:nvPr>
-            <p:ph type="title"/>
-          </p:nvPr>
-        </p:nvSpPr>
-        <p:spPr/>
-        <p:txBody>
-          <a:bodyPr/>
-          <a:lstStyle/>
-          <a:p>
-            <a:r>
-              <a:rPr lang="fr-FR"/>
-              <a:t>Solidification du modèle</a:t>
-            </a:r>
-          </a:p>
-        </p:txBody>
-      </p:sp>
-      <p:sp>
-        <p:nvSpPr>
-          <p:cNvPr id="3" name="Espace réservé du contenu 2"/>
-          <p:cNvSpPr>
-            <a:spLocks noGrp="1"/>
-          </p:cNvSpPr>
-          <p:nvPr>
-            <p:ph idx="1"/>
-          </p:nvPr>
-        </p:nvSpPr>
-        <p:spPr/>
-        <p:txBody>
-          <a:bodyPr/>
-          <a:lstStyle/>
-          <a:p>
-            <a:r>
-              <a:rPr lang="fr-FR" dirty="0"/>
-              <a:t>Le modèle est </a:t>
-            </a:r>
-            <a:r>
-              <a:rPr lang="fr-FR" dirty="0" err="1"/>
-              <a:t>sauvegardable</a:t>
-            </a:r>
-            <a:endParaRPr lang="fr-FR" dirty="0"/>
-          </a:p>
-          <a:p>
-            <a:r>
-              <a:rPr lang="fr-FR" dirty="0"/>
-              <a:t>Il est possible de sauvegarder uniquement les poids des </a:t>
-            </a:r>
-            <a:r>
-              <a:rPr lang="fr-FR" dirty="0" err="1"/>
-              <a:t>tensors</a:t>
-            </a:r>
-            <a:endParaRPr lang="fr-FR" dirty="0"/>
-          </a:p>
-          <a:p>
-            <a:pPr lvl="1"/>
-            <a:r>
-              <a:rPr lang="fr-FR" dirty="0"/>
-              <a:t>Le réseaux (Dense) doit être présent dans le code</a:t>
-            </a:r>
-          </a:p>
-          <a:p>
-            <a:pPr lvl="1"/>
-            <a:endParaRPr lang="fr-FR" dirty="0"/>
-          </a:p>
-          <a:p>
-            <a:pPr lvl="1"/>
-            <a:endParaRPr lang="fr-FR" dirty="0"/>
-          </a:p>
-          <a:p>
-            <a:pPr lvl="1"/>
-            <a:endParaRPr lang="fr-FR" dirty="0"/>
-          </a:p>
-          <a:p>
-            <a:pPr lvl="1"/>
-            <a:r>
-              <a:rPr lang="fr-FR" dirty="0"/>
-              <a:t>Le format H5 est compatible </a:t>
-            </a:r>
-            <a:r>
-              <a:rPr lang="fr-FR" dirty="0" err="1"/>
-              <a:t>Keras</a:t>
-            </a:r>
-            <a:r>
-              <a:rPr lang="fr-FR" dirty="0"/>
-              <a:t> et donc portable</a:t>
-            </a:r>
-          </a:p>
-          <a:p>
-            <a:pPr lvl="2"/>
-            <a:r>
-              <a:rPr lang="fr-FR" dirty="0"/>
-              <a:t>Requiert h5py</a:t>
-            </a:r>
-          </a:p>
-        </p:txBody>
-      </p:sp>
-      <p:pic>
-        <p:nvPicPr>
-          <p:cNvPr id="4" name="Image 3"/>
-          <p:cNvPicPr>
-            <a:picLocks noChangeAspect="1"/>
-          </p:cNvPicPr>
-          <p:nvPr/>
-        </p:nvPicPr>
-        <p:blipFill>
-          <a:blip r:embed="rId2"/>
-          <a:stretch>
-            <a:fillRect/>
-          </a:stretch>
-        </p:blipFill>
-        <p:spPr>
-          <a:xfrm>
-            <a:off x="2409887" y="3429000"/>
-            <a:ext cx="4305300" cy="1057275"/>
-          </a:xfrm>
-          <a:prstGeom prst="rect">
-            <a:avLst/>
-          </a:prstGeom>
-        </p:spPr>
-      </p:pic>
-    </p:spTree>
-    <p:extLst>
-      <p:ext uri="{BB962C8B-B14F-4D97-AF65-F5344CB8AC3E}">
-        <p14:creationId xmlns:p14="http://schemas.microsoft.com/office/powerpoint/2010/main" val="4069670516"/>
-      </p:ext>
-    </p:extLst>
-  </p:cSld>
-  <p:clrMapOvr>
-    <a:masterClrMapping/>
-  </p:clrMapOvr>
-</p:sld>
-</file>
-
-<file path=ppt/slides/slide37.xml><?xml version="1.0" encoding="utf-8"?>
-<p:sld xmlns:a="http://schemas.openxmlformats.org/drawingml/2006/main" xmlns:r="http://schemas.openxmlformats.org/officeDocument/2006/relationships" xmlns:p="http://schemas.openxmlformats.org/presentationml/2006/main">
-  <p:cSld>
-    <p:spTree>
-      <p:nvGrpSpPr>
-        <p:cNvPr id="1" name=""/>
-        <p:cNvGrpSpPr/>
-        <p:nvPr/>
-      </p:nvGrpSpPr>
-      <p:grpSpPr>
-        <a:xfrm>
-          <a:off x="0" y="0"/>
-          <a:ext cx="0" cy="0"/>
-          <a:chOff x="0" y="0"/>
-          <a:chExt cx="0" cy="0"/>
-        </a:xfrm>
-      </p:grpSpPr>
-      <p:sp>
-        <p:nvSpPr>
-          <p:cNvPr id="2" name="Titre 1"/>
-          <p:cNvSpPr>
-            <a:spLocks noGrp="1"/>
-          </p:cNvSpPr>
-          <p:nvPr>
-            <p:ph type="title"/>
-          </p:nvPr>
-        </p:nvSpPr>
-        <p:spPr/>
-        <p:txBody>
-          <a:bodyPr/>
-          <a:lstStyle/>
-          <a:p>
-            <a:r>
-              <a:rPr lang="fr-FR"/>
-              <a:t>Solidification du modèle</a:t>
-            </a:r>
-          </a:p>
-        </p:txBody>
-      </p:sp>
-      <p:sp>
-        <p:nvSpPr>
-          <p:cNvPr id="3" name="Espace réservé du contenu 2"/>
-          <p:cNvSpPr>
-            <a:spLocks noGrp="1"/>
-          </p:cNvSpPr>
-          <p:nvPr>
-            <p:ph idx="1"/>
-          </p:nvPr>
-        </p:nvSpPr>
-        <p:spPr/>
-        <p:txBody>
-          <a:bodyPr/>
-          <a:lstStyle/>
-          <a:p>
-            <a:r>
-              <a:rPr lang="fr-FR"/>
-              <a:t>Il est possible de sauvegarder la configuration du modèle</a:t>
-            </a:r>
-          </a:p>
-          <a:p>
-            <a:pPr lvl="1"/>
-            <a:r>
-              <a:rPr lang="fr-FR"/>
-              <a:t>Portable</a:t>
-            </a:r>
-          </a:p>
-          <a:p>
-            <a:pPr lvl="1"/>
-            <a:r>
-              <a:rPr lang="fr-FR"/>
-              <a:t>JSON</a:t>
-            </a:r>
-          </a:p>
-          <a:p>
-            <a:pPr lvl="1"/>
-            <a:r>
-              <a:rPr lang="fr-FR"/>
-              <a:t>json_string = model.to_json()</a:t>
-            </a:r>
-          </a:p>
-          <a:p>
-            <a:r>
-              <a:rPr lang="fr-FR"/>
-              <a:t>Il est possible de sauvegarder entièrement le modèle</a:t>
-            </a:r>
-          </a:p>
-          <a:p>
-            <a:pPr lvl="1"/>
-            <a:r>
-              <a:rPr lang="fr-FR"/>
-              <a:t>Uniquement Keras H5</a:t>
-            </a:r>
-          </a:p>
-          <a:p>
-            <a:pPr lvl="1"/>
-            <a:r>
-              <a:rPr lang="fr-FR"/>
-              <a:t>model.save(file.h5)</a:t>
-            </a:r>
-          </a:p>
-          <a:p>
-            <a:pPr lvl="1"/>
-            <a:r>
-              <a:rPr lang="fr-FR"/>
-              <a:t>model = tf.keras.models.load_model(file.h5)</a:t>
-            </a:r>
-          </a:p>
-        </p:txBody>
-      </p:sp>
-    </p:spTree>
-    <p:extLst>
-      <p:ext uri="{BB962C8B-B14F-4D97-AF65-F5344CB8AC3E}">
-        <p14:creationId xmlns:p14="http://schemas.microsoft.com/office/powerpoint/2010/main" val="1886155720"/>
-      </p:ext>
-    </p:extLst>
-  </p:cSld>
-  <p:clrMapOvr>
-    <a:masterClrMapping/>
-  </p:clrMapOvr>
-</p:sld>
-</file>
-
-<file path=ppt/slides/slide38.xml><?xml version="1.0" encoding="utf-8"?>
-<p:sld xmlns:a="http://schemas.openxmlformats.org/drawingml/2006/main" xmlns:r="http://schemas.openxmlformats.org/officeDocument/2006/relationships" xmlns:p="http://schemas.openxmlformats.org/presentationml/2006/main">
-  <p:cSld>
-    <p:spTree>
-      <p:nvGrpSpPr>
-        <p:cNvPr id="1" name=""/>
-        <p:cNvGrpSpPr/>
-        <p:nvPr/>
-      </p:nvGrpSpPr>
-      <p:grpSpPr>
-        <a:xfrm>
-          <a:off x="0" y="0"/>
-          <a:ext cx="0" cy="0"/>
-          <a:chOff x="0" y="0"/>
-          <a:chExt cx="0" cy="0"/>
-        </a:xfrm>
-      </p:grpSpPr>
-      <p:sp>
-        <p:nvSpPr>
-          <p:cNvPr id="2" name="Titre 1">
-            <a:extLst>
-              <a:ext uri="{FF2B5EF4-FFF2-40B4-BE49-F238E27FC236}">
-                <a16:creationId xmlns:a16="http://schemas.microsoft.com/office/drawing/2014/main" id="{D9B0984B-C31F-4507-B93B-379E1A983053}"/>
-              </a:ext>
-            </a:extLst>
-          </p:cNvPr>
-          <p:cNvSpPr>
-            <a:spLocks noGrp="1"/>
-          </p:cNvSpPr>
-          <p:nvPr>
-            <p:ph type="title"/>
-          </p:nvPr>
-        </p:nvSpPr>
-        <p:spPr/>
-        <p:txBody>
-          <a:bodyPr/>
-          <a:lstStyle/>
-          <a:p>
-            <a:r>
-              <a:rPr lang="fr-FR" dirty="0"/>
-              <a:t>ONNX</a:t>
-            </a:r>
-          </a:p>
-        </p:txBody>
-      </p:sp>
-      <p:sp>
-        <p:nvSpPr>
-          <p:cNvPr id="3" name="Espace réservé du contenu 2">
-            <a:extLst>
-              <a:ext uri="{FF2B5EF4-FFF2-40B4-BE49-F238E27FC236}">
-                <a16:creationId xmlns:a16="http://schemas.microsoft.com/office/drawing/2014/main" id="{B8236F60-43BF-4292-8C86-19259F6CFC16}"/>
-              </a:ext>
-            </a:extLst>
-          </p:cNvPr>
-          <p:cNvSpPr>
-            <a:spLocks noGrp="1"/>
-          </p:cNvSpPr>
-          <p:nvPr>
-            <p:ph idx="1"/>
-          </p:nvPr>
-        </p:nvSpPr>
-        <p:spPr/>
-        <p:txBody>
-          <a:bodyPr/>
-          <a:lstStyle/>
-          <a:p>
-            <a:r>
-              <a:rPr lang="fr-FR" dirty="0"/>
-              <a:t>Open Neural Network Exchange</a:t>
-            </a:r>
-          </a:p>
-          <a:p>
-            <a:pPr lvl="1"/>
-            <a:r>
-              <a:rPr lang="fr-FR" dirty="0" err="1"/>
-              <a:t>pip</a:t>
-            </a:r>
-            <a:r>
-              <a:rPr lang="fr-FR" dirty="0"/>
-              <a:t> </a:t>
-            </a:r>
-            <a:r>
-              <a:rPr lang="fr-FR" dirty="0" err="1"/>
-              <a:t>install</a:t>
-            </a:r>
-            <a:r>
-              <a:rPr lang="fr-FR" dirty="0"/>
-              <a:t> keras2onnx</a:t>
-            </a:r>
-          </a:p>
-          <a:p>
-            <a:pPr lvl="1"/>
-            <a:r>
-              <a:rPr lang="fr-FR" dirty="0" err="1"/>
-              <a:t>onnx_model</a:t>
-            </a:r>
-            <a:r>
-              <a:rPr lang="fr-FR" dirty="0"/>
-              <a:t> = keras2onnx.convert_keras(model, model.name)</a:t>
-            </a:r>
-          </a:p>
-          <a:p>
-            <a:pPr lvl="1"/>
-            <a:r>
-              <a:rPr lang="fr-FR" dirty="0"/>
-              <a:t>keras2onnx.save_model(</a:t>
-            </a:r>
-            <a:r>
-              <a:rPr lang="fr-FR" dirty="0" err="1"/>
-              <a:t>onnx_model</a:t>
-            </a:r>
-            <a:r>
-              <a:rPr lang="fr-FR" dirty="0"/>
-              <a:t>, "</a:t>
-            </a:r>
-            <a:r>
-              <a:rPr lang="fr-FR" dirty="0" err="1"/>
-              <a:t>model.onnx</a:t>
-            </a:r>
-            <a:r>
-              <a:rPr lang="fr-FR" dirty="0"/>
-              <a:t>")</a:t>
-            </a:r>
-          </a:p>
-          <a:p>
-            <a:r>
-              <a:rPr lang="fr-FR" dirty="0"/>
-              <a:t>.NET</a:t>
-            </a:r>
-          </a:p>
-          <a:p>
-            <a:pPr lvl="1"/>
-            <a:r>
-              <a:rPr lang="fr-FR" sz="2000" dirty="0"/>
-              <a:t>var pipeline = </a:t>
-            </a:r>
-            <a:r>
-              <a:rPr lang="fr-FR" sz="2000" dirty="0" err="1"/>
-              <a:t>mlContext.Transforms.ApplyOnnxModel</a:t>
-            </a:r>
-            <a:r>
-              <a:rPr lang="fr-FR" sz="2000" dirty="0"/>
-              <a:t>("</a:t>
-            </a:r>
-            <a:r>
-              <a:rPr lang="fr-FR" sz="2000" dirty="0" err="1"/>
-              <a:t>model.onnx</a:t>
-            </a:r>
-            <a:r>
-              <a:rPr lang="fr-FR" sz="2000" dirty="0"/>
-              <a:t>")</a:t>
-            </a:r>
-          </a:p>
-          <a:p>
-            <a:pPr lvl="1"/>
-            <a:endParaRPr lang="fr-FR" dirty="0"/>
-          </a:p>
-        </p:txBody>
-      </p:sp>
-    </p:spTree>
-    <p:extLst>
-      <p:ext uri="{BB962C8B-B14F-4D97-AF65-F5344CB8AC3E}">
-        <p14:creationId xmlns:p14="http://schemas.microsoft.com/office/powerpoint/2010/main" val="4017057312"/>
-      </p:ext>
-    </p:extLst>
-  </p:cSld>
-  <p:clrMapOvr>
-    <a:masterClrMapping/>
-  </p:clrMapOvr>
-</p:sld>
-</file>
-
-<file path=ppt/slides/slide39.xml><?xml version="1.0" encoding="utf-8"?>
-<p:sld xmlns:a="http://schemas.openxmlformats.org/drawingml/2006/main" xmlns:r="http://schemas.openxmlformats.org/officeDocument/2006/relationships" xmlns:p="http://schemas.openxmlformats.org/presentationml/2006/main">
-  <p:cSld>
-    <p:spTree>
-      <p:nvGrpSpPr>
-        <p:cNvPr id="1" name=""/>
-        <p:cNvGrpSpPr/>
-        <p:nvPr/>
-      </p:nvGrpSpPr>
-      <p:grpSpPr>
-        <a:xfrm>
-          <a:off x="0" y="0"/>
-          <a:ext cx="0" cy="0"/>
-          <a:chOff x="0" y="0"/>
-          <a:chExt cx="0" cy="0"/>
-        </a:xfrm>
-      </p:grpSpPr>
-      <p:sp>
-        <p:nvSpPr>
-          <p:cNvPr id="2" name="Titre 1"/>
-          <p:cNvSpPr>
-            <a:spLocks noGrp="1"/>
-          </p:cNvSpPr>
-          <p:nvPr>
-            <p:ph type="title"/>
-          </p:nvPr>
-        </p:nvSpPr>
-        <p:spPr/>
-        <p:txBody>
-          <a:bodyPr/>
-          <a:lstStyle/>
-          <a:p>
-            <a:r>
-              <a:rPr lang="fr-FR" dirty="0"/>
-              <a:t>Optimisation du </a:t>
-            </a:r>
-            <a:r>
-              <a:rPr lang="fr-FR" dirty="0" err="1"/>
-              <a:t>loss</a:t>
-            </a:r>
-            <a:endParaRPr lang="fr-FR" dirty="0"/>
-          </a:p>
-        </p:txBody>
-      </p:sp>
-      <p:sp>
-        <p:nvSpPr>
-          <p:cNvPr id="3" name="Espace réservé du contenu 2"/>
-          <p:cNvSpPr>
-            <a:spLocks noGrp="1"/>
-          </p:cNvSpPr>
-          <p:nvPr>
-            <p:ph idx="1"/>
-          </p:nvPr>
-        </p:nvSpPr>
-        <p:spPr/>
-        <p:txBody>
-          <a:bodyPr/>
-          <a:lstStyle/>
-          <a:p>
-            <a:r>
-              <a:rPr lang="fr-FR" dirty="0"/>
-              <a:t>Il est possible de customiser la fonction de </a:t>
-            </a:r>
-            <a:r>
-              <a:rPr lang="fr-FR" dirty="0" err="1"/>
-              <a:t>loss</a:t>
-            </a:r>
-            <a:r>
-              <a:rPr lang="fr-FR" dirty="0"/>
-              <a:t> et les poids de catégories</a:t>
-            </a:r>
-          </a:p>
-          <a:p>
-            <a:pPr lvl="1"/>
-            <a:r>
-              <a:rPr lang="fr-FR" dirty="0"/>
-              <a:t>Utilisation des fonctions </a:t>
-            </a:r>
-            <a:r>
-              <a:rPr lang="fr-FR" dirty="0" err="1"/>
-              <a:t>Keras</a:t>
-            </a:r>
-            <a:endParaRPr lang="fr-FR" dirty="0"/>
-          </a:p>
-          <a:p>
-            <a:pPr lvl="1"/>
-            <a:r>
-              <a:rPr lang="fr-FR" dirty="0"/>
-              <a:t>Voir démo</a:t>
-            </a:r>
-          </a:p>
-        </p:txBody>
-      </p:sp>
-    </p:spTree>
-    <p:extLst>
-      <p:ext uri="{BB962C8B-B14F-4D97-AF65-F5344CB8AC3E}">
-        <p14:creationId xmlns:p14="http://schemas.microsoft.com/office/powerpoint/2010/main" val="1556496534"/>
-      </p:ext>
-    </p:extLst>
-  </p:cSld>
-  <p:clrMapOvr>
-    <a:masterClrMapping/>
-  </p:clrMapOvr>
-</p:sld>
-</file>
-
-<file path=ppt/slides/slide4.xml><?xml version="1.0" encoding="utf-8"?>
-<p:sld xmlns:a="http://schemas.openxmlformats.org/drawingml/2006/main" xmlns:r="http://schemas.openxmlformats.org/officeDocument/2006/relationships" xmlns:p="http://schemas.openxmlformats.org/presentationml/2006/main">
-  <p:cSld>
-    <p:spTree>
-      <p:nvGrpSpPr>
-        <p:cNvPr id="1" name=""/>
-        <p:cNvGrpSpPr/>
-        <p:nvPr/>
-      </p:nvGrpSpPr>
-      <p:grpSpPr>
-        <a:xfrm>
-          <a:off x="0" y="0"/>
-          <a:ext cx="0" cy="0"/>
-          <a:chOff x="0" y="0"/>
-          <a:chExt cx="0" cy="0"/>
-        </a:xfrm>
-      </p:grpSpPr>
-      <p:sp>
-        <p:nvSpPr>
-          <p:cNvPr id="2" name="Titre 1"/>
-          <p:cNvSpPr>
-            <a:spLocks noGrp="1"/>
-          </p:cNvSpPr>
-          <p:nvPr>
-            <p:ph type="title"/>
-          </p:nvPr>
-        </p:nvSpPr>
-        <p:spPr/>
-        <p:txBody>
-          <a:bodyPr/>
-          <a:lstStyle/>
-          <a:p>
-            <a:r>
-              <a:rPr lang="fr-FR" dirty="0"/>
-              <a:t>MLP avec activation</a:t>
-            </a:r>
-          </a:p>
-        </p:txBody>
-      </p:sp>
-      <p:sp>
-        <p:nvSpPr>
-          <p:cNvPr id="3" name="Espace réservé du contenu 2"/>
-          <p:cNvSpPr>
-            <a:spLocks noGrp="1"/>
-          </p:cNvSpPr>
-          <p:nvPr>
-            <p:ph idx="1"/>
-          </p:nvPr>
-        </p:nvSpPr>
-        <p:spPr/>
-        <p:txBody>
-          <a:bodyPr/>
-          <a:lstStyle/>
-          <a:p>
-            <a:pPr marL="457200" lvl="1" indent="0">
-              <a:buNone/>
-            </a:pPr>
-            <a:endParaRPr lang="fr-FR" dirty="0"/>
-          </a:p>
-          <a:p>
-            <a:endParaRPr lang="fr-FR" dirty="0"/>
-          </a:p>
-        </p:txBody>
-      </p:sp>
-      <p:pic>
-        <p:nvPicPr>
-          <p:cNvPr id="4" name="Image 3"/>
-          <p:cNvPicPr>
-            <a:picLocks noChangeAspect="1"/>
-          </p:cNvPicPr>
-          <p:nvPr/>
-        </p:nvPicPr>
-        <p:blipFill>
-          <a:blip r:embed="rId2"/>
-          <a:stretch>
-            <a:fillRect/>
-          </a:stretch>
-        </p:blipFill>
-        <p:spPr>
-          <a:xfrm>
-            <a:off x="1216580" y="2780928"/>
-            <a:ext cx="6984886" cy="2007307"/>
-          </a:xfrm>
-          <a:prstGeom prst="rect">
-            <a:avLst/>
-          </a:prstGeom>
-        </p:spPr>
-      </p:pic>
-    </p:spTree>
-    <p:extLst>
-      <p:ext uri="{BB962C8B-B14F-4D97-AF65-F5344CB8AC3E}">
-        <p14:creationId xmlns:p14="http://schemas.microsoft.com/office/powerpoint/2010/main" val="4244373921"/>
-      </p:ext>
-    </p:extLst>
-  </p:cSld>
-  <p:clrMapOvr>
-    <a:masterClrMapping/>
-  </p:clrMapOvr>
-</p:sld>
-</file>
-
-<file path=ppt/slides/slide40.xml><?xml version="1.0" encoding="utf-8"?>
-<p:sld xmlns:a="http://schemas.openxmlformats.org/drawingml/2006/main" xmlns:r="http://schemas.openxmlformats.org/officeDocument/2006/relationships" xmlns:p="http://schemas.openxmlformats.org/presentationml/2006/main">
-  <p:cSld>
-    <p:spTree>
-      <p:nvGrpSpPr>
-        <p:cNvPr id="1" name=""/>
-        <p:cNvGrpSpPr/>
-        <p:nvPr/>
-      </p:nvGrpSpPr>
-      <p:grpSpPr>
-        <a:xfrm>
-          <a:off x="0" y="0"/>
-          <a:ext cx="0" cy="0"/>
-          <a:chOff x="0" y="0"/>
-          <a:chExt cx="0" cy="0"/>
-        </a:xfrm>
-      </p:grpSpPr>
-      <p:sp>
-        <p:nvSpPr>
-          <p:cNvPr id="2" name="Titre 1"/>
-          <p:cNvSpPr>
-            <a:spLocks noGrp="1"/>
-          </p:cNvSpPr>
-          <p:nvPr>
-            <p:ph type="title"/>
-          </p:nvPr>
-        </p:nvSpPr>
-        <p:spPr/>
-        <p:txBody>
-          <a:bodyPr/>
-          <a:lstStyle/>
-          <a:p>
-            <a:r>
-              <a:rPr lang="fr-FR" dirty="0"/>
-              <a:t>Régularisation</a:t>
-            </a:r>
           </a:p>
         </p:txBody>
       </p:sp>
@@ -9127,7 +6765,7 @@
 </p:sld>
 </file>
 
-<file path=ppt/slides/slide41.xml><?xml version="1.0" encoding="utf-8"?>
+<file path=ppt/slides/slide27.xml><?xml version="1.0" encoding="utf-8"?>
 <p:sld xmlns:a="http://schemas.openxmlformats.org/drawingml/2006/main" xmlns:r="http://schemas.openxmlformats.org/officeDocument/2006/relationships" xmlns:p="http://schemas.openxmlformats.org/presentationml/2006/main">
   <p:cSld>
     <p:spTree>
@@ -9355,7 +6993,7 @@
 </p:sld>
 </file>
 
-<file path=ppt/slides/slide42.xml><?xml version="1.0" encoding="utf-8"?>
+<file path=ppt/slides/slide3.xml><?xml version="1.0" encoding="utf-8"?>
 <p:sld xmlns:a="http://schemas.openxmlformats.org/drawingml/2006/main" xmlns:r="http://schemas.openxmlformats.org/officeDocument/2006/relationships" xmlns:p="http://schemas.openxmlformats.org/presentationml/2006/main">
   <p:cSld>
     <p:spTree>
@@ -9389,7 +7027,7 @@
           <a:p>
             <a:r>
               <a:rPr lang="fr-FR" dirty="0"/>
-              <a:t>GPU</a:t>
+              <a:t>Exemple simple</a:t>
             </a:r>
           </a:p>
         </p:txBody>
@@ -9411,50 +7049,29 @@
           <a:p>
             <a:r>
               <a:rPr lang="fr-FR" dirty="0"/>
-              <a:t>Un GPU est une processeur (à l'origine graphique) qui contient de nombreux cœurs</a:t>
-            </a:r>
-          </a:p>
-          <a:p>
-            <a:pPr lvl="1"/>
-            <a:r>
-              <a:rPr lang="fr-FR" dirty="0"/>
-              <a:t>Algèbre linéaire</a:t>
-            </a:r>
-          </a:p>
-          <a:p>
-            <a:pPr lvl="1"/>
-            <a:r>
-              <a:rPr lang="fr-FR" dirty="0"/>
-              <a:t>Cœur implémentant les fonctions de base de la trigonométrie</a:t>
-            </a:r>
-          </a:p>
-          <a:p>
-            <a:pPr lvl="1"/>
-            <a:r>
-              <a:rPr lang="fr-FR" dirty="0"/>
-              <a:t>Logique de </a:t>
-            </a:r>
-            <a:r>
-              <a:rPr lang="fr-FR" dirty="0" err="1"/>
-              <a:t>bool</a:t>
-            </a:r>
-            <a:r>
-              <a:rPr lang="fr-FR" dirty="0"/>
-              <a:t> (masque, …)</a:t>
-            </a:r>
-          </a:p>
-          <a:p>
-            <a:pPr lvl="1"/>
-            <a:r>
-              <a:rPr lang="fr-FR" dirty="0"/>
-              <a:t>Mémoire cache ultra-rapide pour simuler de grandes matrices (4K = 8M pixels = + 100 images / secondes)</a:t>
-            </a:r>
+              <a:t>MLP 5x5x1</a:t>
+            </a:r>
+          </a:p>
+          <a:p>
+            <a:pPr lvl="1"/>
+            <a:r>
+              <a:rPr lang="fr-FR" dirty="0"/>
+              <a:t>Par défaut l’activation est </a:t>
+            </a:r>
+            <a:r>
+              <a:rPr lang="fr-FR" dirty="0" err="1"/>
+              <a:t>linear</a:t>
+            </a:r>
+            <a:endParaRPr lang="fr-FR" dirty="0"/>
+          </a:p>
+          <a:p>
+            <a:endParaRPr lang="fr-FR" dirty="0"/>
           </a:p>
         </p:txBody>
       </p:sp>
       <p:pic>
         <p:nvPicPr>
-          <p:cNvPr id="4" name="Image 3"/>
+          <p:cNvPr id="8" name="Image 7"/>
           <p:cNvPicPr>
             <a:picLocks noChangeAspect="1"/>
           </p:cNvPicPr>
@@ -9468,8 +7085,8 @@
         </p:blipFill>
         <p:spPr>
           <a:xfrm>
-            <a:off x="2690875" y="4821143"/>
-            <a:ext cx="3465302" cy="2036857"/>
+            <a:off x="1835696" y="2996952"/>
+            <a:ext cx="4886039" cy="2047944"/>
           </a:xfrm>
           <a:prstGeom prst="rect">
             <a:avLst/>
@@ -9479,7 +7096,7 @@
     </p:spTree>
     <p:extLst>
       <p:ext uri="{BB962C8B-B14F-4D97-AF65-F5344CB8AC3E}">
-        <p14:creationId xmlns:p14="http://schemas.microsoft.com/office/powerpoint/2010/main" val="1716601599"/>
+        <p14:creationId xmlns:p14="http://schemas.microsoft.com/office/powerpoint/2010/main" val="247719614"/>
       </p:ext>
     </p:extLst>
   </p:cSld>
@@ -9489,7 +7106,7 @@
 </p:sld>
 </file>
 
-<file path=ppt/slides/slide43.xml><?xml version="1.0" encoding="utf-8"?>
+<file path=ppt/slides/slide4.xml><?xml version="1.0" encoding="utf-8"?>
 <p:sld xmlns:a="http://schemas.openxmlformats.org/drawingml/2006/main" xmlns:r="http://schemas.openxmlformats.org/officeDocument/2006/relationships" xmlns:p="http://schemas.openxmlformats.org/presentationml/2006/main">
   <p:cSld>
     <p:spTree>
@@ -9523,7 +7140,7 @@
           <a:p>
             <a:r>
               <a:rPr lang="fr-FR" dirty="0"/>
-              <a:t>Calcul Matriciel - GPU</a:t>
+              <a:t>MLP avec activation</a:t>
             </a:r>
           </a:p>
         </p:txBody>
@@ -9543,350 +7160,12 @@
           <a:bodyPr/>
           <a:lstStyle/>
           <a:p>
-            <a:r>
-              <a:rPr lang="fr-FR" dirty="0"/>
-              <a:t>Normalement une liste de liste de valeurs est injecté dans le MLP</a:t>
-            </a:r>
-          </a:p>
-          <a:p>
-            <a:r>
-              <a:rPr lang="fr-FR" dirty="0"/>
-              <a:t>Une itération par liste de valeur</a:t>
-            </a:r>
-          </a:p>
-          <a:p>
-            <a:r>
-              <a:rPr lang="fr-FR" dirty="0"/>
-              <a:t>L'algorithme est reproductible avec une matrice par layer</a:t>
-            </a:r>
-          </a:p>
-          <a:p>
-            <a:pPr lvl="1"/>
-            <a:r>
-              <a:rPr lang="fr-FR" dirty="0"/>
-              <a:t>Facilement </a:t>
-            </a:r>
-            <a:r>
-              <a:rPr lang="fr-FR" dirty="0" err="1"/>
-              <a:t>GPUisable</a:t>
-            </a:r>
+            <a:pPr marL="457200" lvl="1" indent="0">
+              <a:buNone/>
+            </a:pPr>
             <a:endParaRPr lang="fr-FR" dirty="0"/>
           </a:p>
           <a:p>
-            <a:r>
-              <a:rPr lang="fr-FR" dirty="0"/>
-              <a:t>Répertoire d’installation :</a:t>
-            </a:r>
-          </a:p>
-          <a:p>
-            <a:pPr lvl="1"/>
-            <a:r>
-              <a:rPr lang="fr-FR" dirty="0"/>
-              <a:t>C:\Program Files\NVIDIA GPU </a:t>
-            </a:r>
-            <a:r>
-              <a:rPr lang="fr-FR" dirty="0" err="1"/>
-              <a:t>Computing</a:t>
-            </a:r>
-            <a:r>
-              <a:rPr lang="fr-FR" dirty="0"/>
-              <a:t> Toolkit\CUDA\v11.2</a:t>
-            </a:r>
-          </a:p>
-          <a:p>
-            <a:endParaRPr lang="fr-FR" dirty="0"/>
-          </a:p>
-        </p:txBody>
-      </p:sp>
-    </p:spTree>
-    <p:extLst>
-      <p:ext uri="{BB962C8B-B14F-4D97-AF65-F5344CB8AC3E}">
-        <p14:creationId xmlns:p14="http://schemas.microsoft.com/office/powerpoint/2010/main" val="3878437058"/>
-      </p:ext>
-    </p:extLst>
-  </p:cSld>
-  <p:clrMapOvr>
-    <a:masterClrMapping/>
-  </p:clrMapOvr>
-</p:sld>
-</file>
-
-<file path=ppt/slides/slide44.xml><?xml version="1.0" encoding="utf-8"?>
-<p:sld xmlns:a="http://schemas.openxmlformats.org/drawingml/2006/main" xmlns:r="http://schemas.openxmlformats.org/officeDocument/2006/relationships" xmlns:p="http://schemas.openxmlformats.org/presentationml/2006/main">
-  <p:cSld>
-    <p:spTree>
-      <p:nvGrpSpPr>
-        <p:cNvPr id="1" name=""/>
-        <p:cNvGrpSpPr/>
-        <p:nvPr/>
-      </p:nvGrpSpPr>
-      <p:grpSpPr>
-        <a:xfrm>
-          <a:off x="0" y="0"/>
-          <a:ext cx="0" cy="0"/>
-          <a:chOff x="0" y="0"/>
-          <a:chExt cx="0" cy="0"/>
-        </a:xfrm>
-      </p:grpSpPr>
-      <p:sp>
-        <p:nvSpPr>
-          <p:cNvPr id="2" name="Titre 1"/>
-          <p:cNvSpPr>
-            <a:spLocks noGrp="1"/>
-          </p:cNvSpPr>
-          <p:nvPr>
-            <p:ph type="title"/>
-          </p:nvPr>
-        </p:nvSpPr>
-        <p:spPr/>
-        <p:txBody>
-          <a:bodyPr/>
-          <a:lstStyle/>
-          <a:p>
-            <a:r>
-              <a:rPr lang="fr-FR" dirty="0"/>
-              <a:t>Matrice de confusion</a:t>
-            </a:r>
-          </a:p>
-        </p:txBody>
-      </p:sp>
-      <p:sp>
-        <p:nvSpPr>
-          <p:cNvPr id="3" name="Espace réservé du contenu 2"/>
-          <p:cNvSpPr>
-            <a:spLocks noGrp="1"/>
-          </p:cNvSpPr>
-          <p:nvPr>
-            <p:ph idx="1"/>
-          </p:nvPr>
-        </p:nvSpPr>
-        <p:spPr/>
-        <p:txBody>
-          <a:bodyPr/>
-          <a:lstStyle/>
-          <a:p>
-            <a:r>
-              <a:rPr lang="fr-FR" dirty="0"/>
-              <a:t>La matrice de confusion apporte les cas de succès, en discriminant les vrai positifs, les vrai négatifs, les faux positifs et les vrais positifs</a:t>
-            </a:r>
-          </a:p>
-        </p:txBody>
-      </p:sp>
-      <p:pic>
-        <p:nvPicPr>
-          <p:cNvPr id="3074" name="Picture 2" descr="Résultat de recherche d'images pour &quot;sklearn confusion matrix&quot;"/>
-          <p:cNvPicPr>
-            <a:picLocks noChangeAspect="1" noChangeArrowheads="1"/>
-          </p:cNvPicPr>
-          <p:nvPr/>
-        </p:nvPicPr>
-        <p:blipFill>
-          <a:blip r:embed="rId2">
-            <a:extLst>
-              <a:ext uri="{28A0092B-C50C-407E-A947-70E740481C1C}">
-                <a14:useLocalDpi xmlns:a14="http://schemas.microsoft.com/office/drawing/2010/main" val="0"/>
-              </a:ext>
-            </a:extLst>
-          </a:blip>
-          <a:srcRect/>
-          <a:stretch>
-            <a:fillRect/>
-          </a:stretch>
-        </p:blipFill>
-        <p:spPr bwMode="auto">
-          <a:xfrm>
-            <a:off x="4932040" y="2996952"/>
-            <a:ext cx="3200400" cy="2800351"/>
-          </a:xfrm>
-          <a:prstGeom prst="rect">
-            <a:avLst/>
-          </a:prstGeom>
-          <a:noFill/>
-          <a:extLst>
-            <a:ext uri="{909E8E84-426E-40DD-AFC4-6F175D3DCCD1}">
-              <a14:hiddenFill xmlns:a14="http://schemas.microsoft.com/office/drawing/2010/main">
-                <a:solidFill>
-                  <a:srgbClr val="FFFFFF"/>
-                </a:solidFill>
-              </a14:hiddenFill>
-            </a:ext>
-          </a:extLst>
-        </p:spPr>
-      </p:pic>
-      <p:pic>
-        <p:nvPicPr>
-          <p:cNvPr id="4" name="Image 3"/>
-          <p:cNvPicPr>
-            <a:picLocks noChangeAspect="1"/>
-          </p:cNvPicPr>
-          <p:nvPr/>
-        </p:nvPicPr>
-        <p:blipFill>
-          <a:blip r:embed="rId3"/>
-          <a:stretch>
-            <a:fillRect/>
-          </a:stretch>
-        </p:blipFill>
-        <p:spPr>
-          <a:xfrm>
-            <a:off x="611560" y="3707214"/>
-            <a:ext cx="3635055" cy="1127858"/>
-          </a:xfrm>
-          <a:prstGeom prst="rect">
-            <a:avLst/>
-          </a:prstGeom>
-        </p:spPr>
-      </p:pic>
-    </p:spTree>
-    <p:extLst>
-      <p:ext uri="{BB962C8B-B14F-4D97-AF65-F5344CB8AC3E}">
-        <p14:creationId xmlns:p14="http://schemas.microsoft.com/office/powerpoint/2010/main" val="2654379289"/>
-      </p:ext>
-    </p:extLst>
-  </p:cSld>
-  <p:clrMapOvr>
-    <a:masterClrMapping/>
-  </p:clrMapOvr>
-</p:sld>
-</file>
-
-<file path=ppt/slides/slide45.xml><?xml version="1.0" encoding="utf-8"?>
-<p:sld xmlns:a="http://schemas.openxmlformats.org/drawingml/2006/main" xmlns:r="http://schemas.openxmlformats.org/officeDocument/2006/relationships" xmlns:p="http://schemas.openxmlformats.org/presentationml/2006/main">
-  <p:cSld>
-    <p:spTree>
-      <p:nvGrpSpPr>
-        <p:cNvPr id="1" name=""/>
-        <p:cNvGrpSpPr/>
-        <p:nvPr/>
-      </p:nvGrpSpPr>
-      <p:grpSpPr>
-        <a:xfrm>
-          <a:off x="0" y="0"/>
-          <a:ext cx="0" cy="0"/>
-          <a:chOff x="0" y="0"/>
-          <a:chExt cx="0" cy="0"/>
-        </a:xfrm>
-      </p:grpSpPr>
-      <p:sp>
-        <p:nvSpPr>
-          <p:cNvPr id="2" name="Titre 1"/>
-          <p:cNvSpPr>
-            <a:spLocks noGrp="1"/>
-          </p:cNvSpPr>
-          <p:nvPr>
-            <p:ph type="title"/>
-          </p:nvPr>
-        </p:nvSpPr>
-        <p:spPr/>
-        <p:txBody>
-          <a:bodyPr/>
-          <a:lstStyle/>
-          <a:p>
-            <a:r>
-              <a:rPr lang="fr-FR" dirty="0"/>
-              <a:t>Classification report</a:t>
-            </a:r>
-          </a:p>
-        </p:txBody>
-      </p:sp>
-      <p:sp>
-        <p:nvSpPr>
-          <p:cNvPr id="3" name="Espace réservé du contenu 2"/>
-          <p:cNvSpPr>
-            <a:spLocks noGrp="1"/>
-          </p:cNvSpPr>
-          <p:nvPr>
-            <p:ph idx="1"/>
-          </p:nvPr>
-        </p:nvSpPr>
-        <p:spPr/>
-        <p:txBody>
-          <a:bodyPr/>
-          <a:lstStyle/>
-          <a:p>
-            <a:r>
-              <a:rPr lang="fr-FR" dirty="0"/>
-              <a:t>Apporte le taux de succès détaillé</a:t>
-            </a:r>
-          </a:p>
-          <a:p>
-            <a:r>
-              <a:rPr lang="fr-FR" dirty="0" err="1"/>
-              <a:t>Precision</a:t>
-            </a:r>
-            <a:endParaRPr lang="fr-FR" dirty="0"/>
-          </a:p>
-          <a:p>
-            <a:pPr lvl="1"/>
-            <a:r>
-              <a:rPr lang="fr-FR" dirty="0"/>
-              <a:t>Vrai positif / (vrai positif + faux positif)</a:t>
-            </a:r>
-          </a:p>
-          <a:p>
-            <a:pPr lvl="1"/>
-            <a:r>
-              <a:rPr lang="fr-FR" dirty="0"/>
-              <a:t>Moins grave</a:t>
-            </a:r>
-          </a:p>
-          <a:p>
-            <a:r>
-              <a:rPr lang="fr-FR" dirty="0" err="1"/>
-              <a:t>Recall</a:t>
-            </a:r>
-            <a:endParaRPr lang="fr-FR" dirty="0"/>
-          </a:p>
-          <a:p>
-            <a:pPr lvl="1"/>
-            <a:r>
-              <a:rPr lang="fr-FR" dirty="0"/>
-              <a:t>vrai positif / (vrai positif + faux négatifs)</a:t>
-            </a:r>
-          </a:p>
-          <a:p>
-            <a:pPr lvl="1"/>
-            <a:r>
-              <a:rPr lang="fr-FR" dirty="0"/>
-              <a:t>Plus grave</a:t>
-            </a:r>
-          </a:p>
-          <a:p>
-            <a:r>
-              <a:rPr lang="fr-FR" dirty="0" err="1"/>
-              <a:t>Fl</a:t>
-            </a:r>
-            <a:r>
-              <a:rPr lang="fr-FR" dirty="0"/>
-              <a:t>-score</a:t>
-            </a:r>
-          </a:p>
-          <a:p>
-            <a:pPr lvl="1"/>
-            <a:r>
-              <a:rPr lang="fr-FR" dirty="0"/>
-              <a:t>Doit être proche de 1</a:t>
-            </a:r>
-          </a:p>
-          <a:p>
-            <a:r>
-              <a:rPr lang="fr-FR" dirty="0"/>
-              <a:t>Support</a:t>
-            </a:r>
-          </a:p>
-          <a:p>
-            <a:pPr lvl="1"/>
-            <a:r>
-              <a:rPr lang="fr-FR" dirty="0"/>
-              <a:t>Nombre de positifs et négatifs</a:t>
-            </a:r>
-          </a:p>
-          <a:p>
-            <a:pPr lvl="1"/>
-            <a:endParaRPr lang="fr-FR" dirty="0"/>
-          </a:p>
-          <a:p>
-            <a:pPr lvl="1"/>
             <a:endParaRPr lang="fr-FR" dirty="0"/>
           </a:p>
         </p:txBody>
@@ -9907,8 +7186,8 @@
         </p:blipFill>
         <p:spPr>
           <a:xfrm>
-            <a:off x="3923928" y="4365104"/>
-            <a:ext cx="5497779" cy="1522462"/>
+            <a:off x="1216580" y="2780928"/>
+            <a:ext cx="6984886" cy="2007307"/>
           </a:xfrm>
           <a:prstGeom prst="rect">
             <a:avLst/>
@@ -9918,7 +7197,7 @@
     </p:spTree>
     <p:extLst>
       <p:ext uri="{BB962C8B-B14F-4D97-AF65-F5344CB8AC3E}">
-        <p14:creationId xmlns:p14="http://schemas.microsoft.com/office/powerpoint/2010/main" val="8040911"/>
+        <p14:creationId xmlns:p14="http://schemas.microsoft.com/office/powerpoint/2010/main" val="4244373921"/>
       </p:ext>
     </p:extLst>
   </p:cSld>

--- a/PPT/DeepLearning09-Keras.pptx
+++ b/PPT/DeepLearning09-Keras.pptx
@@ -6483,12 +6483,8 @@
           <a:lstStyle/>
           <a:p>
             <a:r>
-              <a:rPr lang="fr-FR" dirty="0" smtClean="0"/>
-              <a:t>Il </a:t>
-            </a:r>
-            <a:r>
-              <a:rPr lang="fr-FR" dirty="0"/>
-              <a:t>est possible de sauvegarder entièrement le modèle</a:t>
+              <a:rPr lang="fr-FR" dirty="0"/>
+              <a:t>Il est possible de sauvegarder entièrement le modèle</a:t>
             </a:r>
           </a:p>
           <a:p>
@@ -6521,11 +6517,15 @@
             <a:pPr lvl="1"/>
             <a:r>
               <a:rPr lang="fr-FR" dirty="0"/>
-              <a:t>model = </a:t>
-            </a:r>
-            <a:r>
-              <a:rPr lang="fr-FR" dirty="0" err="1"/>
-              <a:t>tf.keras.models.load_model</a:t>
+              <a:t>model </a:t>
+            </a:r>
+            <a:r>
+              <a:rPr lang="fr-FR"/>
+              <a:t>= keras</a:t>
+            </a:r>
+            <a:r>
+              <a:rPr lang="fr-FR" dirty="0" err="1"/>
+              <a:t>.models.load_model</a:t>
             </a:r>
             <a:r>
               <a:rPr lang="fr-FR" dirty="0"/>
@@ -6580,7 +6580,7 @@
           <a:lstStyle/>
           <a:p>
             <a:r>
-              <a:rPr lang="fr-FR" dirty="0" err="1" smtClean="0"/>
+              <a:rPr lang="fr-FR" dirty="0" err="1"/>
               <a:t>DropOut</a:t>
             </a:r>
             <a:endParaRPr lang="fr-FR" dirty="0"/>

--- a/PPT/DeepLearning09-Keras.pptx
+++ b/PPT/DeepLearning09-Keras.pptx
@@ -5,10 +5,10 @@
     <p:sldMasterId id="2147483653" r:id="rId1"/>
   </p:sldMasterIdLst>
   <p:notesMasterIdLst>
-    <p:notesMasterId r:id="rId29"/>
+    <p:notesMasterId r:id="rId28"/>
   </p:notesMasterIdLst>
   <p:handoutMasterIdLst>
-    <p:handoutMasterId r:id="rId30"/>
+    <p:handoutMasterId r:id="rId29"/>
   </p:handoutMasterIdLst>
   <p:sldIdLst>
     <p:sldId id="264" r:id="rId2"/>
@@ -33,11 +33,10 @@
     <p:sldId id="339" r:id="rId21"/>
     <p:sldId id="341" r:id="rId22"/>
     <p:sldId id="350" r:id="rId23"/>
-    <p:sldId id="346" r:id="rId24"/>
-    <p:sldId id="347" r:id="rId25"/>
-    <p:sldId id="306" r:id="rId26"/>
-    <p:sldId id="351" r:id="rId27"/>
-    <p:sldId id="352" r:id="rId28"/>
+    <p:sldId id="347" r:id="rId24"/>
+    <p:sldId id="306" r:id="rId25"/>
+    <p:sldId id="351" r:id="rId26"/>
+    <p:sldId id="352" r:id="rId27"/>
   </p:sldIdLst>
   <p:sldSz cx="9144000" cy="6858000" type="screen4x3"/>
   <p:notesSz cx="6648450" cy="9782175"/>
@@ -6118,7 +6117,7 @@
           <a:p>
             <a:r>
               <a:rPr lang="fr-FR" dirty="0" err="1"/>
-              <a:t>to_categorical</a:t>
+              <a:t>Softmax</a:t>
             </a:r>
             <a:endParaRPr lang="fr-FR" dirty="0"/>
           </a:p>
@@ -6141,152 +6140,72 @@
           <a:p>
             <a:r>
               <a:rPr lang="fr-FR" dirty="0"/>
-              <a:t>Convertit un vecteur de labels en matrice</a:t>
-            </a:r>
-          </a:p>
-          <a:p>
-            <a:pPr lvl="1"/>
-            <a:r>
-              <a:rPr lang="fr-FR" dirty="0"/>
-              <a:t>Utile pour le calcul du </a:t>
-            </a:r>
-            <a:r>
-              <a:rPr lang="fr-FR" dirty="0" err="1"/>
-              <a:t>loss</a:t>
-            </a:r>
-            <a:r>
-              <a:rPr lang="fr-FR" dirty="0"/>
-              <a:t> par </a:t>
-            </a:r>
-            <a:r>
-              <a:rPr lang="fr-FR" dirty="0" err="1"/>
-              <a:t>categorical_crossentropy</a:t>
-            </a:r>
-            <a:endParaRPr lang="fr-FR" dirty="0"/>
-          </a:p>
-          <a:p>
-            <a:pPr lvl="1"/>
-            <a:r>
-              <a:rPr lang="fr-FR" dirty="0"/>
-              <a:t>Par exemple, supposons 5 labels sur 3 classes</a:t>
-            </a:r>
-          </a:p>
-          <a:p>
-            <a:pPr lvl="1"/>
-            <a:r>
-              <a:rPr lang="fr-FR" dirty="0"/>
-              <a:t>labels = </a:t>
-            </a:r>
-            <a:r>
-              <a:rPr lang="en-US" dirty="0"/>
-              <a:t>array([0, 2, 1, 2, 0])</a:t>
-            </a:r>
-          </a:p>
-          <a:p>
-            <a:pPr lvl="1"/>
-            <a:r>
-              <a:rPr lang="en-US" dirty="0"/>
-              <a:t>On </a:t>
-            </a:r>
-            <a:r>
-              <a:rPr lang="en-US" dirty="0" err="1"/>
-              <a:t>obtient</a:t>
-            </a:r>
-            <a:endParaRPr lang="en-US" dirty="0"/>
-          </a:p>
-          <a:p>
-            <a:pPr lvl="1"/>
-            <a:endParaRPr lang="en-US" dirty="0"/>
-          </a:p>
-          <a:p>
-            <a:pPr lvl="1"/>
-            <a:endParaRPr lang="en-US" dirty="0"/>
-          </a:p>
-          <a:p>
-            <a:pPr lvl="1"/>
-            <a:endParaRPr lang="en-US" dirty="0"/>
-          </a:p>
-          <a:p>
-            <a:pPr lvl="1"/>
-            <a:endParaRPr lang="en-US" dirty="0"/>
-          </a:p>
-          <a:p>
-            <a:pPr lvl="1"/>
-            <a:r>
-              <a:rPr lang="en-US" dirty="0"/>
-              <a:t>Les distances du loss pour </a:t>
-            </a:r>
-            <a:r>
-              <a:rPr lang="en-US" dirty="0" err="1"/>
-              <a:t>chaque</a:t>
-            </a:r>
-            <a:r>
-              <a:rPr lang="en-US" dirty="0"/>
-              <a:t> </a:t>
-            </a:r>
-            <a:r>
-              <a:rPr lang="en-US" dirty="0" err="1"/>
-              <a:t>valeur</a:t>
-            </a:r>
-            <a:r>
-              <a:rPr lang="en-US" dirty="0"/>
-              <a:t> </a:t>
-            </a:r>
-            <a:r>
-              <a:rPr lang="en-US" dirty="0" err="1"/>
-              <a:t>sont</a:t>
-            </a:r>
-            <a:r>
-              <a:rPr lang="en-US" dirty="0"/>
-              <a:t> </a:t>
-            </a:r>
-            <a:r>
-              <a:rPr lang="en-US" dirty="0" err="1"/>
-              <a:t>égales</a:t>
-            </a:r>
-            <a:r>
-              <a:rPr lang="en-US" dirty="0"/>
-              <a:t> à 1</a:t>
-            </a:r>
-          </a:p>
-          <a:p>
-            <a:pPr lvl="1"/>
-            <a:endParaRPr lang="en-US" dirty="0"/>
-          </a:p>
-          <a:p>
-            <a:pPr lvl="1"/>
-            <a:endParaRPr lang="fr-FR" dirty="0"/>
+              <a:t>Si le nombre de catégorie est = 2</a:t>
+            </a:r>
+          </a:p>
+          <a:p>
+            <a:pPr lvl="1"/>
+            <a:r>
+              <a:rPr lang="fr-FR" dirty="0"/>
+              <a:t>Il faut un output layer avec 1 neurone</a:t>
+            </a:r>
+          </a:p>
+          <a:p>
+            <a:pPr lvl="1"/>
+            <a:r>
+              <a:rPr lang="fr-FR" dirty="0"/>
+              <a:t>L’activation </a:t>
+            </a:r>
+            <a:r>
+              <a:rPr lang="fr-FR" dirty="0" err="1"/>
+              <a:t>sigmoid</a:t>
+            </a:r>
+            <a:r>
+              <a:rPr lang="fr-FR" dirty="0"/>
+              <a:t> est couramment utilisée</a:t>
+            </a:r>
+          </a:p>
+          <a:p>
+            <a:pPr lvl="1"/>
+            <a:r>
+              <a:rPr lang="fr-FR" dirty="0"/>
+              <a:t>Il est possible également d’avoir un output layer avec 2 neurones, mais il est indispensable que la somme des sorties = 1</a:t>
+            </a:r>
+          </a:p>
+          <a:p>
+            <a:r>
+              <a:rPr lang="fr-FR" dirty="0"/>
+              <a:t>Si le nombre de catégorie &gt; 2</a:t>
+            </a:r>
+          </a:p>
+          <a:p>
+            <a:pPr lvl="1"/>
+            <a:r>
+              <a:rPr lang="fr-FR" dirty="0"/>
+              <a:t>Il faut autant d’output que de catégorie</a:t>
+            </a:r>
+          </a:p>
+          <a:p>
+            <a:pPr lvl="1"/>
+            <a:r>
+              <a:rPr lang="fr-FR" dirty="0"/>
+              <a:t>L’activation </a:t>
+            </a:r>
+            <a:r>
+              <a:rPr lang="fr-FR" dirty="0" err="1"/>
+              <a:t>softmax</a:t>
+            </a:r>
+            <a:r>
+              <a:rPr lang="fr-FR" dirty="0"/>
+              <a:t> doit être utilisée</a:t>
+            </a:r>
           </a:p>
         </p:txBody>
       </p:sp>
-      <p:pic>
-        <p:nvPicPr>
-          <p:cNvPr id="4" name="Image 3"/>
-          <p:cNvPicPr>
-            <a:picLocks noChangeAspect="1"/>
-          </p:cNvPicPr>
-          <p:nvPr/>
-        </p:nvPicPr>
-        <p:blipFill>
-          <a:blip r:embed="rId2"/>
-          <a:stretch>
-            <a:fillRect/>
-          </a:stretch>
-        </p:blipFill>
-        <p:spPr>
-          <a:xfrm>
-            <a:off x="1619672" y="3717032"/>
-            <a:ext cx="5222980" cy="1728192"/>
-          </a:xfrm>
-          <a:prstGeom prst="rect">
-            <a:avLst/>
-          </a:prstGeom>
-        </p:spPr>
-      </p:pic>
     </p:spTree>
     <p:extLst>
       <p:ext uri="{BB962C8B-B14F-4D97-AF65-F5344CB8AC3E}">
-        <p14:creationId xmlns:p14="http://schemas.microsoft.com/office/powerpoint/2010/main" val="1381512878"/>
+        <p14:creationId xmlns:p14="http://schemas.microsoft.com/office/powerpoint/2010/main" val="1421864535"/>
       </p:ext>
     </p:extLst>
   </p:cSld>
@@ -6329,10 +6248,9 @@
           <a:lstStyle/>
           <a:p>
             <a:r>
-              <a:rPr lang="fr-FR" dirty="0" err="1"/>
-              <a:t>Softmax</a:t>
-            </a:r>
-            <a:endParaRPr lang="fr-FR" dirty="0"/>
+              <a:rPr lang="fr-FR"/>
+              <a:t>Solidification du modèle</a:t>
+            </a:r>
           </a:p>
         </p:txBody>
       </p:sp>
@@ -6353,137 +6271,6 @@
           <a:p>
             <a:r>
               <a:rPr lang="fr-FR" dirty="0"/>
-              <a:t>Si le nombre de catégorie est = 2</a:t>
-            </a:r>
-          </a:p>
-          <a:p>
-            <a:pPr lvl="1"/>
-            <a:r>
-              <a:rPr lang="fr-FR" dirty="0"/>
-              <a:t>Il faut un output layer avec 1 neurone</a:t>
-            </a:r>
-          </a:p>
-          <a:p>
-            <a:pPr lvl="1"/>
-            <a:r>
-              <a:rPr lang="fr-FR" dirty="0"/>
-              <a:t>L’activation </a:t>
-            </a:r>
-            <a:r>
-              <a:rPr lang="fr-FR" dirty="0" err="1"/>
-              <a:t>sigmoid</a:t>
-            </a:r>
-            <a:r>
-              <a:rPr lang="fr-FR" dirty="0"/>
-              <a:t> est couramment utilisée</a:t>
-            </a:r>
-          </a:p>
-          <a:p>
-            <a:pPr lvl="1"/>
-            <a:r>
-              <a:rPr lang="fr-FR" dirty="0"/>
-              <a:t>Il est possible également d’avoir un output layer avec 2 neurones, mais il est indispensable que la somme des sorties = 1</a:t>
-            </a:r>
-          </a:p>
-          <a:p>
-            <a:r>
-              <a:rPr lang="fr-FR" dirty="0"/>
-              <a:t>Si le nombre de catégorie &gt; 2</a:t>
-            </a:r>
-          </a:p>
-          <a:p>
-            <a:pPr lvl="1"/>
-            <a:r>
-              <a:rPr lang="fr-FR" dirty="0"/>
-              <a:t>Il faut autant d’output que de catégorie</a:t>
-            </a:r>
-          </a:p>
-          <a:p>
-            <a:pPr lvl="1"/>
-            <a:r>
-              <a:rPr lang="fr-FR" dirty="0"/>
-              <a:t>L’activation </a:t>
-            </a:r>
-            <a:r>
-              <a:rPr lang="fr-FR" dirty="0" err="1"/>
-              <a:t>softmax</a:t>
-            </a:r>
-            <a:r>
-              <a:rPr lang="fr-FR" dirty="0"/>
-              <a:t> doit être utilisée</a:t>
-            </a:r>
-          </a:p>
-        </p:txBody>
-      </p:sp>
-    </p:spTree>
-    <p:extLst>
-      <p:ext uri="{BB962C8B-B14F-4D97-AF65-F5344CB8AC3E}">
-        <p14:creationId xmlns:p14="http://schemas.microsoft.com/office/powerpoint/2010/main" val="1421864535"/>
-      </p:ext>
-    </p:extLst>
-  </p:cSld>
-  <p:clrMapOvr>
-    <a:masterClrMapping/>
-  </p:clrMapOvr>
-</p:sld>
-</file>
-
-<file path=ppt/slides/slide25.xml><?xml version="1.0" encoding="utf-8"?>
-<p:sld xmlns:a="http://schemas.openxmlformats.org/drawingml/2006/main" xmlns:r="http://schemas.openxmlformats.org/officeDocument/2006/relationships" xmlns:p="http://schemas.openxmlformats.org/presentationml/2006/main">
-  <p:cSld>
-    <p:spTree>
-      <p:nvGrpSpPr>
-        <p:cNvPr id="1" name=""/>
-        <p:cNvGrpSpPr/>
-        <p:nvPr/>
-      </p:nvGrpSpPr>
-      <p:grpSpPr>
-        <a:xfrm>
-          <a:off x="0" y="0"/>
-          <a:ext cx="0" cy="0"/>
-          <a:chOff x="0" y="0"/>
-          <a:chExt cx="0" cy="0"/>
-        </a:xfrm>
-      </p:grpSpPr>
-      <p:sp>
-        <p:nvSpPr>
-          <p:cNvPr id="2" name="Titre 1"/>
-          <p:cNvSpPr>
-            <a:spLocks noGrp="1"/>
-          </p:cNvSpPr>
-          <p:nvPr>
-            <p:ph type="title"/>
-          </p:nvPr>
-        </p:nvSpPr>
-        <p:spPr/>
-        <p:txBody>
-          <a:bodyPr/>
-          <a:lstStyle/>
-          <a:p>
-            <a:r>
-              <a:rPr lang="fr-FR"/>
-              <a:t>Solidification du modèle</a:t>
-            </a:r>
-          </a:p>
-        </p:txBody>
-      </p:sp>
-      <p:sp>
-        <p:nvSpPr>
-          <p:cNvPr id="3" name="Espace réservé du contenu 2"/>
-          <p:cNvSpPr>
-            <a:spLocks noGrp="1"/>
-          </p:cNvSpPr>
-          <p:nvPr>
-            <p:ph idx="1"/>
-          </p:nvPr>
-        </p:nvSpPr>
-        <p:spPr/>
-        <p:txBody>
-          <a:bodyPr/>
-          <a:lstStyle/>
-          <a:p>
-            <a:r>
-              <a:rPr lang="fr-FR" dirty="0"/>
               <a:t>Il est possible de sauvegarder entièrement le modèle</a:t>
             </a:r>
           </a:p>
@@ -6547,7 +6334,7 @@
 </p:sld>
 </file>
 
-<file path=ppt/slides/slide26.xml><?xml version="1.0" encoding="utf-8"?>
+<file path=ppt/slides/slide25.xml><?xml version="1.0" encoding="utf-8"?>
 <p:sld xmlns:a="http://schemas.openxmlformats.org/drawingml/2006/main" xmlns:r="http://schemas.openxmlformats.org/officeDocument/2006/relationships" xmlns:p="http://schemas.openxmlformats.org/presentationml/2006/main">
   <p:cSld>
     <p:spTree>
@@ -6765,7 +6552,7 @@
 </p:sld>
 </file>
 
-<file path=ppt/slides/slide27.xml><?xml version="1.0" encoding="utf-8"?>
+<file path=ppt/slides/slide26.xml><?xml version="1.0" encoding="utf-8"?>
 <p:sld xmlns:a="http://schemas.openxmlformats.org/drawingml/2006/main" xmlns:r="http://schemas.openxmlformats.org/officeDocument/2006/relationships" xmlns:p="http://schemas.openxmlformats.org/presentationml/2006/main">
   <p:cSld>
     <p:spTree>

--- a/PPT/DeepLearning09-Keras.pptx
+++ b/PPT/DeepLearning09-Keras.pptx
@@ -3812,6 +3812,13 @@
   <p:clrMapOvr>
     <a:masterClrMapping/>
   </p:clrMapOvr>
+  <p:timing>
+    <p:tnLst>
+      <p:par>
+        <p:cTn id="1" dur="indefinite" restart="never" nodeType="tmRoot"/>
+      </p:par>
+    </p:tnLst>
+  </p:timing>
 </p:sld>
 </file>
 
@@ -3975,6 +3982,13 @@
   <p:clrMapOvr>
     <a:masterClrMapping/>
   </p:clrMapOvr>
+  <p:timing>
+    <p:tnLst>
+      <p:par>
+        <p:cTn id="1" dur="indefinite" restart="never" nodeType="tmRoot"/>
+      </p:par>
+    </p:tnLst>
+  </p:timing>
 </p:sld>
 </file>
 
@@ -4146,6 +4160,13 @@
   <p:clrMapOvr>
     <a:masterClrMapping/>
   </p:clrMapOvr>
+  <p:timing>
+    <p:tnLst>
+      <p:par>
+        <p:cTn id="1" dur="indefinite" restart="never" nodeType="tmRoot"/>
+      </p:par>
+    </p:tnLst>
+  </p:timing>
 </p:sld>
 </file>
 
@@ -4240,6 +4261,13 @@
   <p:clrMapOvr>
     <a:masterClrMapping/>
   </p:clrMapOvr>
+  <p:timing>
+    <p:tnLst>
+      <p:par>
+        <p:cTn id="1" dur="indefinite" restart="never" nodeType="tmRoot"/>
+      </p:par>
+    </p:tnLst>
+  </p:timing>
 </p:sld>
 </file>
 
@@ -4476,6 +4504,13 @@
   <p:clrMapOvr>
     <a:masterClrMapping/>
   </p:clrMapOvr>
+  <p:timing>
+    <p:tnLst>
+      <p:par>
+        <p:cTn id="1" dur="indefinite" restart="never" nodeType="tmRoot"/>
+      </p:par>
+    </p:tnLst>
+  </p:timing>
 </p:sld>
 </file>
 
@@ -4552,6 +4587,13 @@
   <p:clrMapOvr>
     <a:masterClrMapping/>
   </p:clrMapOvr>
+  <p:timing>
+    <p:tnLst>
+      <p:par>
+        <p:cTn id="1" dur="indefinite" restart="never" nodeType="tmRoot"/>
+      </p:par>
+    </p:tnLst>
+  </p:timing>
 </p:sld>
 </file>
 
@@ -4697,6 +4739,13 @@
   <p:clrMapOvr>
     <a:masterClrMapping/>
   </p:clrMapOvr>
+  <p:timing>
+    <p:tnLst>
+      <p:par>
+        <p:cTn id="1" dur="indefinite" restart="never" nodeType="tmRoot"/>
+      </p:par>
+    </p:tnLst>
+  </p:timing>
 </p:sld>
 </file>
 
@@ -4873,6 +4922,13 @@
   <p:clrMapOvr>
     <a:masterClrMapping/>
   </p:clrMapOvr>
+  <p:timing>
+    <p:tnLst>
+      <p:par>
+        <p:cTn id="1" dur="indefinite" restart="never" nodeType="tmRoot"/>
+      </p:par>
+    </p:tnLst>
+  </p:timing>
 </p:sld>
 </file>
 
@@ -4981,6 +5037,13 @@
   <p:clrMapOvr>
     <a:masterClrMapping/>
   </p:clrMapOvr>
+  <p:timing>
+    <p:tnLst>
+      <p:par>
+        <p:cTn id="1" dur="indefinite" restart="never" nodeType="tmRoot"/>
+      </p:par>
+    </p:tnLst>
+  </p:timing>
 </p:sld>
 </file>
 
@@ -5113,6 +5176,13 @@
   <p:clrMapOvr>
     <a:masterClrMapping/>
   </p:clrMapOvr>
+  <p:timing>
+    <p:tnLst>
+      <p:par>
+        <p:cTn id="1" dur="indefinite" restart="never" nodeType="tmRoot"/>
+      </p:par>
+    </p:tnLst>
+  </p:timing>
 </p:sld>
 </file>
 
@@ -5256,6 +5326,13 @@
   <p:clrMapOvr>
     <a:masterClrMapping/>
   </p:clrMapOvr>
+  <p:timing>
+    <p:tnLst>
+      <p:par>
+        <p:cTn id="1" dur="indefinite" restart="never" nodeType="tmRoot"/>
+      </p:par>
+    </p:tnLst>
+  </p:timing>
 </p:sld>
 </file>
 
@@ -5525,6 +5602,13 @@
   <p:clrMapOvr>
     <a:masterClrMapping/>
   </p:clrMapOvr>
+  <p:timing>
+    <p:tnLst>
+      <p:par>
+        <p:cTn id="1" dur="indefinite" restart="never" nodeType="tmRoot"/>
+      </p:par>
+    </p:tnLst>
+  </p:timing>
 </p:sld>
 </file>
 
@@ -5679,6 +5763,13 @@
   <p:clrMapOvr>
     <a:masterClrMapping/>
   </p:clrMapOvr>
+  <p:timing>
+    <p:tnLst>
+      <p:par>
+        <p:cTn id="1" dur="indefinite" restart="never" nodeType="tmRoot"/>
+      </p:par>
+    </p:tnLst>
+  </p:timing>
 </p:sld>
 </file>
 
@@ -5821,6 +5912,13 @@
   <p:clrMapOvr>
     <a:masterClrMapping/>
   </p:clrMapOvr>
+  <p:timing>
+    <p:tnLst>
+      <p:par>
+        <p:cTn id="1" dur="indefinite" restart="never" nodeType="tmRoot"/>
+      </p:par>
+    </p:tnLst>
+  </p:timing>
 </p:sld>
 </file>
 
@@ -6080,6 +6178,13 @@
   <p:clrMapOvr>
     <a:masterClrMapping/>
   </p:clrMapOvr>
+  <p:timing>
+    <p:tnLst>
+      <p:par>
+        <p:cTn id="1" dur="indefinite" restart="never" nodeType="tmRoot"/>
+      </p:par>
+    </p:tnLst>
+  </p:timing>
 </p:sld>
 </file>
 
@@ -6212,6 +6317,13 @@
   <p:clrMapOvr>
     <a:masterClrMapping/>
   </p:clrMapOvr>
+  <p:timing>
+    <p:tnLst>
+      <p:par>
+        <p:cTn id="1" dur="indefinite" restart="never" nodeType="tmRoot"/>
+      </p:par>
+    </p:tnLst>
+  </p:timing>
 </p:sld>
 </file>
 
@@ -6331,6 +6443,13 @@
   <p:clrMapOvr>
     <a:masterClrMapping/>
   </p:clrMapOvr>
+  <p:timing>
+    <p:tnLst>
+      <p:par>
+        <p:cTn id="1" dur="indefinite" restart="never" nodeType="tmRoot"/>
+      </p:par>
+    </p:tnLst>
+  </p:timing>
 </p:sld>
 </file>
 
@@ -6549,6 +6668,13 @@
   <p:clrMapOvr>
     <a:masterClrMapping/>
   </p:clrMapOvr>
+  <p:timing>
+    <p:tnLst>
+      <p:par>
+        <p:cTn id="1" dur="indefinite" restart="never" nodeType="tmRoot"/>
+      </p:par>
+    </p:tnLst>
+  </p:timing>
 </p:sld>
 </file>
 
@@ -6777,6 +6903,13 @@
   <p:clrMapOvr>
     <a:masterClrMapping/>
   </p:clrMapOvr>
+  <p:timing>
+    <p:tnLst>
+      <p:par>
+        <p:cTn id="1" dur="indefinite" restart="never" nodeType="tmRoot"/>
+      </p:par>
+    </p:tnLst>
+  </p:timing>
 </p:sld>
 </file>
 
@@ -6890,6 +7023,13 @@
   <p:clrMapOvr>
     <a:masterClrMapping/>
   </p:clrMapOvr>
+  <p:timing>
+    <p:tnLst>
+      <p:par>
+        <p:cTn id="1" dur="indefinite" restart="never" nodeType="tmRoot"/>
+      </p:par>
+    </p:tnLst>
+  </p:timing>
 </p:sld>
 </file>
 
@@ -6991,6 +7131,13 @@
   <p:clrMapOvr>
     <a:masterClrMapping/>
   </p:clrMapOvr>
+  <p:timing>
+    <p:tnLst>
+      <p:par>
+        <p:cTn id="1" dur="indefinite" restart="never" nodeType="tmRoot"/>
+      </p:par>
+    </p:tnLst>
+  </p:timing>
 </p:sld>
 </file>
 
@@ -7219,6 +7366,13 @@
   <p:clrMapOvr>
     <a:masterClrMapping/>
   </p:clrMapOvr>
+  <p:timing>
+    <p:tnLst>
+      <p:par>
+        <p:cTn id="1" dur="indefinite" restart="never" nodeType="tmRoot"/>
+      </p:par>
+    </p:tnLst>
+  </p:timing>
 </p:sld>
 </file>
 
@@ -7343,6 +7497,13 @@
   <p:clrMapOvr>
     <a:masterClrMapping/>
   </p:clrMapOvr>
+  <p:timing>
+    <p:tnLst>
+      <p:par>
+        <p:cTn id="1" dur="indefinite" restart="never" nodeType="tmRoot"/>
+      </p:par>
+    </p:tnLst>
+  </p:timing>
 </p:sld>
 </file>
 
@@ -7447,8 +7608,13 @@
             <a:pPr lvl="1"/>
             <a:r>
               <a:rPr lang="fr-FR" dirty="0"/>
-              <a:t>Compatible pour tout graphe acyclique</a:t>
-            </a:r>
+              <a:t>Compatible pour tout graphe </a:t>
+            </a:r>
+            <a:r>
+              <a:rPr lang="fr-FR" dirty="0" smtClean="0"/>
+              <a:t>cyclique</a:t>
+            </a:r>
+            <a:endParaRPr lang="fr-FR" dirty="0"/>
           </a:p>
           <a:p>
             <a:pPr lvl="1"/>
@@ -7469,6 +7635,13 @@
   <p:clrMapOvr>
     <a:masterClrMapping/>
   </p:clrMapOvr>
+  <p:timing>
+    <p:tnLst>
+      <p:par>
+        <p:cTn id="1" dur="indefinite" restart="never" nodeType="tmRoot"/>
+      </p:par>
+    </p:tnLst>
+  </p:timing>
 </p:sld>
 </file>
 
@@ -7637,6 +7810,13 @@
   <p:clrMapOvr>
     <a:masterClrMapping/>
   </p:clrMapOvr>
+  <p:timing>
+    <p:tnLst>
+      <p:par>
+        <p:cTn id="1" dur="indefinite" restart="never" nodeType="tmRoot"/>
+      </p:par>
+    </p:tnLst>
+  </p:timing>
 </p:sld>
 </file>
 
@@ -7822,6 +8002,13 @@
   <p:clrMapOvr>
     <a:masterClrMapping/>
   </p:clrMapOvr>
+  <p:timing>
+    <p:tnLst>
+      <p:par>
+        <p:cTn id="1" dur="indefinite" restart="never" nodeType="tmRoot"/>
+      </p:par>
+    </p:tnLst>
+  </p:timing>
 </p:sld>
 </file>
 
